--- a/_book/plot/unnamed-chunk-39-1.pptx
+++ b/_book/plot/unnamed-chunk-39-1.pptx
@@ -3192,8 +3192,8 @@
           </p:nvSpPr>
           <p:spPr>
             <a:xfrm>
-              <a:off x="2023549" y="1590617"/>
-              <a:ext cx="6913543" cy="4048310"/>
+              <a:off x="2179881" y="1809173"/>
+              <a:ext cx="1295770" cy="3464924"/>
             </a:xfrm>
             <a:prstGeom prst="rect">
               <a:avLst/>
@@ -3218,28 +3218,28 @@
           </p:nvSpPr>
           <p:spPr>
             <a:xfrm>
-              <a:off x="3073422" y="1590617"/>
-              <a:ext cx="0" cy="4048310"/>
-            </a:xfrm>
-            <a:custGeom>
-              <a:avLst/>
-              <a:pathLst>
-                <a:path w="0" h="4048310">
-                  <a:moveTo>
-                    <a:pt x="0" y="4048310"/>
-                  </a:moveTo>
-                  <a:lnTo>
-                    <a:pt x="0" y="0"/>
-                  </a:lnTo>
-                  <a:lnTo>
-                    <a:pt x="0" y="0"/>
-                  </a:lnTo>
-                </a:path>
-              </a:pathLst>
-            </a:custGeom>
-            <a:ln w="3387" cap="flat">
-              <a:solidFill>
-                <a:srgbClr val="DEDEDE">
+              <a:off x="2179881" y="4777168"/>
+              <a:ext cx="1295770" cy="0"/>
+            </a:xfrm>
+            <a:custGeom>
+              <a:avLst/>
+              <a:pathLst>
+                <a:path w="1295770" h="0">
+                  <a:moveTo>
+                    <a:pt x="0" y="0"/>
+                  </a:moveTo>
+                  <a:lnTo>
+                    <a:pt x="1295770" y="0"/>
+                  </a:lnTo>
+                  <a:lnTo>
+                    <a:pt x="1295770" y="0"/>
+                  </a:lnTo>
+                </a:path>
+              </a:pathLst>
+            </a:custGeom>
+            <a:ln w="6775" cap="flat">
+              <a:solidFill>
+                <a:srgbClr val="EBEBEB">
                   <a:alpha val="100000"/>
                 </a:srgbClr>
               </a:solidFill>
@@ -3261,28 +3261,28 @@
           </p:nvSpPr>
           <p:spPr>
             <a:xfrm>
-              <a:off x="5173169" y="1590617"/>
-              <a:ext cx="0" cy="4048310"/>
-            </a:xfrm>
-            <a:custGeom>
-              <a:avLst/>
-              <a:pathLst>
-                <a:path w="0" h="4048310">
-                  <a:moveTo>
-                    <a:pt x="0" y="4048310"/>
-                  </a:moveTo>
-                  <a:lnTo>
-                    <a:pt x="0" y="0"/>
-                  </a:lnTo>
-                  <a:lnTo>
-                    <a:pt x="0" y="0"/>
-                  </a:lnTo>
-                </a:path>
-              </a:pathLst>
-            </a:custGeom>
-            <a:ln w="3387" cap="flat">
-              <a:solidFill>
-                <a:srgbClr val="DEDEDE">
+              <a:off x="2179881" y="4098304"/>
+              <a:ext cx="1295770" cy="0"/>
+            </a:xfrm>
+            <a:custGeom>
+              <a:avLst/>
+              <a:pathLst>
+                <a:path w="1295770" h="0">
+                  <a:moveTo>
+                    <a:pt x="0" y="0"/>
+                  </a:moveTo>
+                  <a:lnTo>
+                    <a:pt x="1295770" y="0"/>
+                  </a:lnTo>
+                  <a:lnTo>
+                    <a:pt x="1295770" y="0"/>
+                  </a:lnTo>
+                </a:path>
+              </a:pathLst>
+            </a:custGeom>
+            <a:ln w="6775" cap="flat">
+              <a:solidFill>
+                <a:srgbClr val="EBEBEB">
                   <a:alpha val="100000"/>
                 </a:srgbClr>
               </a:solidFill>
@@ -3304,28 +3304,28 @@
           </p:nvSpPr>
           <p:spPr>
             <a:xfrm>
-              <a:off x="7272916" y="1590617"/>
-              <a:ext cx="0" cy="4048310"/>
-            </a:xfrm>
-            <a:custGeom>
-              <a:avLst/>
-              <a:pathLst>
-                <a:path w="0" h="4048310">
-                  <a:moveTo>
-                    <a:pt x="0" y="4048310"/>
-                  </a:moveTo>
-                  <a:lnTo>
-                    <a:pt x="0" y="0"/>
-                  </a:lnTo>
-                  <a:lnTo>
-                    <a:pt x="0" y="0"/>
-                  </a:lnTo>
-                </a:path>
-              </a:pathLst>
-            </a:custGeom>
-            <a:ln w="3387" cap="flat">
-              <a:solidFill>
-                <a:srgbClr val="DEDEDE">
+              <a:off x="2179881" y="3419439"/>
+              <a:ext cx="1295770" cy="0"/>
+            </a:xfrm>
+            <a:custGeom>
+              <a:avLst/>
+              <a:pathLst>
+                <a:path w="1295770" h="0">
+                  <a:moveTo>
+                    <a:pt x="0" y="0"/>
+                  </a:moveTo>
+                  <a:lnTo>
+                    <a:pt x="1295770" y="0"/>
+                  </a:lnTo>
+                  <a:lnTo>
+                    <a:pt x="1295770" y="0"/>
+                  </a:lnTo>
+                </a:path>
+              </a:pathLst>
+            </a:custGeom>
+            <a:ln w="6775" cap="flat">
+              <a:solidFill>
+                <a:srgbClr val="EBEBEB">
                   <a:alpha val="100000"/>
                 </a:srgbClr>
               </a:solidFill>
@@ -3347,28 +3347,28 @@
           </p:nvSpPr>
           <p:spPr>
             <a:xfrm>
-              <a:off x="2023549" y="5342710"/>
-              <a:ext cx="6913543" cy="0"/>
-            </a:xfrm>
-            <a:custGeom>
-              <a:avLst/>
-              <a:pathLst>
-                <a:path w="6913543" h="0">
-                  <a:moveTo>
-                    <a:pt x="0" y="0"/>
-                  </a:moveTo>
-                  <a:lnTo>
-                    <a:pt x="6913543" y="0"/>
-                  </a:lnTo>
-                  <a:lnTo>
-                    <a:pt x="6913543" y="0"/>
+              <a:off x="2179881" y="2740575"/>
+              <a:ext cx="1295770" cy="0"/>
+            </a:xfrm>
+            <a:custGeom>
+              <a:avLst/>
+              <a:pathLst>
+                <a:path w="1295770" h="0">
+                  <a:moveTo>
+                    <a:pt x="0" y="0"/>
+                  </a:moveTo>
+                  <a:lnTo>
+                    <a:pt x="1295770" y="0"/>
+                  </a:lnTo>
+                  <a:lnTo>
+                    <a:pt x="1295770" y="0"/>
                   </a:lnTo>
                 </a:path>
               </a:pathLst>
             </a:custGeom>
             <a:ln w="6775" cap="flat">
               <a:solidFill>
-                <a:srgbClr val="DEDEDE">
+                <a:srgbClr val="EBEBEB">
                   <a:alpha val="100000"/>
                 </a:srgbClr>
               </a:solidFill>
@@ -3390,28 +3390,28 @@
           </p:nvSpPr>
           <p:spPr>
             <a:xfrm>
-              <a:off x="2023549" y="4849013"/>
-              <a:ext cx="6913543" cy="0"/>
-            </a:xfrm>
-            <a:custGeom>
-              <a:avLst/>
-              <a:pathLst>
-                <a:path w="6913543" h="0">
-                  <a:moveTo>
-                    <a:pt x="0" y="0"/>
-                  </a:moveTo>
-                  <a:lnTo>
-                    <a:pt x="6913543" y="0"/>
-                  </a:lnTo>
-                  <a:lnTo>
-                    <a:pt x="6913543" y="0"/>
+              <a:off x="2179881" y="2061710"/>
+              <a:ext cx="1295770" cy="0"/>
+            </a:xfrm>
+            <a:custGeom>
+              <a:avLst/>
+              <a:pathLst>
+                <a:path w="1295770" h="0">
+                  <a:moveTo>
+                    <a:pt x="0" y="0"/>
+                  </a:moveTo>
+                  <a:lnTo>
+                    <a:pt x="1295770" y="0"/>
+                  </a:lnTo>
+                  <a:lnTo>
+                    <a:pt x="1295770" y="0"/>
                   </a:lnTo>
                 </a:path>
               </a:pathLst>
             </a:custGeom>
             <a:ln w="6775" cap="flat">
               <a:solidFill>
-                <a:srgbClr val="DEDEDE">
+                <a:srgbClr val="EBEBEB">
                   <a:alpha val="100000"/>
                 </a:srgbClr>
               </a:solidFill>
@@ -3433,28 +3433,28 @@
           </p:nvSpPr>
           <p:spPr>
             <a:xfrm>
-              <a:off x="2023549" y="4355317"/>
-              <a:ext cx="6913543" cy="0"/>
-            </a:xfrm>
-            <a:custGeom>
-              <a:avLst/>
-              <a:pathLst>
-                <a:path w="6913543" h="0">
-                  <a:moveTo>
-                    <a:pt x="0" y="0"/>
-                  </a:moveTo>
-                  <a:lnTo>
-                    <a:pt x="6913543" y="0"/>
-                  </a:lnTo>
-                  <a:lnTo>
-                    <a:pt x="6913543" y="0"/>
-                  </a:lnTo>
-                </a:path>
-              </a:pathLst>
-            </a:custGeom>
-            <a:ln w="6775" cap="flat">
-              <a:solidFill>
-                <a:srgbClr val="DEDEDE">
+              <a:off x="2179881" y="5116600"/>
+              <a:ext cx="1295770" cy="0"/>
+            </a:xfrm>
+            <a:custGeom>
+              <a:avLst/>
+              <a:pathLst>
+                <a:path w="1295770" h="0">
+                  <a:moveTo>
+                    <a:pt x="0" y="0"/>
+                  </a:moveTo>
+                  <a:lnTo>
+                    <a:pt x="1295770" y="0"/>
+                  </a:lnTo>
+                  <a:lnTo>
+                    <a:pt x="1295770" y="0"/>
+                  </a:lnTo>
+                </a:path>
+              </a:pathLst>
+            </a:custGeom>
+            <a:ln w="13550" cap="flat">
+              <a:solidFill>
+                <a:srgbClr val="EBEBEB">
                   <a:alpha val="100000"/>
                 </a:srgbClr>
               </a:solidFill>
@@ -3476,28 +3476,28 @@
           </p:nvSpPr>
           <p:spPr>
             <a:xfrm>
-              <a:off x="2023549" y="3861620"/>
-              <a:ext cx="6913543" cy="0"/>
-            </a:xfrm>
-            <a:custGeom>
-              <a:avLst/>
-              <a:pathLst>
-                <a:path w="6913543" h="0">
-                  <a:moveTo>
-                    <a:pt x="0" y="0"/>
-                  </a:moveTo>
-                  <a:lnTo>
-                    <a:pt x="6913543" y="0"/>
-                  </a:lnTo>
-                  <a:lnTo>
-                    <a:pt x="6913543" y="0"/>
-                  </a:lnTo>
-                </a:path>
-              </a:pathLst>
-            </a:custGeom>
-            <a:ln w="6775" cap="flat">
-              <a:solidFill>
-                <a:srgbClr val="DEDEDE">
+              <a:off x="2179881" y="4437736"/>
+              <a:ext cx="1295770" cy="0"/>
+            </a:xfrm>
+            <a:custGeom>
+              <a:avLst/>
+              <a:pathLst>
+                <a:path w="1295770" h="0">
+                  <a:moveTo>
+                    <a:pt x="0" y="0"/>
+                  </a:moveTo>
+                  <a:lnTo>
+                    <a:pt x="1295770" y="0"/>
+                  </a:lnTo>
+                  <a:lnTo>
+                    <a:pt x="1295770" y="0"/>
+                  </a:lnTo>
+                </a:path>
+              </a:pathLst>
+            </a:custGeom>
+            <a:ln w="13550" cap="flat">
+              <a:solidFill>
+                <a:srgbClr val="EBEBEB">
                   <a:alpha val="100000"/>
                 </a:srgbClr>
               </a:solidFill>
@@ -3519,28 +3519,28 @@
           </p:nvSpPr>
           <p:spPr>
             <a:xfrm>
-              <a:off x="2023549" y="3367924"/>
-              <a:ext cx="6913543" cy="0"/>
-            </a:xfrm>
-            <a:custGeom>
-              <a:avLst/>
-              <a:pathLst>
-                <a:path w="6913543" h="0">
-                  <a:moveTo>
-                    <a:pt x="0" y="0"/>
-                  </a:moveTo>
-                  <a:lnTo>
-                    <a:pt x="6913543" y="0"/>
-                  </a:lnTo>
-                  <a:lnTo>
-                    <a:pt x="6913543" y="0"/>
-                  </a:lnTo>
-                </a:path>
-              </a:pathLst>
-            </a:custGeom>
-            <a:ln w="6775" cap="flat">
-              <a:solidFill>
-                <a:srgbClr val="DEDEDE">
+              <a:off x="2179881" y="3758871"/>
+              <a:ext cx="1295770" cy="0"/>
+            </a:xfrm>
+            <a:custGeom>
+              <a:avLst/>
+              <a:pathLst>
+                <a:path w="1295770" h="0">
+                  <a:moveTo>
+                    <a:pt x="0" y="0"/>
+                  </a:moveTo>
+                  <a:lnTo>
+                    <a:pt x="1295770" y="0"/>
+                  </a:lnTo>
+                  <a:lnTo>
+                    <a:pt x="1295770" y="0"/>
+                  </a:lnTo>
+                </a:path>
+              </a:pathLst>
+            </a:custGeom>
+            <a:ln w="13550" cap="flat">
+              <a:solidFill>
+                <a:srgbClr val="EBEBEB">
                   <a:alpha val="100000"/>
                 </a:srgbClr>
               </a:solidFill>
@@ -3562,28 +3562,28 @@
           </p:nvSpPr>
           <p:spPr>
             <a:xfrm>
-              <a:off x="2023549" y="2874227"/>
-              <a:ext cx="6913543" cy="0"/>
-            </a:xfrm>
-            <a:custGeom>
-              <a:avLst/>
-              <a:pathLst>
-                <a:path w="6913543" h="0">
-                  <a:moveTo>
-                    <a:pt x="0" y="0"/>
-                  </a:moveTo>
-                  <a:lnTo>
-                    <a:pt x="6913543" y="0"/>
-                  </a:lnTo>
-                  <a:lnTo>
-                    <a:pt x="6913543" y="0"/>
-                  </a:lnTo>
-                </a:path>
-              </a:pathLst>
-            </a:custGeom>
-            <a:ln w="6775" cap="flat">
-              <a:solidFill>
-                <a:srgbClr val="DEDEDE">
+              <a:off x="2179881" y="3080007"/>
+              <a:ext cx="1295770" cy="0"/>
+            </a:xfrm>
+            <a:custGeom>
+              <a:avLst/>
+              <a:pathLst>
+                <a:path w="1295770" h="0">
+                  <a:moveTo>
+                    <a:pt x="0" y="0"/>
+                  </a:moveTo>
+                  <a:lnTo>
+                    <a:pt x="1295770" y="0"/>
+                  </a:lnTo>
+                  <a:lnTo>
+                    <a:pt x="1295770" y="0"/>
+                  </a:lnTo>
+                </a:path>
+              </a:pathLst>
+            </a:custGeom>
+            <a:ln w="13550" cap="flat">
+              <a:solidFill>
+                <a:srgbClr val="EBEBEB">
                   <a:alpha val="100000"/>
                 </a:srgbClr>
               </a:solidFill>
@@ -3605,28 +3605,28 @@
           </p:nvSpPr>
           <p:spPr>
             <a:xfrm>
-              <a:off x="2023549" y="2380531"/>
-              <a:ext cx="6913543" cy="0"/>
-            </a:xfrm>
-            <a:custGeom>
-              <a:avLst/>
-              <a:pathLst>
-                <a:path w="6913543" h="0">
-                  <a:moveTo>
-                    <a:pt x="0" y="0"/>
-                  </a:moveTo>
-                  <a:lnTo>
-                    <a:pt x="6913543" y="0"/>
-                  </a:lnTo>
-                  <a:lnTo>
-                    <a:pt x="6913543" y="0"/>
-                  </a:lnTo>
-                </a:path>
-              </a:pathLst>
-            </a:custGeom>
-            <a:ln w="6775" cap="flat">
-              <a:solidFill>
-                <a:srgbClr val="DEDEDE">
+              <a:off x="2179881" y="2401142"/>
+              <a:ext cx="1295770" cy="0"/>
+            </a:xfrm>
+            <a:custGeom>
+              <a:avLst/>
+              <a:pathLst>
+                <a:path w="1295770" h="0">
+                  <a:moveTo>
+                    <a:pt x="0" y="0"/>
+                  </a:moveTo>
+                  <a:lnTo>
+                    <a:pt x="1295770" y="0"/>
+                  </a:lnTo>
+                  <a:lnTo>
+                    <a:pt x="1295770" y="0"/>
+                  </a:lnTo>
+                </a:path>
+              </a:pathLst>
+            </a:custGeom>
+            <a:ln w="13550" cap="flat">
+              <a:solidFill>
+                <a:srgbClr val="EBEBEB">
                   <a:alpha val="100000"/>
                 </a:srgbClr>
               </a:solidFill>
@@ -3648,28 +3648,28 @@
           </p:nvSpPr>
           <p:spPr>
             <a:xfrm>
-              <a:off x="2023549" y="1886835"/>
-              <a:ext cx="6913543" cy="0"/>
-            </a:xfrm>
-            <a:custGeom>
-              <a:avLst/>
-              <a:pathLst>
-                <a:path w="6913543" h="0">
-                  <a:moveTo>
-                    <a:pt x="0" y="0"/>
-                  </a:moveTo>
-                  <a:lnTo>
-                    <a:pt x="6913543" y="0"/>
-                  </a:lnTo>
-                  <a:lnTo>
-                    <a:pt x="6913543" y="0"/>
-                  </a:lnTo>
-                </a:path>
-              </a:pathLst>
-            </a:custGeom>
-            <a:ln w="6775" cap="flat">
-              <a:solidFill>
-                <a:srgbClr val="DEDEDE">
+              <a:off x="2364991" y="1809173"/>
+              <a:ext cx="0" cy="3464924"/>
+            </a:xfrm>
+            <a:custGeom>
+              <a:avLst/>
+              <a:pathLst>
+                <a:path w="0" h="3464924">
+                  <a:moveTo>
+                    <a:pt x="0" y="3464924"/>
+                  </a:moveTo>
+                  <a:lnTo>
+                    <a:pt x="0" y="0"/>
+                  </a:lnTo>
+                  <a:lnTo>
+                    <a:pt x="0" y="0"/>
+                  </a:lnTo>
+                </a:path>
+              </a:pathLst>
+            </a:custGeom>
+            <a:ln w="13550" cap="flat">
+              <a:solidFill>
+                <a:srgbClr val="EBEBEB">
                   <a:alpha val="100000"/>
                 </a:srgbClr>
               </a:solidFill>
@@ -3691,28 +3691,28 @@
           </p:nvSpPr>
           <p:spPr>
             <a:xfrm>
-              <a:off x="2023549" y="1590617"/>
-              <a:ext cx="0" cy="4048310"/>
-            </a:xfrm>
-            <a:custGeom>
-              <a:avLst/>
-              <a:pathLst>
-                <a:path w="0" h="4048310">
-                  <a:moveTo>
-                    <a:pt x="0" y="4048310"/>
-                  </a:moveTo>
-                  <a:lnTo>
-                    <a:pt x="0" y="0"/>
-                  </a:lnTo>
-                  <a:lnTo>
-                    <a:pt x="0" y="0"/>
-                  </a:lnTo>
-                </a:path>
-              </a:pathLst>
-            </a:custGeom>
-            <a:ln w="6775" cap="flat">
-              <a:solidFill>
-                <a:srgbClr val="DEDEDE">
+              <a:off x="2673508" y="1809173"/>
+              <a:ext cx="0" cy="3464924"/>
+            </a:xfrm>
+            <a:custGeom>
+              <a:avLst/>
+              <a:pathLst>
+                <a:path w="0" h="3464924">
+                  <a:moveTo>
+                    <a:pt x="0" y="3464924"/>
+                  </a:moveTo>
+                  <a:lnTo>
+                    <a:pt x="0" y="0"/>
+                  </a:lnTo>
+                  <a:lnTo>
+                    <a:pt x="0" y="0"/>
+                  </a:lnTo>
+                </a:path>
+              </a:pathLst>
+            </a:custGeom>
+            <a:ln w="13550" cap="flat">
+              <a:solidFill>
+                <a:srgbClr val="EBEBEB">
                   <a:alpha val="100000"/>
                 </a:srgbClr>
               </a:solidFill>
@@ -3734,28 +3734,28 @@
           </p:nvSpPr>
           <p:spPr>
             <a:xfrm>
-              <a:off x="4123296" y="1590617"/>
-              <a:ext cx="0" cy="4048310"/>
-            </a:xfrm>
-            <a:custGeom>
-              <a:avLst/>
-              <a:pathLst>
-                <a:path w="0" h="4048310">
-                  <a:moveTo>
-                    <a:pt x="0" y="4048310"/>
-                  </a:moveTo>
-                  <a:lnTo>
-                    <a:pt x="0" y="0"/>
-                  </a:lnTo>
-                  <a:lnTo>
-                    <a:pt x="0" y="0"/>
-                  </a:lnTo>
-                </a:path>
-              </a:pathLst>
-            </a:custGeom>
-            <a:ln w="6775" cap="flat">
-              <a:solidFill>
-                <a:srgbClr val="DEDEDE">
+              <a:off x="2982025" y="1809173"/>
+              <a:ext cx="0" cy="3464924"/>
+            </a:xfrm>
+            <a:custGeom>
+              <a:avLst/>
+              <a:pathLst>
+                <a:path w="0" h="3464924">
+                  <a:moveTo>
+                    <a:pt x="0" y="3464924"/>
+                  </a:moveTo>
+                  <a:lnTo>
+                    <a:pt x="0" y="0"/>
+                  </a:lnTo>
+                  <a:lnTo>
+                    <a:pt x="0" y="0"/>
+                  </a:lnTo>
+                </a:path>
+              </a:pathLst>
+            </a:custGeom>
+            <a:ln w="13550" cap="flat">
+              <a:solidFill>
+                <a:srgbClr val="EBEBEB">
                   <a:alpha val="100000"/>
                 </a:srgbClr>
               </a:solidFill>
@@ -3777,100 +3777,57 @@
           </p:nvSpPr>
           <p:spPr>
             <a:xfrm>
-              <a:off x="6223043" y="1590617"/>
-              <a:ext cx="0" cy="4048310"/>
-            </a:xfrm>
-            <a:custGeom>
-              <a:avLst/>
-              <a:pathLst>
-                <a:path w="0" h="4048310">
-                  <a:moveTo>
-                    <a:pt x="0" y="4048310"/>
-                  </a:moveTo>
-                  <a:lnTo>
-                    <a:pt x="0" y="0"/>
-                  </a:lnTo>
-                  <a:lnTo>
-                    <a:pt x="0" y="0"/>
-                  </a:lnTo>
-                </a:path>
-              </a:pathLst>
-            </a:custGeom>
-            <a:ln w="6775" cap="flat">
-              <a:solidFill>
-                <a:srgbClr val="DEDEDE">
-                  <a:alpha val="100000"/>
-                </a:srgbClr>
-              </a:solidFill>
-              <a:prstDash val="solid"/>
-              <a:round/>
-            </a:ln>
-          </p:spPr>
-          <p:txBody>
-            <a:bodyPr/>
-            <a:lstStyle/>
-            <a:p/>
-          </p:txBody>
-        </p:sp>
-        <p:sp>
-          <p:nvSpPr>
-            <p:cNvPr id="20" name="pl20"/>
-            <p:cNvSpPr/>
-            <p:nvPr/>
-          </p:nvSpPr>
-          <p:spPr>
-            <a:xfrm>
-              <a:off x="8322790" y="1590617"/>
-              <a:ext cx="0" cy="4048310"/>
-            </a:xfrm>
-            <a:custGeom>
-              <a:avLst/>
-              <a:pathLst>
-                <a:path w="0" h="4048310">
-                  <a:moveTo>
-                    <a:pt x="0" y="4048310"/>
-                  </a:moveTo>
-                  <a:lnTo>
-                    <a:pt x="0" y="0"/>
-                  </a:lnTo>
-                  <a:lnTo>
-                    <a:pt x="0" y="0"/>
-                  </a:lnTo>
-                </a:path>
-              </a:pathLst>
-            </a:custGeom>
-            <a:ln w="6775" cap="flat">
-              <a:solidFill>
-                <a:srgbClr val="DEDEDE">
-                  <a:alpha val="100000"/>
-                </a:srgbClr>
-              </a:solidFill>
-              <a:prstDash val="solid"/>
-              <a:round/>
-            </a:ln>
-          </p:spPr>
-          <p:txBody>
-            <a:bodyPr/>
-            <a:lstStyle/>
-            <a:p/>
-          </p:txBody>
-        </p:sp>
-        <p:sp>
-          <p:nvSpPr>
-            <p:cNvPr id="21" name="rc21"/>
-            <p:cNvSpPr/>
-            <p:nvPr/>
-          </p:nvSpPr>
-          <p:spPr>
-            <a:xfrm>
-              <a:off x="2023549" y="1664671"/>
-              <a:ext cx="6777983" cy="444326"/>
+              <a:off x="3290542" y="1809173"/>
+              <a:ext cx="0" cy="3464924"/>
+            </a:xfrm>
+            <a:custGeom>
+              <a:avLst/>
+              <a:pathLst>
+                <a:path w="0" h="3464924">
+                  <a:moveTo>
+                    <a:pt x="0" y="3464924"/>
+                  </a:moveTo>
+                  <a:lnTo>
+                    <a:pt x="0" y="0"/>
+                  </a:lnTo>
+                  <a:lnTo>
+                    <a:pt x="0" y="0"/>
+                  </a:lnTo>
+                </a:path>
+              </a:pathLst>
+            </a:custGeom>
+            <a:ln w="13550" cap="flat">
+              <a:solidFill>
+                <a:srgbClr val="EBEBEB">
+                  <a:alpha val="100000"/>
+                </a:srgbClr>
+              </a:solidFill>
+              <a:prstDash val="solid"/>
+              <a:round/>
+            </a:ln>
+          </p:spPr>
+          <p:txBody>
+            <a:bodyPr/>
+            <a:lstStyle/>
+            <a:p/>
+          </p:txBody>
+        </p:sp>
+        <p:sp>
+          <p:nvSpPr>
+            <p:cNvPr id="20" name="rc20"/>
+            <p:cNvSpPr/>
+            <p:nvPr/>
+          </p:nvSpPr>
+          <p:spPr>
+            <a:xfrm>
+              <a:off x="2226159" y="5103023"/>
+              <a:ext cx="277665" cy="13577"/>
             </a:xfrm>
             <a:prstGeom prst="rect">
               <a:avLst/>
             </a:prstGeom>
             <a:solidFill>
-              <a:srgbClr val="595959">
+              <a:srgbClr val="FEE5D9">
                 <a:alpha val="100000"/>
               </a:srgbClr>
             </a:solidFill>
@@ -3883,20 +3840,20 @@
         </p:sp>
         <p:sp>
           <p:nvSpPr>
-            <p:cNvPr id="22" name="rc22"/>
-            <p:cNvSpPr/>
-            <p:nvPr/>
-          </p:nvSpPr>
-          <p:spPr>
-            <a:xfrm>
-              <a:off x="2023549" y="2158368"/>
-              <a:ext cx="5343856" cy="444326"/>
+            <p:cNvPr id="21" name="rc21"/>
+            <p:cNvSpPr/>
+            <p:nvPr/>
+          </p:nvSpPr>
+          <p:spPr>
+            <a:xfrm>
+              <a:off x="2534676" y="5089446"/>
+              <a:ext cx="277665" cy="27154"/>
             </a:xfrm>
             <a:prstGeom prst="rect">
               <a:avLst/>
             </a:prstGeom>
             <a:solidFill>
-              <a:srgbClr val="595959">
+              <a:srgbClr val="FCAE91">
                 <a:alpha val="100000"/>
               </a:srgbClr>
             </a:solidFill>
@@ -3909,20 +3866,20 @@
         </p:sp>
         <p:sp>
           <p:nvSpPr>
-            <p:cNvPr id="23" name="rc23"/>
-            <p:cNvSpPr/>
-            <p:nvPr/>
-          </p:nvSpPr>
-          <p:spPr>
-            <a:xfrm>
-              <a:off x="2023549" y="2652064"/>
-              <a:ext cx="2721272" cy="444326"/>
+            <p:cNvPr id="22" name="rc22"/>
+            <p:cNvSpPr/>
+            <p:nvPr/>
+          </p:nvSpPr>
+          <p:spPr>
+            <a:xfrm>
+              <a:off x="2843193" y="1966669"/>
+              <a:ext cx="277665" cy="3149931"/>
             </a:xfrm>
             <a:prstGeom prst="rect">
               <a:avLst/>
             </a:prstGeom>
             <a:solidFill>
-              <a:srgbClr val="595959">
+              <a:srgbClr val="FB6A4A">
                 <a:alpha val="100000"/>
               </a:srgbClr>
             </a:solidFill>
@@ -3935,20 +3892,20 @@
         </p:sp>
         <p:sp>
           <p:nvSpPr>
-            <p:cNvPr id="24" name="rc24"/>
-            <p:cNvSpPr/>
-            <p:nvPr/>
-          </p:nvSpPr>
-          <p:spPr>
-            <a:xfrm>
-              <a:off x="2023549" y="3145760"/>
-              <a:ext cx="2181637" cy="444326"/>
+            <p:cNvPr id="23" name="rc23"/>
+            <p:cNvSpPr/>
+            <p:nvPr/>
+          </p:nvSpPr>
+          <p:spPr>
+            <a:xfrm>
+              <a:off x="3151709" y="2333256"/>
+              <a:ext cx="277665" cy="2783344"/>
             </a:xfrm>
             <a:prstGeom prst="rect">
               <a:avLst/>
             </a:prstGeom>
             <a:solidFill>
-              <a:srgbClr val="595959">
+              <a:srgbClr val="CB181D">
                 <a:alpha val="100000"/>
               </a:srgbClr>
             </a:solidFill>
@@ -3961,20 +3918,50 @@
         </p:sp>
         <p:sp>
           <p:nvSpPr>
+            <p:cNvPr id="24" name="rc24"/>
+            <p:cNvSpPr/>
+            <p:nvPr/>
+          </p:nvSpPr>
+          <p:spPr>
+            <a:xfrm>
+              <a:off x="2179881" y="1809173"/>
+              <a:ext cx="1295770" cy="3464924"/>
+            </a:xfrm>
+            <a:prstGeom prst="rect">
+              <a:avLst/>
+            </a:prstGeom>
+            <a:ln w="13550" cap="rnd">
+              <a:solidFill>
+                <a:srgbClr val="333333">
+                  <a:alpha val="100000"/>
+                </a:srgbClr>
+              </a:solidFill>
+              <a:prstDash val="solid"/>
+              <a:round/>
+            </a:ln>
+          </p:spPr>
+          <p:txBody>
+            <a:bodyPr/>
+            <a:lstStyle/>
+            <a:p/>
+          </p:txBody>
+        </p:sp>
+        <p:sp>
+          <p:nvSpPr>
             <p:cNvPr id="25" name="rc25"/>
             <p:cNvSpPr/>
             <p:nvPr/>
           </p:nvSpPr>
           <p:spPr>
             <a:xfrm>
-              <a:off x="2023549" y="3639457"/>
-              <a:ext cx="1893971" cy="444326"/>
+              <a:off x="3545241" y="1809173"/>
+              <a:ext cx="1295770" cy="3464924"/>
             </a:xfrm>
             <a:prstGeom prst="rect">
               <a:avLst/>
             </a:prstGeom>
             <a:solidFill>
-              <a:srgbClr val="595959">
+              <a:srgbClr val="FFFFFF">
                 <a:alpha val="100000"/>
               </a:srgbClr>
             </a:solidFill>
@@ -3987,20 +3974,622 @@
         </p:sp>
         <p:sp>
           <p:nvSpPr>
-            <p:cNvPr id="26" name="rc26"/>
-            <p:cNvSpPr/>
-            <p:nvPr/>
-          </p:nvSpPr>
-          <p:spPr>
-            <a:xfrm>
-              <a:off x="2023549" y="4133153"/>
-              <a:ext cx="1432027" cy="444326"/>
+            <p:cNvPr id="26" name="pl26"/>
+            <p:cNvSpPr/>
+            <p:nvPr/>
+          </p:nvSpPr>
+          <p:spPr>
+            <a:xfrm>
+              <a:off x="3545241" y="4777168"/>
+              <a:ext cx="1295770" cy="0"/>
+            </a:xfrm>
+            <a:custGeom>
+              <a:avLst/>
+              <a:pathLst>
+                <a:path w="1295770" h="0">
+                  <a:moveTo>
+                    <a:pt x="0" y="0"/>
+                  </a:moveTo>
+                  <a:lnTo>
+                    <a:pt x="1295770" y="0"/>
+                  </a:lnTo>
+                  <a:lnTo>
+                    <a:pt x="1295770" y="0"/>
+                  </a:lnTo>
+                </a:path>
+              </a:pathLst>
+            </a:custGeom>
+            <a:ln w="6775" cap="flat">
+              <a:solidFill>
+                <a:srgbClr val="EBEBEB">
+                  <a:alpha val="100000"/>
+                </a:srgbClr>
+              </a:solidFill>
+              <a:prstDash val="solid"/>
+              <a:round/>
+            </a:ln>
+          </p:spPr>
+          <p:txBody>
+            <a:bodyPr/>
+            <a:lstStyle/>
+            <a:p/>
+          </p:txBody>
+        </p:sp>
+        <p:sp>
+          <p:nvSpPr>
+            <p:cNvPr id="27" name="pl27"/>
+            <p:cNvSpPr/>
+            <p:nvPr/>
+          </p:nvSpPr>
+          <p:spPr>
+            <a:xfrm>
+              <a:off x="3545241" y="4098304"/>
+              <a:ext cx="1295770" cy="0"/>
+            </a:xfrm>
+            <a:custGeom>
+              <a:avLst/>
+              <a:pathLst>
+                <a:path w="1295770" h="0">
+                  <a:moveTo>
+                    <a:pt x="0" y="0"/>
+                  </a:moveTo>
+                  <a:lnTo>
+                    <a:pt x="1295770" y="0"/>
+                  </a:lnTo>
+                  <a:lnTo>
+                    <a:pt x="1295770" y="0"/>
+                  </a:lnTo>
+                </a:path>
+              </a:pathLst>
+            </a:custGeom>
+            <a:ln w="6775" cap="flat">
+              <a:solidFill>
+                <a:srgbClr val="EBEBEB">
+                  <a:alpha val="100000"/>
+                </a:srgbClr>
+              </a:solidFill>
+              <a:prstDash val="solid"/>
+              <a:round/>
+            </a:ln>
+          </p:spPr>
+          <p:txBody>
+            <a:bodyPr/>
+            <a:lstStyle/>
+            <a:p/>
+          </p:txBody>
+        </p:sp>
+        <p:sp>
+          <p:nvSpPr>
+            <p:cNvPr id="28" name="pl28"/>
+            <p:cNvSpPr/>
+            <p:nvPr/>
+          </p:nvSpPr>
+          <p:spPr>
+            <a:xfrm>
+              <a:off x="3545241" y="3419439"/>
+              <a:ext cx="1295770" cy="0"/>
+            </a:xfrm>
+            <a:custGeom>
+              <a:avLst/>
+              <a:pathLst>
+                <a:path w="1295770" h="0">
+                  <a:moveTo>
+                    <a:pt x="0" y="0"/>
+                  </a:moveTo>
+                  <a:lnTo>
+                    <a:pt x="1295770" y="0"/>
+                  </a:lnTo>
+                  <a:lnTo>
+                    <a:pt x="1295770" y="0"/>
+                  </a:lnTo>
+                </a:path>
+              </a:pathLst>
+            </a:custGeom>
+            <a:ln w="6775" cap="flat">
+              <a:solidFill>
+                <a:srgbClr val="EBEBEB">
+                  <a:alpha val="100000"/>
+                </a:srgbClr>
+              </a:solidFill>
+              <a:prstDash val="solid"/>
+              <a:round/>
+            </a:ln>
+          </p:spPr>
+          <p:txBody>
+            <a:bodyPr/>
+            <a:lstStyle/>
+            <a:p/>
+          </p:txBody>
+        </p:sp>
+        <p:sp>
+          <p:nvSpPr>
+            <p:cNvPr id="29" name="pl29"/>
+            <p:cNvSpPr/>
+            <p:nvPr/>
+          </p:nvSpPr>
+          <p:spPr>
+            <a:xfrm>
+              <a:off x="3545241" y="2740575"/>
+              <a:ext cx="1295770" cy="0"/>
+            </a:xfrm>
+            <a:custGeom>
+              <a:avLst/>
+              <a:pathLst>
+                <a:path w="1295770" h="0">
+                  <a:moveTo>
+                    <a:pt x="0" y="0"/>
+                  </a:moveTo>
+                  <a:lnTo>
+                    <a:pt x="1295770" y="0"/>
+                  </a:lnTo>
+                  <a:lnTo>
+                    <a:pt x="1295770" y="0"/>
+                  </a:lnTo>
+                </a:path>
+              </a:pathLst>
+            </a:custGeom>
+            <a:ln w="6775" cap="flat">
+              <a:solidFill>
+                <a:srgbClr val="EBEBEB">
+                  <a:alpha val="100000"/>
+                </a:srgbClr>
+              </a:solidFill>
+              <a:prstDash val="solid"/>
+              <a:round/>
+            </a:ln>
+          </p:spPr>
+          <p:txBody>
+            <a:bodyPr/>
+            <a:lstStyle/>
+            <a:p/>
+          </p:txBody>
+        </p:sp>
+        <p:sp>
+          <p:nvSpPr>
+            <p:cNvPr id="30" name="pl30"/>
+            <p:cNvSpPr/>
+            <p:nvPr/>
+          </p:nvSpPr>
+          <p:spPr>
+            <a:xfrm>
+              <a:off x="3545241" y="2061710"/>
+              <a:ext cx="1295770" cy="0"/>
+            </a:xfrm>
+            <a:custGeom>
+              <a:avLst/>
+              <a:pathLst>
+                <a:path w="1295770" h="0">
+                  <a:moveTo>
+                    <a:pt x="0" y="0"/>
+                  </a:moveTo>
+                  <a:lnTo>
+                    <a:pt x="1295770" y="0"/>
+                  </a:lnTo>
+                  <a:lnTo>
+                    <a:pt x="1295770" y="0"/>
+                  </a:lnTo>
+                </a:path>
+              </a:pathLst>
+            </a:custGeom>
+            <a:ln w="6775" cap="flat">
+              <a:solidFill>
+                <a:srgbClr val="EBEBEB">
+                  <a:alpha val="100000"/>
+                </a:srgbClr>
+              </a:solidFill>
+              <a:prstDash val="solid"/>
+              <a:round/>
+            </a:ln>
+          </p:spPr>
+          <p:txBody>
+            <a:bodyPr/>
+            <a:lstStyle/>
+            <a:p/>
+          </p:txBody>
+        </p:sp>
+        <p:sp>
+          <p:nvSpPr>
+            <p:cNvPr id="31" name="pl31"/>
+            <p:cNvSpPr/>
+            <p:nvPr/>
+          </p:nvSpPr>
+          <p:spPr>
+            <a:xfrm>
+              <a:off x="3545241" y="5116600"/>
+              <a:ext cx="1295770" cy="0"/>
+            </a:xfrm>
+            <a:custGeom>
+              <a:avLst/>
+              <a:pathLst>
+                <a:path w="1295770" h="0">
+                  <a:moveTo>
+                    <a:pt x="0" y="0"/>
+                  </a:moveTo>
+                  <a:lnTo>
+                    <a:pt x="1295770" y="0"/>
+                  </a:lnTo>
+                  <a:lnTo>
+                    <a:pt x="1295770" y="0"/>
+                  </a:lnTo>
+                </a:path>
+              </a:pathLst>
+            </a:custGeom>
+            <a:ln w="13550" cap="flat">
+              <a:solidFill>
+                <a:srgbClr val="EBEBEB">
+                  <a:alpha val="100000"/>
+                </a:srgbClr>
+              </a:solidFill>
+              <a:prstDash val="solid"/>
+              <a:round/>
+            </a:ln>
+          </p:spPr>
+          <p:txBody>
+            <a:bodyPr/>
+            <a:lstStyle/>
+            <a:p/>
+          </p:txBody>
+        </p:sp>
+        <p:sp>
+          <p:nvSpPr>
+            <p:cNvPr id="32" name="pl32"/>
+            <p:cNvSpPr/>
+            <p:nvPr/>
+          </p:nvSpPr>
+          <p:spPr>
+            <a:xfrm>
+              <a:off x="3545241" y="4437736"/>
+              <a:ext cx="1295770" cy="0"/>
+            </a:xfrm>
+            <a:custGeom>
+              <a:avLst/>
+              <a:pathLst>
+                <a:path w="1295770" h="0">
+                  <a:moveTo>
+                    <a:pt x="0" y="0"/>
+                  </a:moveTo>
+                  <a:lnTo>
+                    <a:pt x="1295770" y="0"/>
+                  </a:lnTo>
+                  <a:lnTo>
+                    <a:pt x="1295770" y="0"/>
+                  </a:lnTo>
+                </a:path>
+              </a:pathLst>
+            </a:custGeom>
+            <a:ln w="13550" cap="flat">
+              <a:solidFill>
+                <a:srgbClr val="EBEBEB">
+                  <a:alpha val="100000"/>
+                </a:srgbClr>
+              </a:solidFill>
+              <a:prstDash val="solid"/>
+              <a:round/>
+            </a:ln>
+          </p:spPr>
+          <p:txBody>
+            <a:bodyPr/>
+            <a:lstStyle/>
+            <a:p/>
+          </p:txBody>
+        </p:sp>
+        <p:sp>
+          <p:nvSpPr>
+            <p:cNvPr id="33" name="pl33"/>
+            <p:cNvSpPr/>
+            <p:nvPr/>
+          </p:nvSpPr>
+          <p:spPr>
+            <a:xfrm>
+              <a:off x="3545241" y="3758871"/>
+              <a:ext cx="1295770" cy="0"/>
+            </a:xfrm>
+            <a:custGeom>
+              <a:avLst/>
+              <a:pathLst>
+                <a:path w="1295770" h="0">
+                  <a:moveTo>
+                    <a:pt x="0" y="0"/>
+                  </a:moveTo>
+                  <a:lnTo>
+                    <a:pt x="1295770" y="0"/>
+                  </a:lnTo>
+                  <a:lnTo>
+                    <a:pt x="1295770" y="0"/>
+                  </a:lnTo>
+                </a:path>
+              </a:pathLst>
+            </a:custGeom>
+            <a:ln w="13550" cap="flat">
+              <a:solidFill>
+                <a:srgbClr val="EBEBEB">
+                  <a:alpha val="100000"/>
+                </a:srgbClr>
+              </a:solidFill>
+              <a:prstDash val="solid"/>
+              <a:round/>
+            </a:ln>
+          </p:spPr>
+          <p:txBody>
+            <a:bodyPr/>
+            <a:lstStyle/>
+            <a:p/>
+          </p:txBody>
+        </p:sp>
+        <p:sp>
+          <p:nvSpPr>
+            <p:cNvPr id="34" name="pl34"/>
+            <p:cNvSpPr/>
+            <p:nvPr/>
+          </p:nvSpPr>
+          <p:spPr>
+            <a:xfrm>
+              <a:off x="3545241" y="3080007"/>
+              <a:ext cx="1295770" cy="0"/>
+            </a:xfrm>
+            <a:custGeom>
+              <a:avLst/>
+              <a:pathLst>
+                <a:path w="1295770" h="0">
+                  <a:moveTo>
+                    <a:pt x="0" y="0"/>
+                  </a:moveTo>
+                  <a:lnTo>
+                    <a:pt x="1295770" y="0"/>
+                  </a:lnTo>
+                  <a:lnTo>
+                    <a:pt x="1295770" y="0"/>
+                  </a:lnTo>
+                </a:path>
+              </a:pathLst>
+            </a:custGeom>
+            <a:ln w="13550" cap="flat">
+              <a:solidFill>
+                <a:srgbClr val="EBEBEB">
+                  <a:alpha val="100000"/>
+                </a:srgbClr>
+              </a:solidFill>
+              <a:prstDash val="solid"/>
+              <a:round/>
+            </a:ln>
+          </p:spPr>
+          <p:txBody>
+            <a:bodyPr/>
+            <a:lstStyle/>
+            <a:p/>
+          </p:txBody>
+        </p:sp>
+        <p:sp>
+          <p:nvSpPr>
+            <p:cNvPr id="35" name="pl35"/>
+            <p:cNvSpPr/>
+            <p:nvPr/>
+          </p:nvSpPr>
+          <p:spPr>
+            <a:xfrm>
+              <a:off x="3545241" y="2401142"/>
+              <a:ext cx="1295770" cy="0"/>
+            </a:xfrm>
+            <a:custGeom>
+              <a:avLst/>
+              <a:pathLst>
+                <a:path w="1295770" h="0">
+                  <a:moveTo>
+                    <a:pt x="0" y="0"/>
+                  </a:moveTo>
+                  <a:lnTo>
+                    <a:pt x="1295770" y="0"/>
+                  </a:lnTo>
+                  <a:lnTo>
+                    <a:pt x="1295770" y="0"/>
+                  </a:lnTo>
+                </a:path>
+              </a:pathLst>
+            </a:custGeom>
+            <a:ln w="13550" cap="flat">
+              <a:solidFill>
+                <a:srgbClr val="EBEBEB">
+                  <a:alpha val="100000"/>
+                </a:srgbClr>
+              </a:solidFill>
+              <a:prstDash val="solid"/>
+              <a:round/>
+            </a:ln>
+          </p:spPr>
+          <p:txBody>
+            <a:bodyPr/>
+            <a:lstStyle/>
+            <a:p/>
+          </p:txBody>
+        </p:sp>
+        <p:sp>
+          <p:nvSpPr>
+            <p:cNvPr id="36" name="pl36"/>
+            <p:cNvSpPr/>
+            <p:nvPr/>
+          </p:nvSpPr>
+          <p:spPr>
+            <a:xfrm>
+              <a:off x="3730351" y="1809173"/>
+              <a:ext cx="0" cy="3464924"/>
+            </a:xfrm>
+            <a:custGeom>
+              <a:avLst/>
+              <a:pathLst>
+                <a:path w="0" h="3464924">
+                  <a:moveTo>
+                    <a:pt x="0" y="3464924"/>
+                  </a:moveTo>
+                  <a:lnTo>
+                    <a:pt x="0" y="0"/>
+                  </a:lnTo>
+                  <a:lnTo>
+                    <a:pt x="0" y="0"/>
+                  </a:lnTo>
+                </a:path>
+              </a:pathLst>
+            </a:custGeom>
+            <a:ln w="13550" cap="flat">
+              <a:solidFill>
+                <a:srgbClr val="EBEBEB">
+                  <a:alpha val="100000"/>
+                </a:srgbClr>
+              </a:solidFill>
+              <a:prstDash val="solid"/>
+              <a:round/>
+            </a:ln>
+          </p:spPr>
+          <p:txBody>
+            <a:bodyPr/>
+            <a:lstStyle/>
+            <a:p/>
+          </p:txBody>
+        </p:sp>
+        <p:sp>
+          <p:nvSpPr>
+            <p:cNvPr id="37" name="pl37"/>
+            <p:cNvSpPr/>
+            <p:nvPr/>
+          </p:nvSpPr>
+          <p:spPr>
+            <a:xfrm>
+              <a:off x="4038868" y="1809173"/>
+              <a:ext cx="0" cy="3464924"/>
+            </a:xfrm>
+            <a:custGeom>
+              <a:avLst/>
+              <a:pathLst>
+                <a:path w="0" h="3464924">
+                  <a:moveTo>
+                    <a:pt x="0" y="3464924"/>
+                  </a:moveTo>
+                  <a:lnTo>
+                    <a:pt x="0" y="0"/>
+                  </a:lnTo>
+                  <a:lnTo>
+                    <a:pt x="0" y="0"/>
+                  </a:lnTo>
+                </a:path>
+              </a:pathLst>
+            </a:custGeom>
+            <a:ln w="13550" cap="flat">
+              <a:solidFill>
+                <a:srgbClr val="EBEBEB">
+                  <a:alpha val="100000"/>
+                </a:srgbClr>
+              </a:solidFill>
+              <a:prstDash val="solid"/>
+              <a:round/>
+            </a:ln>
+          </p:spPr>
+          <p:txBody>
+            <a:bodyPr/>
+            <a:lstStyle/>
+            <a:p/>
+          </p:txBody>
+        </p:sp>
+        <p:sp>
+          <p:nvSpPr>
+            <p:cNvPr id="38" name="pl38"/>
+            <p:cNvSpPr/>
+            <p:nvPr/>
+          </p:nvSpPr>
+          <p:spPr>
+            <a:xfrm>
+              <a:off x="4347385" y="1809173"/>
+              <a:ext cx="0" cy="3464924"/>
+            </a:xfrm>
+            <a:custGeom>
+              <a:avLst/>
+              <a:pathLst>
+                <a:path w="0" h="3464924">
+                  <a:moveTo>
+                    <a:pt x="0" y="3464924"/>
+                  </a:moveTo>
+                  <a:lnTo>
+                    <a:pt x="0" y="0"/>
+                  </a:lnTo>
+                  <a:lnTo>
+                    <a:pt x="0" y="0"/>
+                  </a:lnTo>
+                </a:path>
+              </a:pathLst>
+            </a:custGeom>
+            <a:ln w="13550" cap="flat">
+              <a:solidFill>
+                <a:srgbClr val="EBEBEB">
+                  <a:alpha val="100000"/>
+                </a:srgbClr>
+              </a:solidFill>
+              <a:prstDash val="solid"/>
+              <a:round/>
+            </a:ln>
+          </p:spPr>
+          <p:txBody>
+            <a:bodyPr/>
+            <a:lstStyle/>
+            <a:p/>
+          </p:txBody>
+        </p:sp>
+        <p:sp>
+          <p:nvSpPr>
+            <p:cNvPr id="39" name="pl39"/>
+            <p:cNvSpPr/>
+            <p:nvPr/>
+          </p:nvSpPr>
+          <p:spPr>
+            <a:xfrm>
+              <a:off x="4655902" y="1809173"/>
+              <a:ext cx="0" cy="3464924"/>
+            </a:xfrm>
+            <a:custGeom>
+              <a:avLst/>
+              <a:pathLst>
+                <a:path w="0" h="3464924">
+                  <a:moveTo>
+                    <a:pt x="0" y="3464924"/>
+                  </a:moveTo>
+                  <a:lnTo>
+                    <a:pt x="0" y="0"/>
+                  </a:lnTo>
+                  <a:lnTo>
+                    <a:pt x="0" y="0"/>
+                  </a:lnTo>
+                </a:path>
+              </a:pathLst>
+            </a:custGeom>
+            <a:ln w="13550" cap="flat">
+              <a:solidFill>
+                <a:srgbClr val="EBEBEB">
+                  <a:alpha val="100000"/>
+                </a:srgbClr>
+              </a:solidFill>
+              <a:prstDash val="solid"/>
+              <a:round/>
+            </a:ln>
+          </p:spPr>
+          <p:txBody>
+            <a:bodyPr/>
+            <a:lstStyle/>
+            <a:p/>
+          </p:txBody>
+        </p:sp>
+        <p:sp>
+          <p:nvSpPr>
+            <p:cNvPr id="40" name="rc40"/>
+            <p:cNvSpPr/>
+            <p:nvPr/>
+          </p:nvSpPr>
+          <p:spPr>
+            <a:xfrm>
+              <a:off x="3900036" y="5103023"/>
+              <a:ext cx="277665" cy="13577"/>
             </a:xfrm>
             <a:prstGeom prst="rect">
               <a:avLst/>
             </a:prstGeom>
             <a:solidFill>
-              <a:srgbClr val="595959">
+              <a:srgbClr val="FCAE91">
                 <a:alpha val="100000"/>
               </a:srgbClr>
             </a:solidFill>
@@ -4013,20 +4602,20 @@
         </p:sp>
         <p:sp>
           <p:nvSpPr>
-            <p:cNvPr id="27" name="rc27"/>
-            <p:cNvSpPr/>
-            <p:nvPr/>
-          </p:nvSpPr>
-          <p:spPr>
-            <a:xfrm>
-              <a:off x="2023549" y="4626850"/>
-              <a:ext cx="1047773" cy="444326"/>
+            <p:cNvPr id="41" name="rc41"/>
+            <p:cNvSpPr/>
+            <p:nvPr/>
+          </p:nvSpPr>
+          <p:spPr>
+            <a:xfrm>
+              <a:off x="4208552" y="3663830"/>
+              <a:ext cx="277665" cy="1452770"/>
             </a:xfrm>
             <a:prstGeom prst="rect">
               <a:avLst/>
             </a:prstGeom>
             <a:solidFill>
-              <a:srgbClr val="595959">
+              <a:srgbClr val="FB6A4A">
                 <a:alpha val="100000"/>
               </a:srgbClr>
             </a:solidFill>
@@ -4039,20 +4628,20 @@
         </p:sp>
         <p:sp>
           <p:nvSpPr>
-            <p:cNvPr id="28" name="rc28"/>
-            <p:cNvSpPr/>
-            <p:nvPr/>
-          </p:nvSpPr>
-          <p:spPr>
-            <a:xfrm>
-              <a:off x="2023549" y="5120546"/>
-              <a:ext cx="667719" cy="444326"/>
+            <p:cNvPr id="42" name="rc42"/>
+            <p:cNvSpPr/>
+            <p:nvPr/>
+          </p:nvSpPr>
+          <p:spPr>
+            <a:xfrm>
+              <a:off x="4517069" y="3066430"/>
+              <a:ext cx="277665" cy="2050170"/>
             </a:xfrm>
             <a:prstGeom prst="rect">
               <a:avLst/>
             </a:prstGeom>
             <a:solidFill>
-              <a:srgbClr val="595959">
+              <a:srgbClr val="CB181D">
                 <a:alpha val="100000"/>
               </a:srgbClr>
             </a:solidFill>
@@ -4065,412 +4654,2261 @@
         </p:sp>
         <p:sp>
           <p:nvSpPr>
-            <p:cNvPr id="29" name="tx29"/>
-            <p:cNvSpPr/>
-            <p:nvPr/>
-          </p:nvSpPr>
-          <p:spPr>
-            <a:xfrm>
-              <a:off x="6453574" y="1842361"/>
-              <a:ext cx="2195201" cy="67753"/>
-            </a:xfrm>
-            <a:prstGeom prst="rect">
-              <a:avLst/>
-            </a:prstGeom>
-            <a:noFill/>
-          </p:spPr>
-          <p:txBody>
-            <a:bodyPr lIns="0" rIns="0" tIns="0" bIns="0" anchorCtr="1" anchor="ctr" wrap="none"/>
-            <a:lstStyle/>
-            <a:p>
-              <a:pPr algn="l" marL="0" marR="0" indent="0">
-                <a:lnSpc>
-                  <a:spcPts val="853"/>
-                </a:lnSpc>
-                <a:spcBef>
-                  <a:spcPts val="0"/>
-                </a:spcBef>
-                <a:spcAft>
-                  <a:spcPts val="0"/>
-                </a:spcAft>
-              </a:pPr>
-              <a:r>
-                <a:rPr sz="853" b="1">
-                  <a:solidFill>
-                    <a:srgbClr val="FFFFFF">
-                      <a:alpha val="100000"/>
-                    </a:srgbClr>
-                  </a:solidFill>
-                  <a:latin typeface="Arial"/>
-                  <a:cs typeface="Arial"/>
-                </a:rPr>
-                <a:t>日常消费行为（如常年饮用酸奶，以益生菌相关产品为零食）</a:t>
-              </a:r>
-            </a:p>
-          </p:txBody>
-        </p:sp>
-        <p:sp>
-          <p:nvSpPr>
-            <p:cNvPr id="30" name="tx30"/>
-            <p:cNvSpPr/>
-            <p:nvPr/>
-          </p:nvSpPr>
-          <p:spPr>
-            <a:xfrm>
-              <a:off x="5669877" y="2336057"/>
-              <a:ext cx="1544771" cy="67753"/>
-            </a:xfrm>
-            <a:prstGeom prst="rect">
-              <a:avLst/>
-            </a:prstGeom>
-            <a:noFill/>
-          </p:spPr>
-          <p:txBody>
-            <a:bodyPr lIns="0" rIns="0" tIns="0" bIns="0" anchorCtr="1" anchor="ctr" wrap="none"/>
-            <a:lstStyle/>
-            <a:p>
-              <a:pPr algn="l" marL="0" marR="0" indent="0">
-                <a:lnSpc>
-                  <a:spcPts val="853"/>
-                </a:lnSpc>
-                <a:spcBef>
-                  <a:spcPts val="0"/>
-                </a:spcBef>
-                <a:spcAft>
-                  <a:spcPts val="0"/>
-                </a:spcAft>
-              </a:pPr>
-              <a:r>
-                <a:rPr sz="853" b="1">
-                  <a:solidFill>
-                    <a:srgbClr val="FFFFFF">
-                      <a:alpha val="100000"/>
-                    </a:srgbClr>
-                  </a:solidFill>
-                  <a:latin typeface="Arial"/>
-                  <a:cs typeface="Arial"/>
-                </a:rPr>
-                <a:t>因肠胃健康需求（如肠胃调理，辅助抗幽）</a:t>
-              </a:r>
-            </a:p>
-          </p:txBody>
-        </p:sp>
-        <p:sp>
-          <p:nvSpPr>
-            <p:cNvPr id="31" name="tx31"/>
-            <p:cNvSpPr/>
-            <p:nvPr/>
-          </p:nvSpPr>
-          <p:spPr>
-            <a:xfrm>
-              <a:off x="4897578" y="2845274"/>
-              <a:ext cx="1544771" cy="67753"/>
-            </a:xfrm>
-            <a:prstGeom prst="rect">
-              <a:avLst/>
-            </a:prstGeom>
-            <a:noFill/>
-          </p:spPr>
-          <p:txBody>
-            <a:bodyPr lIns="0" rIns="0" tIns="0" bIns="0" anchorCtr="1" anchor="ctr" wrap="none"/>
-            <a:lstStyle/>
-            <a:p>
-              <a:pPr algn="l" marL="0" marR="0" indent="0">
-                <a:lnSpc>
-                  <a:spcPts val="853"/>
-                </a:lnSpc>
-                <a:spcBef>
-                  <a:spcPts val="0"/>
-                </a:spcBef>
-                <a:spcAft>
-                  <a:spcPts val="0"/>
-                </a:spcAft>
-              </a:pPr>
-              <a:r>
-                <a:rPr sz="853">
-                  <a:solidFill>
-                    <a:srgbClr val="000000">
-                      <a:alpha val="100000"/>
-                    </a:srgbClr>
-                  </a:solidFill>
-                  <a:latin typeface="Arial"/>
-                  <a:cs typeface="Arial"/>
-                </a:rPr>
-                <a:t>因改善代谢需求（如纤体减脂，增强耐力）</a:t>
-              </a:r>
-            </a:p>
-          </p:txBody>
-        </p:sp>
-        <p:sp>
-          <p:nvSpPr>
-            <p:cNvPr id="32" name="tx32"/>
-            <p:cNvSpPr/>
-            <p:nvPr/>
-          </p:nvSpPr>
-          <p:spPr>
-            <a:xfrm>
-              <a:off x="4357943" y="3338970"/>
-              <a:ext cx="1544771" cy="67753"/>
-            </a:xfrm>
-            <a:prstGeom prst="rect">
-              <a:avLst/>
-            </a:prstGeom>
-            <a:noFill/>
-          </p:spPr>
-          <p:txBody>
-            <a:bodyPr lIns="0" rIns="0" tIns="0" bIns="0" anchorCtr="1" anchor="ctr" wrap="none"/>
-            <a:lstStyle/>
-            <a:p>
-              <a:pPr algn="l" marL="0" marR="0" indent="0">
-                <a:lnSpc>
-                  <a:spcPts val="853"/>
-                </a:lnSpc>
-                <a:spcBef>
-                  <a:spcPts val="0"/>
-                </a:spcBef>
-                <a:spcAft>
-                  <a:spcPts val="0"/>
-                </a:spcAft>
-              </a:pPr>
-              <a:r>
-                <a:rPr sz="853">
-                  <a:solidFill>
-                    <a:srgbClr val="000000">
-                      <a:alpha val="100000"/>
-                    </a:srgbClr>
-                  </a:solidFill>
-                  <a:latin typeface="Arial"/>
-                  <a:cs typeface="Arial"/>
-                </a:rPr>
-                <a:t>因口腔保健需求（如控龋除臭，抑制溃疡）</a:t>
-              </a:r>
-            </a:p>
-          </p:txBody>
-        </p:sp>
-        <p:sp>
-          <p:nvSpPr>
-            <p:cNvPr id="33" name="tx33"/>
-            <p:cNvSpPr/>
-            <p:nvPr/>
-          </p:nvSpPr>
-          <p:spPr>
-            <a:xfrm>
-              <a:off x="4070277" y="3832666"/>
-              <a:ext cx="1544771" cy="67753"/>
-            </a:xfrm>
-            <a:prstGeom prst="rect">
-              <a:avLst/>
-            </a:prstGeom>
-            <a:noFill/>
-          </p:spPr>
-          <p:txBody>
-            <a:bodyPr lIns="0" rIns="0" tIns="0" bIns="0" anchorCtr="1" anchor="ctr" wrap="none"/>
-            <a:lstStyle/>
-            <a:p>
-              <a:pPr algn="l" marL="0" marR="0" indent="0">
-                <a:lnSpc>
-                  <a:spcPts val="853"/>
-                </a:lnSpc>
-                <a:spcBef>
-                  <a:spcPts val="0"/>
-                </a:spcBef>
-                <a:spcAft>
-                  <a:spcPts val="0"/>
-                </a:spcAft>
-              </a:pPr>
-              <a:r>
-                <a:rPr sz="853">
-                  <a:solidFill>
-                    <a:srgbClr val="000000">
-                      <a:alpha val="100000"/>
-                    </a:srgbClr>
-                  </a:solidFill>
-                  <a:latin typeface="Arial"/>
-                  <a:cs typeface="Arial"/>
-                </a:rPr>
-                <a:t>因舒缓过敏需求（如疏痒抗敏，缓解鼻炎）</a:t>
-              </a:r>
-            </a:p>
-          </p:txBody>
-        </p:sp>
-        <p:sp>
-          <p:nvSpPr>
-            <p:cNvPr id="34" name="tx34"/>
-            <p:cNvSpPr/>
-            <p:nvPr/>
-          </p:nvSpPr>
-          <p:spPr>
-            <a:xfrm>
-              <a:off x="3608333" y="4326363"/>
-              <a:ext cx="1544771" cy="67753"/>
-            </a:xfrm>
-            <a:prstGeom prst="rect">
-              <a:avLst/>
-            </a:prstGeom>
-            <a:noFill/>
-          </p:spPr>
-          <p:txBody>
-            <a:bodyPr lIns="0" rIns="0" tIns="0" bIns="0" anchorCtr="1" anchor="ctr" wrap="none"/>
-            <a:lstStyle/>
-            <a:p>
-              <a:pPr algn="l" marL="0" marR="0" indent="0">
-                <a:lnSpc>
-                  <a:spcPts val="853"/>
-                </a:lnSpc>
-                <a:spcBef>
-                  <a:spcPts val="0"/>
-                </a:spcBef>
-                <a:spcAft>
-                  <a:spcPts val="0"/>
-                </a:spcAft>
-              </a:pPr>
-              <a:r>
-                <a:rPr sz="853">
-                  <a:solidFill>
-                    <a:srgbClr val="000000">
-                      <a:alpha val="100000"/>
-                    </a:srgbClr>
-                  </a:solidFill>
-                  <a:latin typeface="Arial"/>
-                  <a:cs typeface="Arial"/>
-                </a:rPr>
-                <a:t>因女性健康需求（如私处护理，乳腺抗炎）</a:t>
-              </a:r>
-            </a:p>
-          </p:txBody>
-        </p:sp>
-        <p:sp>
-          <p:nvSpPr>
-            <p:cNvPr id="35" name="tx35"/>
-            <p:cNvSpPr/>
-            <p:nvPr/>
-          </p:nvSpPr>
-          <p:spPr>
-            <a:xfrm>
-              <a:off x="3224079" y="4820059"/>
-              <a:ext cx="1544771" cy="67753"/>
-            </a:xfrm>
-            <a:prstGeom prst="rect">
-              <a:avLst/>
-            </a:prstGeom>
-            <a:noFill/>
-          </p:spPr>
-          <p:txBody>
-            <a:bodyPr lIns="0" rIns="0" tIns="0" bIns="0" anchorCtr="1" anchor="ctr" wrap="none"/>
-            <a:lstStyle/>
-            <a:p>
-              <a:pPr algn="l" marL="0" marR="0" indent="0">
-                <a:lnSpc>
-                  <a:spcPts val="853"/>
-                </a:lnSpc>
-                <a:spcBef>
-                  <a:spcPts val="0"/>
-                </a:spcBef>
-                <a:spcAft>
-                  <a:spcPts val="0"/>
-                </a:spcAft>
-              </a:pPr>
-              <a:r>
-                <a:rPr sz="853">
-                  <a:solidFill>
-                    <a:srgbClr val="000000">
-                      <a:alpha val="100000"/>
-                    </a:srgbClr>
-                  </a:solidFill>
-                  <a:latin typeface="Arial"/>
-                  <a:cs typeface="Arial"/>
-                </a:rPr>
-                <a:t>因精神调节需求（如抵抗抑郁，降低自闭）</a:t>
-              </a:r>
-            </a:p>
-          </p:txBody>
-        </p:sp>
-        <p:sp>
-          <p:nvSpPr>
-            <p:cNvPr id="36" name="tx36"/>
-            <p:cNvSpPr/>
-            <p:nvPr/>
-          </p:nvSpPr>
-          <p:spPr>
-            <a:xfrm>
-              <a:off x="2844025" y="5313756"/>
-              <a:ext cx="1544771" cy="67753"/>
-            </a:xfrm>
-            <a:prstGeom prst="rect">
-              <a:avLst/>
-            </a:prstGeom>
-            <a:noFill/>
-          </p:spPr>
-          <p:txBody>
-            <a:bodyPr lIns="0" rIns="0" tIns="0" bIns="0" anchorCtr="1" anchor="ctr" wrap="none"/>
-            <a:lstStyle/>
-            <a:p>
-              <a:pPr algn="l" marL="0" marR="0" indent="0">
-                <a:lnSpc>
-                  <a:spcPts val="853"/>
-                </a:lnSpc>
-                <a:spcBef>
-                  <a:spcPts val="0"/>
-                </a:spcBef>
-                <a:spcAft>
-                  <a:spcPts val="0"/>
-                </a:spcAft>
-              </a:pPr>
-              <a:r>
-                <a:rPr sz="853">
-                  <a:solidFill>
-                    <a:srgbClr val="000000">
-                      <a:alpha val="100000"/>
-                    </a:srgbClr>
-                  </a:solidFill>
-                  <a:latin typeface="Arial"/>
-                  <a:cs typeface="Arial"/>
-                </a:rPr>
-                <a:t>因治疗辅助需求（如辅助抗癌，干预肠炎）</a:t>
-              </a:r>
-            </a:p>
-          </p:txBody>
-        </p:sp>
-        <p:sp>
-          <p:nvSpPr>
-            <p:cNvPr id="37" name="rc37"/>
-            <p:cNvSpPr/>
-            <p:nvPr/>
-          </p:nvSpPr>
-          <p:spPr>
-            <a:xfrm>
-              <a:off x="2023549" y="1590617"/>
-              <a:ext cx="6913543" cy="4048310"/>
+            <p:cNvPr id="43" name="rc43"/>
+            <p:cNvSpPr/>
+            <p:nvPr/>
+          </p:nvSpPr>
+          <p:spPr>
+            <a:xfrm>
+              <a:off x="3545241" y="1809173"/>
+              <a:ext cx="1295770" cy="3464924"/>
             </a:xfrm>
             <a:prstGeom prst="rect">
               <a:avLst/>
             </a:prstGeom>
             <a:ln w="13550" cap="rnd">
               <a:solidFill>
-                <a:srgbClr val="B3B3B3">
-                  <a:alpha val="100000"/>
-                </a:srgbClr>
-              </a:solidFill>
-              <a:prstDash val="solid"/>
-              <a:round/>
-            </a:ln>
-          </p:spPr>
-          <p:txBody>
-            <a:bodyPr/>
-            <a:lstStyle/>
-            <a:p/>
-          </p:txBody>
-        </p:sp>
-        <p:sp>
-          <p:nvSpPr>
-            <p:cNvPr id="38" name="tx38"/>
-            <p:cNvSpPr/>
-            <p:nvPr/>
-          </p:nvSpPr>
-          <p:spPr>
-            <a:xfrm>
-              <a:off x="1926599" y="5300963"/>
-              <a:ext cx="62155" cy="81746"/>
+                <a:srgbClr val="333333">
+                  <a:alpha val="100000"/>
+                </a:srgbClr>
+              </a:solidFill>
+              <a:prstDash val="solid"/>
+              <a:round/>
+            </a:ln>
+          </p:spPr>
+          <p:txBody>
+            <a:bodyPr/>
+            <a:lstStyle/>
+            <a:p/>
+          </p:txBody>
+        </p:sp>
+        <p:sp>
+          <p:nvSpPr>
+            <p:cNvPr id="44" name="rc44"/>
+            <p:cNvSpPr/>
+            <p:nvPr/>
+          </p:nvSpPr>
+          <p:spPr>
+            <a:xfrm>
+              <a:off x="4910601" y="1809173"/>
+              <a:ext cx="1295770" cy="3464924"/>
+            </a:xfrm>
+            <a:prstGeom prst="rect">
+              <a:avLst/>
+            </a:prstGeom>
+            <a:solidFill>
+              <a:srgbClr val="FFFFFF">
+                <a:alpha val="100000"/>
+              </a:srgbClr>
+            </a:solidFill>
+          </p:spPr>
+          <p:txBody>
+            <a:bodyPr/>
+            <a:lstStyle/>
+            <a:p/>
+          </p:txBody>
+        </p:sp>
+        <p:sp>
+          <p:nvSpPr>
+            <p:cNvPr id="45" name="pl45"/>
+            <p:cNvSpPr/>
+            <p:nvPr/>
+          </p:nvSpPr>
+          <p:spPr>
+            <a:xfrm>
+              <a:off x="4910601" y="4777168"/>
+              <a:ext cx="1295770" cy="0"/>
+            </a:xfrm>
+            <a:custGeom>
+              <a:avLst/>
+              <a:pathLst>
+                <a:path w="1295770" h="0">
+                  <a:moveTo>
+                    <a:pt x="0" y="0"/>
+                  </a:moveTo>
+                  <a:lnTo>
+                    <a:pt x="1295770" y="0"/>
+                  </a:lnTo>
+                  <a:lnTo>
+                    <a:pt x="1295770" y="0"/>
+                  </a:lnTo>
+                </a:path>
+              </a:pathLst>
+            </a:custGeom>
+            <a:ln w="6775" cap="flat">
+              <a:solidFill>
+                <a:srgbClr val="EBEBEB">
+                  <a:alpha val="100000"/>
+                </a:srgbClr>
+              </a:solidFill>
+              <a:prstDash val="solid"/>
+              <a:round/>
+            </a:ln>
+          </p:spPr>
+          <p:txBody>
+            <a:bodyPr/>
+            <a:lstStyle/>
+            <a:p/>
+          </p:txBody>
+        </p:sp>
+        <p:sp>
+          <p:nvSpPr>
+            <p:cNvPr id="46" name="pl46"/>
+            <p:cNvSpPr/>
+            <p:nvPr/>
+          </p:nvSpPr>
+          <p:spPr>
+            <a:xfrm>
+              <a:off x="4910601" y="4098304"/>
+              <a:ext cx="1295770" cy="0"/>
+            </a:xfrm>
+            <a:custGeom>
+              <a:avLst/>
+              <a:pathLst>
+                <a:path w="1295770" h="0">
+                  <a:moveTo>
+                    <a:pt x="0" y="0"/>
+                  </a:moveTo>
+                  <a:lnTo>
+                    <a:pt x="1295770" y="0"/>
+                  </a:lnTo>
+                  <a:lnTo>
+                    <a:pt x="1295770" y="0"/>
+                  </a:lnTo>
+                </a:path>
+              </a:pathLst>
+            </a:custGeom>
+            <a:ln w="6775" cap="flat">
+              <a:solidFill>
+                <a:srgbClr val="EBEBEB">
+                  <a:alpha val="100000"/>
+                </a:srgbClr>
+              </a:solidFill>
+              <a:prstDash val="solid"/>
+              <a:round/>
+            </a:ln>
+          </p:spPr>
+          <p:txBody>
+            <a:bodyPr/>
+            <a:lstStyle/>
+            <a:p/>
+          </p:txBody>
+        </p:sp>
+        <p:sp>
+          <p:nvSpPr>
+            <p:cNvPr id="47" name="pl47"/>
+            <p:cNvSpPr/>
+            <p:nvPr/>
+          </p:nvSpPr>
+          <p:spPr>
+            <a:xfrm>
+              <a:off x="4910601" y="3419439"/>
+              <a:ext cx="1295770" cy="0"/>
+            </a:xfrm>
+            <a:custGeom>
+              <a:avLst/>
+              <a:pathLst>
+                <a:path w="1295770" h="0">
+                  <a:moveTo>
+                    <a:pt x="0" y="0"/>
+                  </a:moveTo>
+                  <a:lnTo>
+                    <a:pt x="1295770" y="0"/>
+                  </a:lnTo>
+                  <a:lnTo>
+                    <a:pt x="1295770" y="0"/>
+                  </a:lnTo>
+                </a:path>
+              </a:pathLst>
+            </a:custGeom>
+            <a:ln w="6775" cap="flat">
+              <a:solidFill>
+                <a:srgbClr val="EBEBEB">
+                  <a:alpha val="100000"/>
+                </a:srgbClr>
+              </a:solidFill>
+              <a:prstDash val="solid"/>
+              <a:round/>
+            </a:ln>
+          </p:spPr>
+          <p:txBody>
+            <a:bodyPr/>
+            <a:lstStyle/>
+            <a:p/>
+          </p:txBody>
+        </p:sp>
+        <p:sp>
+          <p:nvSpPr>
+            <p:cNvPr id="48" name="pl48"/>
+            <p:cNvSpPr/>
+            <p:nvPr/>
+          </p:nvSpPr>
+          <p:spPr>
+            <a:xfrm>
+              <a:off x="4910601" y="2740575"/>
+              <a:ext cx="1295770" cy="0"/>
+            </a:xfrm>
+            <a:custGeom>
+              <a:avLst/>
+              <a:pathLst>
+                <a:path w="1295770" h="0">
+                  <a:moveTo>
+                    <a:pt x="0" y="0"/>
+                  </a:moveTo>
+                  <a:lnTo>
+                    <a:pt x="1295770" y="0"/>
+                  </a:lnTo>
+                  <a:lnTo>
+                    <a:pt x="1295770" y="0"/>
+                  </a:lnTo>
+                </a:path>
+              </a:pathLst>
+            </a:custGeom>
+            <a:ln w="6775" cap="flat">
+              <a:solidFill>
+                <a:srgbClr val="EBEBEB">
+                  <a:alpha val="100000"/>
+                </a:srgbClr>
+              </a:solidFill>
+              <a:prstDash val="solid"/>
+              <a:round/>
+            </a:ln>
+          </p:spPr>
+          <p:txBody>
+            <a:bodyPr/>
+            <a:lstStyle/>
+            <a:p/>
+          </p:txBody>
+        </p:sp>
+        <p:sp>
+          <p:nvSpPr>
+            <p:cNvPr id="49" name="pl49"/>
+            <p:cNvSpPr/>
+            <p:nvPr/>
+          </p:nvSpPr>
+          <p:spPr>
+            <a:xfrm>
+              <a:off x="4910601" y="2061710"/>
+              <a:ext cx="1295770" cy="0"/>
+            </a:xfrm>
+            <a:custGeom>
+              <a:avLst/>
+              <a:pathLst>
+                <a:path w="1295770" h="0">
+                  <a:moveTo>
+                    <a:pt x="0" y="0"/>
+                  </a:moveTo>
+                  <a:lnTo>
+                    <a:pt x="1295770" y="0"/>
+                  </a:lnTo>
+                  <a:lnTo>
+                    <a:pt x="1295770" y="0"/>
+                  </a:lnTo>
+                </a:path>
+              </a:pathLst>
+            </a:custGeom>
+            <a:ln w="6775" cap="flat">
+              <a:solidFill>
+                <a:srgbClr val="EBEBEB">
+                  <a:alpha val="100000"/>
+                </a:srgbClr>
+              </a:solidFill>
+              <a:prstDash val="solid"/>
+              <a:round/>
+            </a:ln>
+          </p:spPr>
+          <p:txBody>
+            <a:bodyPr/>
+            <a:lstStyle/>
+            <a:p/>
+          </p:txBody>
+        </p:sp>
+        <p:sp>
+          <p:nvSpPr>
+            <p:cNvPr id="50" name="pl50"/>
+            <p:cNvSpPr/>
+            <p:nvPr/>
+          </p:nvSpPr>
+          <p:spPr>
+            <a:xfrm>
+              <a:off x="4910601" y="5116600"/>
+              <a:ext cx="1295770" cy="0"/>
+            </a:xfrm>
+            <a:custGeom>
+              <a:avLst/>
+              <a:pathLst>
+                <a:path w="1295770" h="0">
+                  <a:moveTo>
+                    <a:pt x="0" y="0"/>
+                  </a:moveTo>
+                  <a:lnTo>
+                    <a:pt x="1295770" y="0"/>
+                  </a:lnTo>
+                  <a:lnTo>
+                    <a:pt x="1295770" y="0"/>
+                  </a:lnTo>
+                </a:path>
+              </a:pathLst>
+            </a:custGeom>
+            <a:ln w="13550" cap="flat">
+              <a:solidFill>
+                <a:srgbClr val="EBEBEB">
+                  <a:alpha val="100000"/>
+                </a:srgbClr>
+              </a:solidFill>
+              <a:prstDash val="solid"/>
+              <a:round/>
+            </a:ln>
+          </p:spPr>
+          <p:txBody>
+            <a:bodyPr/>
+            <a:lstStyle/>
+            <a:p/>
+          </p:txBody>
+        </p:sp>
+        <p:sp>
+          <p:nvSpPr>
+            <p:cNvPr id="51" name="pl51"/>
+            <p:cNvSpPr/>
+            <p:nvPr/>
+          </p:nvSpPr>
+          <p:spPr>
+            <a:xfrm>
+              <a:off x="4910601" y="4437736"/>
+              <a:ext cx="1295770" cy="0"/>
+            </a:xfrm>
+            <a:custGeom>
+              <a:avLst/>
+              <a:pathLst>
+                <a:path w="1295770" h="0">
+                  <a:moveTo>
+                    <a:pt x="0" y="0"/>
+                  </a:moveTo>
+                  <a:lnTo>
+                    <a:pt x="1295770" y="0"/>
+                  </a:lnTo>
+                  <a:lnTo>
+                    <a:pt x="1295770" y="0"/>
+                  </a:lnTo>
+                </a:path>
+              </a:pathLst>
+            </a:custGeom>
+            <a:ln w="13550" cap="flat">
+              <a:solidFill>
+                <a:srgbClr val="EBEBEB">
+                  <a:alpha val="100000"/>
+                </a:srgbClr>
+              </a:solidFill>
+              <a:prstDash val="solid"/>
+              <a:round/>
+            </a:ln>
+          </p:spPr>
+          <p:txBody>
+            <a:bodyPr/>
+            <a:lstStyle/>
+            <a:p/>
+          </p:txBody>
+        </p:sp>
+        <p:sp>
+          <p:nvSpPr>
+            <p:cNvPr id="52" name="pl52"/>
+            <p:cNvSpPr/>
+            <p:nvPr/>
+          </p:nvSpPr>
+          <p:spPr>
+            <a:xfrm>
+              <a:off x="4910601" y="3758871"/>
+              <a:ext cx="1295770" cy="0"/>
+            </a:xfrm>
+            <a:custGeom>
+              <a:avLst/>
+              <a:pathLst>
+                <a:path w="1295770" h="0">
+                  <a:moveTo>
+                    <a:pt x="0" y="0"/>
+                  </a:moveTo>
+                  <a:lnTo>
+                    <a:pt x="1295770" y="0"/>
+                  </a:lnTo>
+                  <a:lnTo>
+                    <a:pt x="1295770" y="0"/>
+                  </a:lnTo>
+                </a:path>
+              </a:pathLst>
+            </a:custGeom>
+            <a:ln w="13550" cap="flat">
+              <a:solidFill>
+                <a:srgbClr val="EBEBEB">
+                  <a:alpha val="100000"/>
+                </a:srgbClr>
+              </a:solidFill>
+              <a:prstDash val="solid"/>
+              <a:round/>
+            </a:ln>
+          </p:spPr>
+          <p:txBody>
+            <a:bodyPr/>
+            <a:lstStyle/>
+            <a:p/>
+          </p:txBody>
+        </p:sp>
+        <p:sp>
+          <p:nvSpPr>
+            <p:cNvPr id="53" name="pl53"/>
+            <p:cNvSpPr/>
+            <p:nvPr/>
+          </p:nvSpPr>
+          <p:spPr>
+            <a:xfrm>
+              <a:off x="4910601" y="3080007"/>
+              <a:ext cx="1295770" cy="0"/>
+            </a:xfrm>
+            <a:custGeom>
+              <a:avLst/>
+              <a:pathLst>
+                <a:path w="1295770" h="0">
+                  <a:moveTo>
+                    <a:pt x="0" y="0"/>
+                  </a:moveTo>
+                  <a:lnTo>
+                    <a:pt x="1295770" y="0"/>
+                  </a:lnTo>
+                  <a:lnTo>
+                    <a:pt x="1295770" y="0"/>
+                  </a:lnTo>
+                </a:path>
+              </a:pathLst>
+            </a:custGeom>
+            <a:ln w="13550" cap="flat">
+              <a:solidFill>
+                <a:srgbClr val="EBEBEB">
+                  <a:alpha val="100000"/>
+                </a:srgbClr>
+              </a:solidFill>
+              <a:prstDash val="solid"/>
+              <a:round/>
+            </a:ln>
+          </p:spPr>
+          <p:txBody>
+            <a:bodyPr/>
+            <a:lstStyle/>
+            <a:p/>
+          </p:txBody>
+        </p:sp>
+        <p:sp>
+          <p:nvSpPr>
+            <p:cNvPr id="54" name="pl54"/>
+            <p:cNvSpPr/>
+            <p:nvPr/>
+          </p:nvSpPr>
+          <p:spPr>
+            <a:xfrm>
+              <a:off x="4910601" y="2401142"/>
+              <a:ext cx="1295770" cy="0"/>
+            </a:xfrm>
+            <a:custGeom>
+              <a:avLst/>
+              <a:pathLst>
+                <a:path w="1295770" h="0">
+                  <a:moveTo>
+                    <a:pt x="0" y="0"/>
+                  </a:moveTo>
+                  <a:lnTo>
+                    <a:pt x="1295770" y="0"/>
+                  </a:lnTo>
+                  <a:lnTo>
+                    <a:pt x="1295770" y="0"/>
+                  </a:lnTo>
+                </a:path>
+              </a:pathLst>
+            </a:custGeom>
+            <a:ln w="13550" cap="flat">
+              <a:solidFill>
+                <a:srgbClr val="EBEBEB">
+                  <a:alpha val="100000"/>
+                </a:srgbClr>
+              </a:solidFill>
+              <a:prstDash val="solid"/>
+              <a:round/>
+            </a:ln>
+          </p:spPr>
+          <p:txBody>
+            <a:bodyPr/>
+            <a:lstStyle/>
+            <a:p/>
+          </p:txBody>
+        </p:sp>
+        <p:sp>
+          <p:nvSpPr>
+            <p:cNvPr id="55" name="pl55"/>
+            <p:cNvSpPr/>
+            <p:nvPr/>
+          </p:nvSpPr>
+          <p:spPr>
+            <a:xfrm>
+              <a:off x="5095711" y="1809173"/>
+              <a:ext cx="0" cy="3464924"/>
+            </a:xfrm>
+            <a:custGeom>
+              <a:avLst/>
+              <a:pathLst>
+                <a:path w="0" h="3464924">
+                  <a:moveTo>
+                    <a:pt x="0" y="3464924"/>
+                  </a:moveTo>
+                  <a:lnTo>
+                    <a:pt x="0" y="0"/>
+                  </a:lnTo>
+                  <a:lnTo>
+                    <a:pt x="0" y="0"/>
+                  </a:lnTo>
+                </a:path>
+              </a:pathLst>
+            </a:custGeom>
+            <a:ln w="13550" cap="flat">
+              <a:solidFill>
+                <a:srgbClr val="EBEBEB">
+                  <a:alpha val="100000"/>
+                </a:srgbClr>
+              </a:solidFill>
+              <a:prstDash val="solid"/>
+              <a:round/>
+            </a:ln>
+          </p:spPr>
+          <p:txBody>
+            <a:bodyPr/>
+            <a:lstStyle/>
+            <a:p/>
+          </p:txBody>
+        </p:sp>
+        <p:sp>
+          <p:nvSpPr>
+            <p:cNvPr id="56" name="pl56"/>
+            <p:cNvSpPr/>
+            <p:nvPr/>
+          </p:nvSpPr>
+          <p:spPr>
+            <a:xfrm>
+              <a:off x="5404228" y="1809173"/>
+              <a:ext cx="0" cy="3464924"/>
+            </a:xfrm>
+            <a:custGeom>
+              <a:avLst/>
+              <a:pathLst>
+                <a:path w="0" h="3464924">
+                  <a:moveTo>
+                    <a:pt x="0" y="3464924"/>
+                  </a:moveTo>
+                  <a:lnTo>
+                    <a:pt x="0" y="0"/>
+                  </a:lnTo>
+                  <a:lnTo>
+                    <a:pt x="0" y="0"/>
+                  </a:lnTo>
+                </a:path>
+              </a:pathLst>
+            </a:custGeom>
+            <a:ln w="13550" cap="flat">
+              <a:solidFill>
+                <a:srgbClr val="EBEBEB">
+                  <a:alpha val="100000"/>
+                </a:srgbClr>
+              </a:solidFill>
+              <a:prstDash val="solid"/>
+              <a:round/>
+            </a:ln>
+          </p:spPr>
+          <p:txBody>
+            <a:bodyPr/>
+            <a:lstStyle/>
+            <a:p/>
+          </p:txBody>
+        </p:sp>
+        <p:sp>
+          <p:nvSpPr>
+            <p:cNvPr id="57" name="pl57"/>
+            <p:cNvSpPr/>
+            <p:nvPr/>
+          </p:nvSpPr>
+          <p:spPr>
+            <a:xfrm>
+              <a:off x="5712745" y="1809173"/>
+              <a:ext cx="0" cy="3464924"/>
+            </a:xfrm>
+            <a:custGeom>
+              <a:avLst/>
+              <a:pathLst>
+                <a:path w="0" h="3464924">
+                  <a:moveTo>
+                    <a:pt x="0" y="3464924"/>
+                  </a:moveTo>
+                  <a:lnTo>
+                    <a:pt x="0" y="0"/>
+                  </a:lnTo>
+                  <a:lnTo>
+                    <a:pt x="0" y="0"/>
+                  </a:lnTo>
+                </a:path>
+              </a:pathLst>
+            </a:custGeom>
+            <a:ln w="13550" cap="flat">
+              <a:solidFill>
+                <a:srgbClr val="EBEBEB">
+                  <a:alpha val="100000"/>
+                </a:srgbClr>
+              </a:solidFill>
+              <a:prstDash val="solid"/>
+              <a:round/>
+            </a:ln>
+          </p:spPr>
+          <p:txBody>
+            <a:bodyPr/>
+            <a:lstStyle/>
+            <a:p/>
+          </p:txBody>
+        </p:sp>
+        <p:sp>
+          <p:nvSpPr>
+            <p:cNvPr id="58" name="pl58"/>
+            <p:cNvSpPr/>
+            <p:nvPr/>
+          </p:nvSpPr>
+          <p:spPr>
+            <a:xfrm>
+              <a:off x="6021262" y="1809173"/>
+              <a:ext cx="0" cy="3464924"/>
+            </a:xfrm>
+            <a:custGeom>
+              <a:avLst/>
+              <a:pathLst>
+                <a:path w="0" h="3464924">
+                  <a:moveTo>
+                    <a:pt x="0" y="3464924"/>
+                  </a:moveTo>
+                  <a:lnTo>
+                    <a:pt x="0" y="0"/>
+                  </a:lnTo>
+                  <a:lnTo>
+                    <a:pt x="0" y="0"/>
+                  </a:lnTo>
+                </a:path>
+              </a:pathLst>
+            </a:custGeom>
+            <a:ln w="13550" cap="flat">
+              <a:solidFill>
+                <a:srgbClr val="EBEBEB">
+                  <a:alpha val="100000"/>
+                </a:srgbClr>
+              </a:solidFill>
+              <a:prstDash val="solid"/>
+              <a:round/>
+            </a:ln>
+          </p:spPr>
+          <p:txBody>
+            <a:bodyPr/>
+            <a:lstStyle/>
+            <a:p/>
+          </p:txBody>
+        </p:sp>
+        <p:sp>
+          <p:nvSpPr>
+            <p:cNvPr id="59" name="rc59"/>
+            <p:cNvSpPr/>
+            <p:nvPr/>
+          </p:nvSpPr>
+          <p:spPr>
+            <a:xfrm>
+              <a:off x="5265396" y="5089446"/>
+              <a:ext cx="277665" cy="27154"/>
+            </a:xfrm>
+            <a:prstGeom prst="rect">
+              <a:avLst/>
+            </a:prstGeom>
+            <a:solidFill>
+              <a:srgbClr val="FCAE91">
+                <a:alpha val="100000"/>
+              </a:srgbClr>
+            </a:solidFill>
+          </p:spPr>
+          <p:txBody>
+            <a:bodyPr/>
+            <a:lstStyle/>
+            <a:p/>
+          </p:txBody>
+        </p:sp>
+        <p:sp>
+          <p:nvSpPr>
+            <p:cNvPr id="60" name="rc60"/>
+            <p:cNvSpPr/>
+            <p:nvPr/>
+          </p:nvSpPr>
+          <p:spPr>
+            <a:xfrm>
+              <a:off x="5573912" y="4763591"/>
+              <a:ext cx="277665" cy="353009"/>
+            </a:xfrm>
+            <a:prstGeom prst="rect">
+              <a:avLst/>
+            </a:prstGeom>
+            <a:solidFill>
+              <a:srgbClr val="FB6A4A">
+                <a:alpha val="100000"/>
+              </a:srgbClr>
+            </a:solidFill>
+          </p:spPr>
+          <p:txBody>
+            <a:bodyPr/>
+            <a:lstStyle/>
+            <a:p/>
+          </p:txBody>
+        </p:sp>
+        <p:sp>
+          <p:nvSpPr>
+            <p:cNvPr id="61" name="rc61"/>
+            <p:cNvSpPr/>
+            <p:nvPr/>
+          </p:nvSpPr>
+          <p:spPr>
+            <a:xfrm>
+              <a:off x="5882429" y="4329118"/>
+              <a:ext cx="277665" cy="787482"/>
+            </a:xfrm>
+            <a:prstGeom prst="rect">
+              <a:avLst/>
+            </a:prstGeom>
+            <a:solidFill>
+              <a:srgbClr val="CB181D">
+                <a:alpha val="100000"/>
+              </a:srgbClr>
+            </a:solidFill>
+          </p:spPr>
+          <p:txBody>
+            <a:bodyPr/>
+            <a:lstStyle/>
+            <a:p/>
+          </p:txBody>
+        </p:sp>
+        <p:sp>
+          <p:nvSpPr>
+            <p:cNvPr id="62" name="rc62"/>
+            <p:cNvSpPr/>
+            <p:nvPr/>
+          </p:nvSpPr>
+          <p:spPr>
+            <a:xfrm>
+              <a:off x="4910601" y="1809173"/>
+              <a:ext cx="1295770" cy="3464924"/>
+            </a:xfrm>
+            <a:prstGeom prst="rect">
+              <a:avLst/>
+            </a:prstGeom>
+            <a:ln w="13550" cap="rnd">
+              <a:solidFill>
+                <a:srgbClr val="333333">
+                  <a:alpha val="100000"/>
+                </a:srgbClr>
+              </a:solidFill>
+              <a:prstDash val="solid"/>
+              <a:round/>
+            </a:ln>
+          </p:spPr>
+          <p:txBody>
+            <a:bodyPr/>
+            <a:lstStyle/>
+            <a:p/>
+          </p:txBody>
+        </p:sp>
+        <p:sp>
+          <p:nvSpPr>
+            <p:cNvPr id="63" name="rc63"/>
+            <p:cNvSpPr/>
+            <p:nvPr/>
+          </p:nvSpPr>
+          <p:spPr>
+            <a:xfrm>
+              <a:off x="6275961" y="1809173"/>
+              <a:ext cx="1295770" cy="3464924"/>
+            </a:xfrm>
+            <a:prstGeom prst="rect">
+              <a:avLst/>
+            </a:prstGeom>
+            <a:solidFill>
+              <a:srgbClr val="FFFFFF">
+                <a:alpha val="100000"/>
+              </a:srgbClr>
+            </a:solidFill>
+          </p:spPr>
+          <p:txBody>
+            <a:bodyPr/>
+            <a:lstStyle/>
+            <a:p/>
+          </p:txBody>
+        </p:sp>
+        <p:sp>
+          <p:nvSpPr>
+            <p:cNvPr id="64" name="pl64"/>
+            <p:cNvSpPr/>
+            <p:nvPr/>
+          </p:nvSpPr>
+          <p:spPr>
+            <a:xfrm>
+              <a:off x="6275961" y="4777168"/>
+              <a:ext cx="1295770" cy="0"/>
+            </a:xfrm>
+            <a:custGeom>
+              <a:avLst/>
+              <a:pathLst>
+                <a:path w="1295770" h="0">
+                  <a:moveTo>
+                    <a:pt x="0" y="0"/>
+                  </a:moveTo>
+                  <a:lnTo>
+                    <a:pt x="1295770" y="0"/>
+                  </a:lnTo>
+                  <a:lnTo>
+                    <a:pt x="1295770" y="0"/>
+                  </a:lnTo>
+                </a:path>
+              </a:pathLst>
+            </a:custGeom>
+            <a:ln w="6775" cap="flat">
+              <a:solidFill>
+                <a:srgbClr val="EBEBEB">
+                  <a:alpha val="100000"/>
+                </a:srgbClr>
+              </a:solidFill>
+              <a:prstDash val="solid"/>
+              <a:round/>
+            </a:ln>
+          </p:spPr>
+          <p:txBody>
+            <a:bodyPr/>
+            <a:lstStyle/>
+            <a:p/>
+          </p:txBody>
+        </p:sp>
+        <p:sp>
+          <p:nvSpPr>
+            <p:cNvPr id="65" name="pl65"/>
+            <p:cNvSpPr/>
+            <p:nvPr/>
+          </p:nvSpPr>
+          <p:spPr>
+            <a:xfrm>
+              <a:off x="6275961" y="4098304"/>
+              <a:ext cx="1295770" cy="0"/>
+            </a:xfrm>
+            <a:custGeom>
+              <a:avLst/>
+              <a:pathLst>
+                <a:path w="1295770" h="0">
+                  <a:moveTo>
+                    <a:pt x="0" y="0"/>
+                  </a:moveTo>
+                  <a:lnTo>
+                    <a:pt x="1295770" y="0"/>
+                  </a:lnTo>
+                  <a:lnTo>
+                    <a:pt x="1295770" y="0"/>
+                  </a:lnTo>
+                </a:path>
+              </a:pathLst>
+            </a:custGeom>
+            <a:ln w="6775" cap="flat">
+              <a:solidFill>
+                <a:srgbClr val="EBEBEB">
+                  <a:alpha val="100000"/>
+                </a:srgbClr>
+              </a:solidFill>
+              <a:prstDash val="solid"/>
+              <a:round/>
+            </a:ln>
+          </p:spPr>
+          <p:txBody>
+            <a:bodyPr/>
+            <a:lstStyle/>
+            <a:p/>
+          </p:txBody>
+        </p:sp>
+        <p:sp>
+          <p:nvSpPr>
+            <p:cNvPr id="66" name="pl66"/>
+            <p:cNvSpPr/>
+            <p:nvPr/>
+          </p:nvSpPr>
+          <p:spPr>
+            <a:xfrm>
+              <a:off x="6275961" y="3419439"/>
+              <a:ext cx="1295770" cy="0"/>
+            </a:xfrm>
+            <a:custGeom>
+              <a:avLst/>
+              <a:pathLst>
+                <a:path w="1295770" h="0">
+                  <a:moveTo>
+                    <a:pt x="0" y="0"/>
+                  </a:moveTo>
+                  <a:lnTo>
+                    <a:pt x="1295770" y="0"/>
+                  </a:lnTo>
+                  <a:lnTo>
+                    <a:pt x="1295770" y="0"/>
+                  </a:lnTo>
+                </a:path>
+              </a:pathLst>
+            </a:custGeom>
+            <a:ln w="6775" cap="flat">
+              <a:solidFill>
+                <a:srgbClr val="EBEBEB">
+                  <a:alpha val="100000"/>
+                </a:srgbClr>
+              </a:solidFill>
+              <a:prstDash val="solid"/>
+              <a:round/>
+            </a:ln>
+          </p:spPr>
+          <p:txBody>
+            <a:bodyPr/>
+            <a:lstStyle/>
+            <a:p/>
+          </p:txBody>
+        </p:sp>
+        <p:sp>
+          <p:nvSpPr>
+            <p:cNvPr id="67" name="pl67"/>
+            <p:cNvSpPr/>
+            <p:nvPr/>
+          </p:nvSpPr>
+          <p:spPr>
+            <a:xfrm>
+              <a:off x="6275961" y="2740575"/>
+              <a:ext cx="1295770" cy="0"/>
+            </a:xfrm>
+            <a:custGeom>
+              <a:avLst/>
+              <a:pathLst>
+                <a:path w="1295770" h="0">
+                  <a:moveTo>
+                    <a:pt x="0" y="0"/>
+                  </a:moveTo>
+                  <a:lnTo>
+                    <a:pt x="1295770" y="0"/>
+                  </a:lnTo>
+                  <a:lnTo>
+                    <a:pt x="1295770" y="0"/>
+                  </a:lnTo>
+                </a:path>
+              </a:pathLst>
+            </a:custGeom>
+            <a:ln w="6775" cap="flat">
+              <a:solidFill>
+                <a:srgbClr val="EBEBEB">
+                  <a:alpha val="100000"/>
+                </a:srgbClr>
+              </a:solidFill>
+              <a:prstDash val="solid"/>
+              <a:round/>
+            </a:ln>
+          </p:spPr>
+          <p:txBody>
+            <a:bodyPr/>
+            <a:lstStyle/>
+            <a:p/>
+          </p:txBody>
+        </p:sp>
+        <p:sp>
+          <p:nvSpPr>
+            <p:cNvPr id="68" name="pl68"/>
+            <p:cNvSpPr/>
+            <p:nvPr/>
+          </p:nvSpPr>
+          <p:spPr>
+            <a:xfrm>
+              <a:off x="6275961" y="2061710"/>
+              <a:ext cx="1295770" cy="0"/>
+            </a:xfrm>
+            <a:custGeom>
+              <a:avLst/>
+              <a:pathLst>
+                <a:path w="1295770" h="0">
+                  <a:moveTo>
+                    <a:pt x="0" y="0"/>
+                  </a:moveTo>
+                  <a:lnTo>
+                    <a:pt x="1295770" y="0"/>
+                  </a:lnTo>
+                  <a:lnTo>
+                    <a:pt x="1295770" y="0"/>
+                  </a:lnTo>
+                </a:path>
+              </a:pathLst>
+            </a:custGeom>
+            <a:ln w="6775" cap="flat">
+              <a:solidFill>
+                <a:srgbClr val="EBEBEB">
+                  <a:alpha val="100000"/>
+                </a:srgbClr>
+              </a:solidFill>
+              <a:prstDash val="solid"/>
+              <a:round/>
+            </a:ln>
+          </p:spPr>
+          <p:txBody>
+            <a:bodyPr/>
+            <a:lstStyle/>
+            <a:p/>
+          </p:txBody>
+        </p:sp>
+        <p:sp>
+          <p:nvSpPr>
+            <p:cNvPr id="69" name="pl69"/>
+            <p:cNvSpPr/>
+            <p:nvPr/>
+          </p:nvSpPr>
+          <p:spPr>
+            <a:xfrm>
+              <a:off x="6275961" y="5116600"/>
+              <a:ext cx="1295770" cy="0"/>
+            </a:xfrm>
+            <a:custGeom>
+              <a:avLst/>
+              <a:pathLst>
+                <a:path w="1295770" h="0">
+                  <a:moveTo>
+                    <a:pt x="0" y="0"/>
+                  </a:moveTo>
+                  <a:lnTo>
+                    <a:pt x="1295770" y="0"/>
+                  </a:lnTo>
+                  <a:lnTo>
+                    <a:pt x="1295770" y="0"/>
+                  </a:lnTo>
+                </a:path>
+              </a:pathLst>
+            </a:custGeom>
+            <a:ln w="13550" cap="flat">
+              <a:solidFill>
+                <a:srgbClr val="EBEBEB">
+                  <a:alpha val="100000"/>
+                </a:srgbClr>
+              </a:solidFill>
+              <a:prstDash val="solid"/>
+              <a:round/>
+            </a:ln>
+          </p:spPr>
+          <p:txBody>
+            <a:bodyPr/>
+            <a:lstStyle/>
+            <a:p/>
+          </p:txBody>
+        </p:sp>
+        <p:sp>
+          <p:nvSpPr>
+            <p:cNvPr id="70" name="pl70"/>
+            <p:cNvSpPr/>
+            <p:nvPr/>
+          </p:nvSpPr>
+          <p:spPr>
+            <a:xfrm>
+              <a:off x="6275961" y="4437736"/>
+              <a:ext cx="1295770" cy="0"/>
+            </a:xfrm>
+            <a:custGeom>
+              <a:avLst/>
+              <a:pathLst>
+                <a:path w="1295770" h="0">
+                  <a:moveTo>
+                    <a:pt x="0" y="0"/>
+                  </a:moveTo>
+                  <a:lnTo>
+                    <a:pt x="1295770" y="0"/>
+                  </a:lnTo>
+                  <a:lnTo>
+                    <a:pt x="1295770" y="0"/>
+                  </a:lnTo>
+                </a:path>
+              </a:pathLst>
+            </a:custGeom>
+            <a:ln w="13550" cap="flat">
+              <a:solidFill>
+                <a:srgbClr val="EBEBEB">
+                  <a:alpha val="100000"/>
+                </a:srgbClr>
+              </a:solidFill>
+              <a:prstDash val="solid"/>
+              <a:round/>
+            </a:ln>
+          </p:spPr>
+          <p:txBody>
+            <a:bodyPr/>
+            <a:lstStyle/>
+            <a:p/>
+          </p:txBody>
+        </p:sp>
+        <p:sp>
+          <p:nvSpPr>
+            <p:cNvPr id="71" name="pl71"/>
+            <p:cNvSpPr/>
+            <p:nvPr/>
+          </p:nvSpPr>
+          <p:spPr>
+            <a:xfrm>
+              <a:off x="6275961" y="3758871"/>
+              <a:ext cx="1295770" cy="0"/>
+            </a:xfrm>
+            <a:custGeom>
+              <a:avLst/>
+              <a:pathLst>
+                <a:path w="1295770" h="0">
+                  <a:moveTo>
+                    <a:pt x="0" y="0"/>
+                  </a:moveTo>
+                  <a:lnTo>
+                    <a:pt x="1295770" y="0"/>
+                  </a:lnTo>
+                  <a:lnTo>
+                    <a:pt x="1295770" y="0"/>
+                  </a:lnTo>
+                </a:path>
+              </a:pathLst>
+            </a:custGeom>
+            <a:ln w="13550" cap="flat">
+              <a:solidFill>
+                <a:srgbClr val="EBEBEB">
+                  <a:alpha val="100000"/>
+                </a:srgbClr>
+              </a:solidFill>
+              <a:prstDash val="solid"/>
+              <a:round/>
+            </a:ln>
+          </p:spPr>
+          <p:txBody>
+            <a:bodyPr/>
+            <a:lstStyle/>
+            <a:p/>
+          </p:txBody>
+        </p:sp>
+        <p:sp>
+          <p:nvSpPr>
+            <p:cNvPr id="72" name="pl72"/>
+            <p:cNvSpPr/>
+            <p:nvPr/>
+          </p:nvSpPr>
+          <p:spPr>
+            <a:xfrm>
+              <a:off x="6275961" y="3080007"/>
+              <a:ext cx="1295770" cy="0"/>
+            </a:xfrm>
+            <a:custGeom>
+              <a:avLst/>
+              <a:pathLst>
+                <a:path w="1295770" h="0">
+                  <a:moveTo>
+                    <a:pt x="0" y="0"/>
+                  </a:moveTo>
+                  <a:lnTo>
+                    <a:pt x="1295770" y="0"/>
+                  </a:lnTo>
+                  <a:lnTo>
+                    <a:pt x="1295770" y="0"/>
+                  </a:lnTo>
+                </a:path>
+              </a:pathLst>
+            </a:custGeom>
+            <a:ln w="13550" cap="flat">
+              <a:solidFill>
+                <a:srgbClr val="EBEBEB">
+                  <a:alpha val="100000"/>
+                </a:srgbClr>
+              </a:solidFill>
+              <a:prstDash val="solid"/>
+              <a:round/>
+            </a:ln>
+          </p:spPr>
+          <p:txBody>
+            <a:bodyPr/>
+            <a:lstStyle/>
+            <a:p/>
+          </p:txBody>
+        </p:sp>
+        <p:sp>
+          <p:nvSpPr>
+            <p:cNvPr id="73" name="pl73"/>
+            <p:cNvSpPr/>
+            <p:nvPr/>
+          </p:nvSpPr>
+          <p:spPr>
+            <a:xfrm>
+              <a:off x="6275961" y="2401142"/>
+              <a:ext cx="1295770" cy="0"/>
+            </a:xfrm>
+            <a:custGeom>
+              <a:avLst/>
+              <a:pathLst>
+                <a:path w="1295770" h="0">
+                  <a:moveTo>
+                    <a:pt x="0" y="0"/>
+                  </a:moveTo>
+                  <a:lnTo>
+                    <a:pt x="1295770" y="0"/>
+                  </a:lnTo>
+                  <a:lnTo>
+                    <a:pt x="1295770" y="0"/>
+                  </a:lnTo>
+                </a:path>
+              </a:pathLst>
+            </a:custGeom>
+            <a:ln w="13550" cap="flat">
+              <a:solidFill>
+                <a:srgbClr val="EBEBEB">
+                  <a:alpha val="100000"/>
+                </a:srgbClr>
+              </a:solidFill>
+              <a:prstDash val="solid"/>
+              <a:round/>
+            </a:ln>
+          </p:spPr>
+          <p:txBody>
+            <a:bodyPr/>
+            <a:lstStyle/>
+            <a:p/>
+          </p:txBody>
+        </p:sp>
+        <p:sp>
+          <p:nvSpPr>
+            <p:cNvPr id="74" name="pl74"/>
+            <p:cNvSpPr/>
+            <p:nvPr/>
+          </p:nvSpPr>
+          <p:spPr>
+            <a:xfrm>
+              <a:off x="6461071" y="1809173"/>
+              <a:ext cx="0" cy="3464924"/>
+            </a:xfrm>
+            <a:custGeom>
+              <a:avLst/>
+              <a:pathLst>
+                <a:path w="0" h="3464924">
+                  <a:moveTo>
+                    <a:pt x="0" y="3464924"/>
+                  </a:moveTo>
+                  <a:lnTo>
+                    <a:pt x="0" y="0"/>
+                  </a:lnTo>
+                  <a:lnTo>
+                    <a:pt x="0" y="0"/>
+                  </a:lnTo>
+                </a:path>
+              </a:pathLst>
+            </a:custGeom>
+            <a:ln w="13550" cap="flat">
+              <a:solidFill>
+                <a:srgbClr val="EBEBEB">
+                  <a:alpha val="100000"/>
+                </a:srgbClr>
+              </a:solidFill>
+              <a:prstDash val="solid"/>
+              <a:round/>
+            </a:ln>
+          </p:spPr>
+          <p:txBody>
+            <a:bodyPr/>
+            <a:lstStyle/>
+            <a:p/>
+          </p:txBody>
+        </p:sp>
+        <p:sp>
+          <p:nvSpPr>
+            <p:cNvPr id="75" name="pl75"/>
+            <p:cNvSpPr/>
+            <p:nvPr/>
+          </p:nvSpPr>
+          <p:spPr>
+            <a:xfrm>
+              <a:off x="6769588" y="1809173"/>
+              <a:ext cx="0" cy="3464924"/>
+            </a:xfrm>
+            <a:custGeom>
+              <a:avLst/>
+              <a:pathLst>
+                <a:path w="0" h="3464924">
+                  <a:moveTo>
+                    <a:pt x="0" y="3464924"/>
+                  </a:moveTo>
+                  <a:lnTo>
+                    <a:pt x="0" y="0"/>
+                  </a:lnTo>
+                  <a:lnTo>
+                    <a:pt x="0" y="0"/>
+                  </a:lnTo>
+                </a:path>
+              </a:pathLst>
+            </a:custGeom>
+            <a:ln w="13550" cap="flat">
+              <a:solidFill>
+                <a:srgbClr val="EBEBEB">
+                  <a:alpha val="100000"/>
+                </a:srgbClr>
+              </a:solidFill>
+              <a:prstDash val="solid"/>
+              <a:round/>
+            </a:ln>
+          </p:spPr>
+          <p:txBody>
+            <a:bodyPr/>
+            <a:lstStyle/>
+            <a:p/>
+          </p:txBody>
+        </p:sp>
+        <p:sp>
+          <p:nvSpPr>
+            <p:cNvPr id="76" name="pl76"/>
+            <p:cNvSpPr/>
+            <p:nvPr/>
+          </p:nvSpPr>
+          <p:spPr>
+            <a:xfrm>
+              <a:off x="7078105" y="1809173"/>
+              <a:ext cx="0" cy="3464924"/>
+            </a:xfrm>
+            <a:custGeom>
+              <a:avLst/>
+              <a:pathLst>
+                <a:path w="0" h="3464924">
+                  <a:moveTo>
+                    <a:pt x="0" y="3464924"/>
+                  </a:moveTo>
+                  <a:lnTo>
+                    <a:pt x="0" y="0"/>
+                  </a:lnTo>
+                  <a:lnTo>
+                    <a:pt x="0" y="0"/>
+                  </a:lnTo>
+                </a:path>
+              </a:pathLst>
+            </a:custGeom>
+            <a:ln w="13550" cap="flat">
+              <a:solidFill>
+                <a:srgbClr val="EBEBEB">
+                  <a:alpha val="100000"/>
+                </a:srgbClr>
+              </a:solidFill>
+              <a:prstDash val="solid"/>
+              <a:round/>
+            </a:ln>
+          </p:spPr>
+          <p:txBody>
+            <a:bodyPr/>
+            <a:lstStyle/>
+            <a:p/>
+          </p:txBody>
+        </p:sp>
+        <p:sp>
+          <p:nvSpPr>
+            <p:cNvPr id="77" name="pl77"/>
+            <p:cNvSpPr/>
+            <p:nvPr/>
+          </p:nvSpPr>
+          <p:spPr>
+            <a:xfrm>
+              <a:off x="7386622" y="1809173"/>
+              <a:ext cx="0" cy="3464924"/>
+            </a:xfrm>
+            <a:custGeom>
+              <a:avLst/>
+              <a:pathLst>
+                <a:path w="0" h="3464924">
+                  <a:moveTo>
+                    <a:pt x="0" y="3464924"/>
+                  </a:moveTo>
+                  <a:lnTo>
+                    <a:pt x="0" y="0"/>
+                  </a:lnTo>
+                  <a:lnTo>
+                    <a:pt x="0" y="0"/>
+                  </a:lnTo>
+                </a:path>
+              </a:pathLst>
+            </a:custGeom>
+            <a:ln w="13550" cap="flat">
+              <a:solidFill>
+                <a:srgbClr val="EBEBEB">
+                  <a:alpha val="100000"/>
+                </a:srgbClr>
+              </a:solidFill>
+              <a:prstDash val="solid"/>
+              <a:round/>
+            </a:ln>
+          </p:spPr>
+          <p:txBody>
+            <a:bodyPr/>
+            <a:lstStyle/>
+            <a:p/>
+          </p:txBody>
+        </p:sp>
+        <p:sp>
+          <p:nvSpPr>
+            <p:cNvPr id="78" name="rc78"/>
+            <p:cNvSpPr/>
+            <p:nvPr/>
+          </p:nvSpPr>
+          <p:spPr>
+            <a:xfrm>
+              <a:off x="6939272" y="4627818"/>
+              <a:ext cx="277665" cy="488782"/>
+            </a:xfrm>
+            <a:prstGeom prst="rect">
+              <a:avLst/>
+            </a:prstGeom>
+            <a:solidFill>
+              <a:srgbClr val="FB6A4A">
+                <a:alpha val="100000"/>
+              </a:srgbClr>
+            </a:solidFill>
+          </p:spPr>
+          <p:txBody>
+            <a:bodyPr/>
+            <a:lstStyle/>
+            <a:p/>
+          </p:txBody>
+        </p:sp>
+        <p:sp>
+          <p:nvSpPr>
+            <p:cNvPr id="79" name="rc79"/>
+            <p:cNvSpPr/>
+            <p:nvPr/>
+          </p:nvSpPr>
+          <p:spPr>
+            <a:xfrm>
+              <a:off x="7247789" y="4654973"/>
+              <a:ext cx="277665" cy="461627"/>
+            </a:xfrm>
+            <a:prstGeom prst="rect">
+              <a:avLst/>
+            </a:prstGeom>
+            <a:solidFill>
+              <a:srgbClr val="CB181D">
+                <a:alpha val="100000"/>
+              </a:srgbClr>
+            </a:solidFill>
+          </p:spPr>
+          <p:txBody>
+            <a:bodyPr/>
+            <a:lstStyle/>
+            <a:p/>
+          </p:txBody>
+        </p:sp>
+        <p:sp>
+          <p:nvSpPr>
+            <p:cNvPr id="80" name="rc80"/>
+            <p:cNvSpPr/>
+            <p:nvPr/>
+          </p:nvSpPr>
+          <p:spPr>
+            <a:xfrm>
+              <a:off x="6275961" y="1809173"/>
+              <a:ext cx="1295770" cy="3464924"/>
+            </a:xfrm>
+            <a:prstGeom prst="rect">
+              <a:avLst/>
+            </a:prstGeom>
+            <a:ln w="13550" cap="rnd">
+              <a:solidFill>
+                <a:srgbClr val="333333">
+                  <a:alpha val="100000"/>
+                </a:srgbClr>
+              </a:solidFill>
+              <a:prstDash val="solid"/>
+              <a:round/>
+            </a:ln>
+          </p:spPr>
+          <p:txBody>
+            <a:bodyPr/>
+            <a:lstStyle/>
+            <a:p/>
+          </p:txBody>
+        </p:sp>
+        <p:sp>
+          <p:nvSpPr>
+            <p:cNvPr id="81" name="rc81"/>
+            <p:cNvSpPr/>
+            <p:nvPr/>
+          </p:nvSpPr>
+          <p:spPr>
+            <a:xfrm>
+              <a:off x="7641321" y="1809173"/>
+              <a:ext cx="1295770" cy="3464924"/>
+            </a:xfrm>
+            <a:prstGeom prst="rect">
+              <a:avLst/>
+            </a:prstGeom>
+            <a:solidFill>
+              <a:srgbClr val="FFFFFF">
+                <a:alpha val="100000"/>
+              </a:srgbClr>
+            </a:solidFill>
+          </p:spPr>
+          <p:txBody>
+            <a:bodyPr/>
+            <a:lstStyle/>
+            <a:p/>
+          </p:txBody>
+        </p:sp>
+        <p:sp>
+          <p:nvSpPr>
+            <p:cNvPr id="82" name="pl82"/>
+            <p:cNvSpPr/>
+            <p:nvPr/>
+          </p:nvSpPr>
+          <p:spPr>
+            <a:xfrm>
+              <a:off x="7641321" y="4777168"/>
+              <a:ext cx="1295770" cy="0"/>
+            </a:xfrm>
+            <a:custGeom>
+              <a:avLst/>
+              <a:pathLst>
+                <a:path w="1295770" h="0">
+                  <a:moveTo>
+                    <a:pt x="0" y="0"/>
+                  </a:moveTo>
+                  <a:lnTo>
+                    <a:pt x="1295770" y="0"/>
+                  </a:lnTo>
+                  <a:lnTo>
+                    <a:pt x="1295770" y="0"/>
+                  </a:lnTo>
+                </a:path>
+              </a:pathLst>
+            </a:custGeom>
+            <a:ln w="6775" cap="flat">
+              <a:solidFill>
+                <a:srgbClr val="EBEBEB">
+                  <a:alpha val="100000"/>
+                </a:srgbClr>
+              </a:solidFill>
+              <a:prstDash val="solid"/>
+              <a:round/>
+            </a:ln>
+          </p:spPr>
+          <p:txBody>
+            <a:bodyPr/>
+            <a:lstStyle/>
+            <a:p/>
+          </p:txBody>
+        </p:sp>
+        <p:sp>
+          <p:nvSpPr>
+            <p:cNvPr id="83" name="pl83"/>
+            <p:cNvSpPr/>
+            <p:nvPr/>
+          </p:nvSpPr>
+          <p:spPr>
+            <a:xfrm>
+              <a:off x="7641321" y="4098304"/>
+              <a:ext cx="1295770" cy="0"/>
+            </a:xfrm>
+            <a:custGeom>
+              <a:avLst/>
+              <a:pathLst>
+                <a:path w="1295770" h="0">
+                  <a:moveTo>
+                    <a:pt x="0" y="0"/>
+                  </a:moveTo>
+                  <a:lnTo>
+                    <a:pt x="1295770" y="0"/>
+                  </a:lnTo>
+                  <a:lnTo>
+                    <a:pt x="1295770" y="0"/>
+                  </a:lnTo>
+                </a:path>
+              </a:pathLst>
+            </a:custGeom>
+            <a:ln w="6775" cap="flat">
+              <a:solidFill>
+                <a:srgbClr val="EBEBEB">
+                  <a:alpha val="100000"/>
+                </a:srgbClr>
+              </a:solidFill>
+              <a:prstDash val="solid"/>
+              <a:round/>
+            </a:ln>
+          </p:spPr>
+          <p:txBody>
+            <a:bodyPr/>
+            <a:lstStyle/>
+            <a:p/>
+          </p:txBody>
+        </p:sp>
+        <p:sp>
+          <p:nvSpPr>
+            <p:cNvPr id="84" name="pl84"/>
+            <p:cNvSpPr/>
+            <p:nvPr/>
+          </p:nvSpPr>
+          <p:spPr>
+            <a:xfrm>
+              <a:off x="7641321" y="3419439"/>
+              <a:ext cx="1295770" cy="0"/>
+            </a:xfrm>
+            <a:custGeom>
+              <a:avLst/>
+              <a:pathLst>
+                <a:path w="1295770" h="0">
+                  <a:moveTo>
+                    <a:pt x="0" y="0"/>
+                  </a:moveTo>
+                  <a:lnTo>
+                    <a:pt x="1295770" y="0"/>
+                  </a:lnTo>
+                  <a:lnTo>
+                    <a:pt x="1295770" y="0"/>
+                  </a:lnTo>
+                </a:path>
+              </a:pathLst>
+            </a:custGeom>
+            <a:ln w="6775" cap="flat">
+              <a:solidFill>
+                <a:srgbClr val="EBEBEB">
+                  <a:alpha val="100000"/>
+                </a:srgbClr>
+              </a:solidFill>
+              <a:prstDash val="solid"/>
+              <a:round/>
+            </a:ln>
+          </p:spPr>
+          <p:txBody>
+            <a:bodyPr/>
+            <a:lstStyle/>
+            <a:p/>
+          </p:txBody>
+        </p:sp>
+        <p:sp>
+          <p:nvSpPr>
+            <p:cNvPr id="85" name="pl85"/>
+            <p:cNvSpPr/>
+            <p:nvPr/>
+          </p:nvSpPr>
+          <p:spPr>
+            <a:xfrm>
+              <a:off x="7641321" y="2740575"/>
+              <a:ext cx="1295770" cy="0"/>
+            </a:xfrm>
+            <a:custGeom>
+              <a:avLst/>
+              <a:pathLst>
+                <a:path w="1295770" h="0">
+                  <a:moveTo>
+                    <a:pt x="0" y="0"/>
+                  </a:moveTo>
+                  <a:lnTo>
+                    <a:pt x="1295770" y="0"/>
+                  </a:lnTo>
+                  <a:lnTo>
+                    <a:pt x="1295770" y="0"/>
+                  </a:lnTo>
+                </a:path>
+              </a:pathLst>
+            </a:custGeom>
+            <a:ln w="6775" cap="flat">
+              <a:solidFill>
+                <a:srgbClr val="EBEBEB">
+                  <a:alpha val="100000"/>
+                </a:srgbClr>
+              </a:solidFill>
+              <a:prstDash val="solid"/>
+              <a:round/>
+            </a:ln>
+          </p:spPr>
+          <p:txBody>
+            <a:bodyPr/>
+            <a:lstStyle/>
+            <a:p/>
+          </p:txBody>
+        </p:sp>
+        <p:sp>
+          <p:nvSpPr>
+            <p:cNvPr id="86" name="pl86"/>
+            <p:cNvSpPr/>
+            <p:nvPr/>
+          </p:nvSpPr>
+          <p:spPr>
+            <a:xfrm>
+              <a:off x="7641321" y="2061710"/>
+              <a:ext cx="1295770" cy="0"/>
+            </a:xfrm>
+            <a:custGeom>
+              <a:avLst/>
+              <a:pathLst>
+                <a:path w="1295770" h="0">
+                  <a:moveTo>
+                    <a:pt x="0" y="0"/>
+                  </a:moveTo>
+                  <a:lnTo>
+                    <a:pt x="1295770" y="0"/>
+                  </a:lnTo>
+                  <a:lnTo>
+                    <a:pt x="1295770" y="0"/>
+                  </a:lnTo>
+                </a:path>
+              </a:pathLst>
+            </a:custGeom>
+            <a:ln w="6775" cap="flat">
+              <a:solidFill>
+                <a:srgbClr val="EBEBEB">
+                  <a:alpha val="100000"/>
+                </a:srgbClr>
+              </a:solidFill>
+              <a:prstDash val="solid"/>
+              <a:round/>
+            </a:ln>
+          </p:spPr>
+          <p:txBody>
+            <a:bodyPr/>
+            <a:lstStyle/>
+            <a:p/>
+          </p:txBody>
+        </p:sp>
+        <p:sp>
+          <p:nvSpPr>
+            <p:cNvPr id="87" name="pl87"/>
+            <p:cNvSpPr/>
+            <p:nvPr/>
+          </p:nvSpPr>
+          <p:spPr>
+            <a:xfrm>
+              <a:off x="7641321" y="5116600"/>
+              <a:ext cx="1295770" cy="0"/>
+            </a:xfrm>
+            <a:custGeom>
+              <a:avLst/>
+              <a:pathLst>
+                <a:path w="1295770" h="0">
+                  <a:moveTo>
+                    <a:pt x="0" y="0"/>
+                  </a:moveTo>
+                  <a:lnTo>
+                    <a:pt x="1295770" y="0"/>
+                  </a:lnTo>
+                  <a:lnTo>
+                    <a:pt x="1295770" y="0"/>
+                  </a:lnTo>
+                </a:path>
+              </a:pathLst>
+            </a:custGeom>
+            <a:ln w="13550" cap="flat">
+              <a:solidFill>
+                <a:srgbClr val="EBEBEB">
+                  <a:alpha val="100000"/>
+                </a:srgbClr>
+              </a:solidFill>
+              <a:prstDash val="solid"/>
+              <a:round/>
+            </a:ln>
+          </p:spPr>
+          <p:txBody>
+            <a:bodyPr/>
+            <a:lstStyle/>
+            <a:p/>
+          </p:txBody>
+        </p:sp>
+        <p:sp>
+          <p:nvSpPr>
+            <p:cNvPr id="88" name="pl88"/>
+            <p:cNvSpPr/>
+            <p:nvPr/>
+          </p:nvSpPr>
+          <p:spPr>
+            <a:xfrm>
+              <a:off x="7641321" y="4437736"/>
+              <a:ext cx="1295770" cy="0"/>
+            </a:xfrm>
+            <a:custGeom>
+              <a:avLst/>
+              <a:pathLst>
+                <a:path w="1295770" h="0">
+                  <a:moveTo>
+                    <a:pt x="0" y="0"/>
+                  </a:moveTo>
+                  <a:lnTo>
+                    <a:pt x="1295770" y="0"/>
+                  </a:lnTo>
+                  <a:lnTo>
+                    <a:pt x="1295770" y="0"/>
+                  </a:lnTo>
+                </a:path>
+              </a:pathLst>
+            </a:custGeom>
+            <a:ln w="13550" cap="flat">
+              <a:solidFill>
+                <a:srgbClr val="EBEBEB">
+                  <a:alpha val="100000"/>
+                </a:srgbClr>
+              </a:solidFill>
+              <a:prstDash val="solid"/>
+              <a:round/>
+            </a:ln>
+          </p:spPr>
+          <p:txBody>
+            <a:bodyPr/>
+            <a:lstStyle/>
+            <a:p/>
+          </p:txBody>
+        </p:sp>
+        <p:sp>
+          <p:nvSpPr>
+            <p:cNvPr id="89" name="pl89"/>
+            <p:cNvSpPr/>
+            <p:nvPr/>
+          </p:nvSpPr>
+          <p:spPr>
+            <a:xfrm>
+              <a:off x="7641321" y="3758871"/>
+              <a:ext cx="1295770" cy="0"/>
+            </a:xfrm>
+            <a:custGeom>
+              <a:avLst/>
+              <a:pathLst>
+                <a:path w="1295770" h="0">
+                  <a:moveTo>
+                    <a:pt x="0" y="0"/>
+                  </a:moveTo>
+                  <a:lnTo>
+                    <a:pt x="1295770" y="0"/>
+                  </a:lnTo>
+                  <a:lnTo>
+                    <a:pt x="1295770" y="0"/>
+                  </a:lnTo>
+                </a:path>
+              </a:pathLst>
+            </a:custGeom>
+            <a:ln w="13550" cap="flat">
+              <a:solidFill>
+                <a:srgbClr val="EBEBEB">
+                  <a:alpha val="100000"/>
+                </a:srgbClr>
+              </a:solidFill>
+              <a:prstDash val="solid"/>
+              <a:round/>
+            </a:ln>
+          </p:spPr>
+          <p:txBody>
+            <a:bodyPr/>
+            <a:lstStyle/>
+            <a:p/>
+          </p:txBody>
+        </p:sp>
+        <p:sp>
+          <p:nvSpPr>
+            <p:cNvPr id="90" name="pl90"/>
+            <p:cNvSpPr/>
+            <p:nvPr/>
+          </p:nvSpPr>
+          <p:spPr>
+            <a:xfrm>
+              <a:off x="7641321" y="3080007"/>
+              <a:ext cx="1295770" cy="0"/>
+            </a:xfrm>
+            <a:custGeom>
+              <a:avLst/>
+              <a:pathLst>
+                <a:path w="1295770" h="0">
+                  <a:moveTo>
+                    <a:pt x="0" y="0"/>
+                  </a:moveTo>
+                  <a:lnTo>
+                    <a:pt x="1295770" y="0"/>
+                  </a:lnTo>
+                  <a:lnTo>
+                    <a:pt x="1295770" y="0"/>
+                  </a:lnTo>
+                </a:path>
+              </a:pathLst>
+            </a:custGeom>
+            <a:ln w="13550" cap="flat">
+              <a:solidFill>
+                <a:srgbClr val="EBEBEB">
+                  <a:alpha val="100000"/>
+                </a:srgbClr>
+              </a:solidFill>
+              <a:prstDash val="solid"/>
+              <a:round/>
+            </a:ln>
+          </p:spPr>
+          <p:txBody>
+            <a:bodyPr/>
+            <a:lstStyle/>
+            <a:p/>
+          </p:txBody>
+        </p:sp>
+        <p:sp>
+          <p:nvSpPr>
+            <p:cNvPr id="91" name="pl91"/>
+            <p:cNvSpPr/>
+            <p:nvPr/>
+          </p:nvSpPr>
+          <p:spPr>
+            <a:xfrm>
+              <a:off x="7641321" y="2401142"/>
+              <a:ext cx="1295770" cy="0"/>
+            </a:xfrm>
+            <a:custGeom>
+              <a:avLst/>
+              <a:pathLst>
+                <a:path w="1295770" h="0">
+                  <a:moveTo>
+                    <a:pt x="0" y="0"/>
+                  </a:moveTo>
+                  <a:lnTo>
+                    <a:pt x="1295770" y="0"/>
+                  </a:lnTo>
+                  <a:lnTo>
+                    <a:pt x="1295770" y="0"/>
+                  </a:lnTo>
+                </a:path>
+              </a:pathLst>
+            </a:custGeom>
+            <a:ln w="13550" cap="flat">
+              <a:solidFill>
+                <a:srgbClr val="EBEBEB">
+                  <a:alpha val="100000"/>
+                </a:srgbClr>
+              </a:solidFill>
+              <a:prstDash val="solid"/>
+              <a:round/>
+            </a:ln>
+          </p:spPr>
+          <p:txBody>
+            <a:bodyPr/>
+            <a:lstStyle/>
+            <a:p/>
+          </p:txBody>
+        </p:sp>
+        <p:sp>
+          <p:nvSpPr>
+            <p:cNvPr id="92" name="pl92"/>
+            <p:cNvSpPr/>
+            <p:nvPr/>
+          </p:nvSpPr>
+          <p:spPr>
+            <a:xfrm>
+              <a:off x="7826431" y="1809173"/>
+              <a:ext cx="0" cy="3464924"/>
+            </a:xfrm>
+            <a:custGeom>
+              <a:avLst/>
+              <a:pathLst>
+                <a:path w="0" h="3464924">
+                  <a:moveTo>
+                    <a:pt x="0" y="3464924"/>
+                  </a:moveTo>
+                  <a:lnTo>
+                    <a:pt x="0" y="0"/>
+                  </a:lnTo>
+                  <a:lnTo>
+                    <a:pt x="0" y="0"/>
+                  </a:lnTo>
+                </a:path>
+              </a:pathLst>
+            </a:custGeom>
+            <a:ln w="13550" cap="flat">
+              <a:solidFill>
+                <a:srgbClr val="EBEBEB">
+                  <a:alpha val="100000"/>
+                </a:srgbClr>
+              </a:solidFill>
+              <a:prstDash val="solid"/>
+              <a:round/>
+            </a:ln>
+          </p:spPr>
+          <p:txBody>
+            <a:bodyPr/>
+            <a:lstStyle/>
+            <a:p/>
+          </p:txBody>
+        </p:sp>
+        <p:sp>
+          <p:nvSpPr>
+            <p:cNvPr id="93" name="pl93"/>
+            <p:cNvSpPr/>
+            <p:nvPr/>
+          </p:nvSpPr>
+          <p:spPr>
+            <a:xfrm>
+              <a:off x="8134948" y="1809173"/>
+              <a:ext cx="0" cy="3464924"/>
+            </a:xfrm>
+            <a:custGeom>
+              <a:avLst/>
+              <a:pathLst>
+                <a:path w="0" h="3464924">
+                  <a:moveTo>
+                    <a:pt x="0" y="3464924"/>
+                  </a:moveTo>
+                  <a:lnTo>
+                    <a:pt x="0" y="0"/>
+                  </a:lnTo>
+                  <a:lnTo>
+                    <a:pt x="0" y="0"/>
+                  </a:lnTo>
+                </a:path>
+              </a:pathLst>
+            </a:custGeom>
+            <a:ln w="13550" cap="flat">
+              <a:solidFill>
+                <a:srgbClr val="EBEBEB">
+                  <a:alpha val="100000"/>
+                </a:srgbClr>
+              </a:solidFill>
+              <a:prstDash val="solid"/>
+              <a:round/>
+            </a:ln>
+          </p:spPr>
+          <p:txBody>
+            <a:bodyPr/>
+            <a:lstStyle/>
+            <a:p/>
+          </p:txBody>
+        </p:sp>
+        <p:sp>
+          <p:nvSpPr>
+            <p:cNvPr id="94" name="pl94"/>
+            <p:cNvSpPr/>
+            <p:nvPr/>
+          </p:nvSpPr>
+          <p:spPr>
+            <a:xfrm>
+              <a:off x="8443465" y="1809173"/>
+              <a:ext cx="0" cy="3464924"/>
+            </a:xfrm>
+            <a:custGeom>
+              <a:avLst/>
+              <a:pathLst>
+                <a:path w="0" h="3464924">
+                  <a:moveTo>
+                    <a:pt x="0" y="3464924"/>
+                  </a:moveTo>
+                  <a:lnTo>
+                    <a:pt x="0" y="0"/>
+                  </a:lnTo>
+                  <a:lnTo>
+                    <a:pt x="0" y="0"/>
+                  </a:lnTo>
+                </a:path>
+              </a:pathLst>
+            </a:custGeom>
+            <a:ln w="13550" cap="flat">
+              <a:solidFill>
+                <a:srgbClr val="EBEBEB">
+                  <a:alpha val="100000"/>
+                </a:srgbClr>
+              </a:solidFill>
+              <a:prstDash val="solid"/>
+              <a:round/>
+            </a:ln>
+          </p:spPr>
+          <p:txBody>
+            <a:bodyPr/>
+            <a:lstStyle/>
+            <a:p/>
+          </p:txBody>
+        </p:sp>
+        <p:sp>
+          <p:nvSpPr>
+            <p:cNvPr id="95" name="pl95"/>
+            <p:cNvSpPr/>
+            <p:nvPr/>
+          </p:nvSpPr>
+          <p:spPr>
+            <a:xfrm>
+              <a:off x="8751982" y="1809173"/>
+              <a:ext cx="0" cy="3464924"/>
+            </a:xfrm>
+            <a:custGeom>
+              <a:avLst/>
+              <a:pathLst>
+                <a:path w="0" h="3464924">
+                  <a:moveTo>
+                    <a:pt x="0" y="3464924"/>
+                  </a:moveTo>
+                  <a:lnTo>
+                    <a:pt x="0" y="0"/>
+                  </a:lnTo>
+                  <a:lnTo>
+                    <a:pt x="0" y="0"/>
+                  </a:lnTo>
+                </a:path>
+              </a:pathLst>
+            </a:custGeom>
+            <a:ln w="13550" cap="flat">
+              <a:solidFill>
+                <a:srgbClr val="EBEBEB">
+                  <a:alpha val="100000"/>
+                </a:srgbClr>
+              </a:solidFill>
+              <a:prstDash val="solid"/>
+              <a:round/>
+            </a:ln>
+          </p:spPr>
+          <p:txBody>
+            <a:bodyPr/>
+            <a:lstStyle/>
+            <a:p/>
+          </p:txBody>
+        </p:sp>
+        <p:sp>
+          <p:nvSpPr>
+            <p:cNvPr id="96" name="rc96"/>
+            <p:cNvSpPr/>
+            <p:nvPr/>
+          </p:nvSpPr>
+          <p:spPr>
+            <a:xfrm>
+              <a:off x="7996115" y="5103023"/>
+              <a:ext cx="277665" cy="13577"/>
+            </a:xfrm>
+            <a:prstGeom prst="rect">
+              <a:avLst/>
+            </a:prstGeom>
+            <a:solidFill>
+              <a:srgbClr val="FCAE91">
+                <a:alpha val="100000"/>
+              </a:srgbClr>
+            </a:solidFill>
+          </p:spPr>
+          <p:txBody>
+            <a:bodyPr/>
+            <a:lstStyle/>
+            <a:p/>
+          </p:txBody>
+        </p:sp>
+        <p:sp>
+          <p:nvSpPr>
+            <p:cNvPr id="97" name="rc97"/>
+            <p:cNvSpPr/>
+            <p:nvPr/>
+          </p:nvSpPr>
+          <p:spPr>
+            <a:xfrm>
+              <a:off x="8304632" y="4329118"/>
+              <a:ext cx="277665" cy="787482"/>
+            </a:xfrm>
+            <a:prstGeom prst="rect">
+              <a:avLst/>
+            </a:prstGeom>
+            <a:solidFill>
+              <a:srgbClr val="FB6A4A">
+                <a:alpha val="100000"/>
+              </a:srgbClr>
+            </a:solidFill>
+          </p:spPr>
+          <p:txBody>
+            <a:bodyPr/>
+            <a:lstStyle/>
+            <a:p/>
+          </p:txBody>
+        </p:sp>
+        <p:sp>
+          <p:nvSpPr>
+            <p:cNvPr id="98" name="rc98"/>
+            <p:cNvSpPr/>
+            <p:nvPr/>
+          </p:nvSpPr>
+          <p:spPr>
+            <a:xfrm>
+              <a:off x="8613149" y="4587086"/>
+              <a:ext cx="277665" cy="529514"/>
+            </a:xfrm>
+            <a:prstGeom prst="rect">
+              <a:avLst/>
+            </a:prstGeom>
+            <a:solidFill>
+              <a:srgbClr val="CB181D">
+                <a:alpha val="100000"/>
+              </a:srgbClr>
+            </a:solidFill>
+          </p:spPr>
+          <p:txBody>
+            <a:bodyPr/>
+            <a:lstStyle/>
+            <a:p/>
+          </p:txBody>
+        </p:sp>
+        <p:sp>
+          <p:nvSpPr>
+            <p:cNvPr id="99" name="rc99"/>
+            <p:cNvSpPr/>
+            <p:nvPr/>
+          </p:nvSpPr>
+          <p:spPr>
+            <a:xfrm>
+              <a:off x="7641321" y="1809173"/>
+              <a:ext cx="1295770" cy="3464924"/>
+            </a:xfrm>
+            <a:prstGeom prst="rect">
+              <a:avLst/>
+            </a:prstGeom>
+            <a:ln w="13550" cap="rnd">
+              <a:solidFill>
+                <a:srgbClr val="333333">
+                  <a:alpha val="100000"/>
+                </a:srgbClr>
+              </a:solidFill>
+              <a:prstDash val="solid"/>
+              <a:round/>
+            </a:ln>
+          </p:spPr>
+          <p:txBody>
+            <a:bodyPr/>
+            <a:lstStyle/>
+            <a:p/>
+          </p:txBody>
+        </p:sp>
+        <p:sp>
+          <p:nvSpPr>
+            <p:cNvPr id="100" name="rc100"/>
+            <p:cNvSpPr/>
+            <p:nvPr/>
+          </p:nvSpPr>
+          <p:spPr>
+            <a:xfrm>
+              <a:off x="2179881" y="1590617"/>
+              <a:ext cx="1295770" cy="218555"/>
+            </a:xfrm>
+            <a:prstGeom prst="rect">
+              <a:avLst/>
+            </a:prstGeom>
+            <a:solidFill>
+              <a:srgbClr val="D9D9D9">
+                <a:alpha val="100000"/>
+              </a:srgbClr>
+            </a:solidFill>
+            <a:ln w="13550" cap="rnd">
+              <a:solidFill>
+                <a:srgbClr val="333333">
+                  <a:alpha val="100000"/>
+                </a:srgbClr>
+              </a:solidFill>
+              <a:prstDash val="solid"/>
+              <a:round/>
+            </a:ln>
+          </p:spPr>
+          <p:txBody>
+            <a:bodyPr/>
+            <a:lstStyle/>
+            <a:p/>
+          </p:txBody>
+        </p:sp>
+        <p:sp>
+          <p:nvSpPr>
+            <p:cNvPr id="101" name="tx101"/>
+            <p:cNvSpPr/>
+            <p:nvPr/>
+          </p:nvSpPr>
+          <p:spPr>
+            <a:xfrm>
+              <a:off x="2618217" y="1670045"/>
+              <a:ext cx="419100" cy="69850"/>
             </a:xfrm>
             <a:prstGeom prst="rect">
               <a:avLst/>
@@ -4493,30 +6931,65 @@
                 </a:spcAft>
               </a:pPr>
               <a:r>
-                <a:rPr sz="880" b="1">
+                <a:rPr sz="880">
                   <a:solidFill>
-                    <a:srgbClr val="4D4D4D">
+                    <a:srgbClr val="1A1A1A">
                       <a:alpha val="100000"/>
                     </a:srgbClr>
                   </a:solidFill>
                   <a:latin typeface="Arial"/>
                   <a:cs typeface="Arial"/>
                 </a:rPr>
-                <a:t>8</a:t>
+                <a:t>基础研究者</a:t>
               </a:r>
             </a:p>
           </p:txBody>
         </p:sp>
         <p:sp>
           <p:nvSpPr>
-            <p:cNvPr id="39" name="tx39"/>
-            <p:cNvSpPr/>
-            <p:nvPr/>
-          </p:nvSpPr>
-          <p:spPr>
-            <a:xfrm>
-              <a:off x="1926599" y="4810105"/>
-              <a:ext cx="62155" cy="78908"/>
+            <p:cNvPr id="102" name="rc102"/>
+            <p:cNvSpPr/>
+            <p:nvPr/>
+          </p:nvSpPr>
+          <p:spPr>
+            <a:xfrm>
+              <a:off x="3545241" y="1590617"/>
+              <a:ext cx="1295770" cy="218555"/>
+            </a:xfrm>
+            <a:prstGeom prst="rect">
+              <a:avLst/>
+            </a:prstGeom>
+            <a:solidFill>
+              <a:srgbClr val="D9D9D9">
+                <a:alpha val="100000"/>
+              </a:srgbClr>
+            </a:solidFill>
+            <a:ln w="13550" cap="rnd">
+              <a:solidFill>
+                <a:srgbClr val="333333">
+                  <a:alpha val="100000"/>
+                </a:srgbClr>
+              </a:solidFill>
+              <a:prstDash val="solid"/>
+              <a:round/>
+            </a:ln>
+          </p:spPr>
+          <p:txBody>
+            <a:bodyPr/>
+            <a:lstStyle/>
+            <a:p/>
+          </p:txBody>
+        </p:sp>
+        <p:sp>
+          <p:nvSpPr>
+            <p:cNvPr id="103" name="tx103"/>
+            <p:cNvSpPr/>
+            <p:nvPr/>
+          </p:nvSpPr>
+          <p:spPr>
+            <a:xfrm>
+              <a:off x="4025487" y="1670045"/>
+              <a:ext cx="335280" cy="69850"/>
             </a:xfrm>
             <a:prstGeom prst="rect">
               <a:avLst/>
@@ -4539,30 +7012,65 @@
                 </a:spcAft>
               </a:pPr>
               <a:r>
-                <a:rPr sz="880" b="1">
+                <a:rPr sz="880">
                   <a:solidFill>
-                    <a:srgbClr val="4D4D4D">
+                    <a:srgbClr val="1A1A1A">
                       <a:alpha val="100000"/>
                     </a:srgbClr>
                   </a:solidFill>
                   <a:latin typeface="Arial"/>
                   <a:cs typeface="Arial"/>
                 </a:rPr>
-                <a:t>7</a:t>
+                <a:t>临床医生</a:t>
               </a:r>
             </a:p>
           </p:txBody>
         </p:sp>
         <p:sp>
           <p:nvSpPr>
-            <p:cNvPr id="40" name="tx40"/>
-            <p:cNvSpPr/>
-            <p:nvPr/>
-          </p:nvSpPr>
-          <p:spPr>
-            <a:xfrm>
-              <a:off x="1926599" y="4313625"/>
-              <a:ext cx="62155" cy="81691"/>
+            <p:cNvPr id="104" name="rc104"/>
+            <p:cNvSpPr/>
+            <p:nvPr/>
+          </p:nvSpPr>
+          <p:spPr>
+            <a:xfrm>
+              <a:off x="4910601" y="1590617"/>
+              <a:ext cx="1295770" cy="218555"/>
+            </a:xfrm>
+            <a:prstGeom prst="rect">
+              <a:avLst/>
+            </a:prstGeom>
+            <a:solidFill>
+              <a:srgbClr val="D9D9D9">
+                <a:alpha val="100000"/>
+              </a:srgbClr>
+            </a:solidFill>
+            <a:ln w="13550" cap="rnd">
+              <a:solidFill>
+                <a:srgbClr val="333333">
+                  <a:alpha val="100000"/>
+                </a:srgbClr>
+              </a:solidFill>
+              <a:prstDash val="solid"/>
+              <a:round/>
+            </a:ln>
+          </p:spPr>
+          <p:txBody>
+            <a:bodyPr/>
+            <a:lstStyle/>
+            <a:p/>
+          </p:txBody>
+        </p:sp>
+        <p:sp>
+          <p:nvSpPr>
+            <p:cNvPr id="105" name="tx105"/>
+            <p:cNvSpPr/>
+            <p:nvPr/>
+          </p:nvSpPr>
+          <p:spPr>
+            <a:xfrm>
+              <a:off x="5348937" y="1670045"/>
+              <a:ext cx="419100" cy="69850"/>
             </a:xfrm>
             <a:prstGeom prst="rect">
               <a:avLst/>
@@ -4585,30 +7093,65 @@
                 </a:spcAft>
               </a:pPr>
               <a:r>
-                <a:rPr sz="880" b="1">
+                <a:rPr sz="880">
                   <a:solidFill>
-                    <a:srgbClr val="4D4D4D">
+                    <a:srgbClr val="1A1A1A">
                       <a:alpha val="100000"/>
                     </a:srgbClr>
                   </a:solidFill>
                   <a:latin typeface="Arial"/>
                   <a:cs typeface="Arial"/>
                 </a:rPr>
-                <a:t>6</a:t>
+                <a:t>企业管理者</a:t>
               </a:r>
             </a:p>
           </p:txBody>
         </p:sp>
         <p:sp>
           <p:nvSpPr>
-            <p:cNvPr id="41" name="tx41"/>
-            <p:cNvSpPr/>
-            <p:nvPr/>
-          </p:nvSpPr>
-          <p:spPr>
-            <a:xfrm>
-              <a:off x="1926599" y="3821347"/>
-              <a:ext cx="62155" cy="80272"/>
+            <p:cNvPr id="106" name="rc106"/>
+            <p:cNvSpPr/>
+            <p:nvPr/>
+          </p:nvSpPr>
+          <p:spPr>
+            <a:xfrm>
+              <a:off x="6275961" y="1590617"/>
+              <a:ext cx="1295770" cy="218555"/>
+            </a:xfrm>
+            <a:prstGeom prst="rect">
+              <a:avLst/>
+            </a:prstGeom>
+            <a:solidFill>
+              <a:srgbClr val="D9D9D9">
+                <a:alpha val="100000"/>
+              </a:srgbClr>
+            </a:solidFill>
+            <a:ln w="13550" cap="rnd">
+              <a:solidFill>
+                <a:srgbClr val="333333">
+                  <a:alpha val="100000"/>
+                </a:srgbClr>
+              </a:solidFill>
+              <a:prstDash val="solid"/>
+              <a:round/>
+            </a:ln>
+          </p:spPr>
+          <p:txBody>
+            <a:bodyPr/>
+            <a:lstStyle/>
+            <a:p/>
+          </p:txBody>
+        </p:sp>
+        <p:sp>
+          <p:nvSpPr>
+            <p:cNvPr id="107" name="tx107"/>
+            <p:cNvSpPr/>
+            <p:nvPr/>
+          </p:nvSpPr>
+          <p:spPr>
+            <a:xfrm>
+              <a:off x="6672387" y="1670045"/>
+              <a:ext cx="502920" cy="69850"/>
             </a:xfrm>
             <a:prstGeom prst="rect">
               <a:avLst/>
@@ -4631,30 +7174,65 @@
                 </a:spcAft>
               </a:pPr>
               <a:r>
-                <a:rPr sz="880" b="1">
+                <a:rPr sz="880">
                   <a:solidFill>
-                    <a:srgbClr val="4D4D4D">
+                    <a:srgbClr val="1A1A1A">
                       <a:alpha val="100000"/>
                     </a:srgbClr>
                   </a:solidFill>
                   <a:latin typeface="Arial"/>
                   <a:cs typeface="Arial"/>
                 </a:rPr>
-                <a:t>5</a:t>
+                <a:t>企业研发人员</a:t>
               </a:r>
             </a:p>
           </p:txBody>
         </p:sp>
         <p:sp>
           <p:nvSpPr>
-            <p:cNvPr id="42" name="tx42"/>
-            <p:cNvSpPr/>
-            <p:nvPr/>
-          </p:nvSpPr>
-          <p:spPr>
-            <a:xfrm>
-              <a:off x="1926599" y="3327596"/>
-              <a:ext cx="62155" cy="80327"/>
+            <p:cNvPr id="108" name="rc108"/>
+            <p:cNvSpPr/>
+            <p:nvPr/>
+          </p:nvSpPr>
+          <p:spPr>
+            <a:xfrm>
+              <a:off x="7641321" y="1590617"/>
+              <a:ext cx="1295770" cy="218555"/>
+            </a:xfrm>
+            <a:prstGeom prst="rect">
+              <a:avLst/>
+            </a:prstGeom>
+            <a:solidFill>
+              <a:srgbClr val="D9D9D9">
+                <a:alpha val="100000"/>
+              </a:srgbClr>
+            </a:solidFill>
+            <a:ln w="13550" cap="rnd">
+              <a:solidFill>
+                <a:srgbClr val="333333">
+                  <a:alpha val="100000"/>
+                </a:srgbClr>
+              </a:solidFill>
+              <a:prstDash val="solid"/>
+              <a:round/>
+            </a:ln>
+          </p:spPr>
+          <p:txBody>
+            <a:bodyPr/>
+            <a:lstStyle/>
+            <a:p/>
+          </p:txBody>
+        </p:sp>
+        <p:sp>
+          <p:nvSpPr>
+            <p:cNvPr id="109" name="tx109"/>
+            <p:cNvSpPr/>
+            <p:nvPr/>
+          </p:nvSpPr>
+          <p:spPr>
+            <a:xfrm>
+              <a:off x="8205386" y="1670045"/>
+              <a:ext cx="167640" cy="69850"/>
             </a:xfrm>
             <a:prstGeom prst="rect">
               <a:avLst/>
@@ -4677,487 +7255,29 @@
                 </a:spcAft>
               </a:pPr>
               <a:r>
-                <a:rPr sz="880" b="1">
+                <a:rPr sz="880">
                   <a:solidFill>
-                    <a:srgbClr val="4D4D4D">
+                    <a:srgbClr val="1A1A1A">
                       <a:alpha val="100000"/>
                     </a:srgbClr>
                   </a:solidFill>
                   <a:latin typeface="Arial"/>
                   <a:cs typeface="Arial"/>
                 </a:rPr>
-                <a:t>4</a:t>
+                <a:t>其他</a:t>
               </a:r>
             </a:p>
           </p:txBody>
         </p:sp>
         <p:sp>
           <p:nvSpPr>
-            <p:cNvPr id="43" name="tx43"/>
-            <p:cNvSpPr/>
-            <p:nvPr/>
-          </p:nvSpPr>
-          <p:spPr>
-            <a:xfrm>
-              <a:off x="1926599" y="2832536"/>
-              <a:ext cx="62155" cy="81691"/>
-            </a:xfrm>
-            <a:prstGeom prst="rect">
-              <a:avLst/>
-            </a:prstGeom>
-            <a:noFill/>
-          </p:spPr>
-          <p:txBody>
-            <a:bodyPr lIns="0" rIns="0" tIns="0" bIns="0" anchorCtr="1" anchor="ctr" wrap="none"/>
-            <a:lstStyle/>
-            <a:p>
-              <a:pPr algn="l" marL="0" marR="0" indent="0">
-                <a:lnSpc>
-                  <a:spcPts val="880"/>
-                </a:lnSpc>
-                <a:spcBef>
-                  <a:spcPts val="0"/>
-                </a:spcBef>
-                <a:spcAft>
-                  <a:spcPts val="0"/>
-                </a:spcAft>
-              </a:pPr>
-              <a:r>
-                <a:rPr sz="880" b="1">
-                  <a:solidFill>
-                    <a:srgbClr val="4D4D4D">
-                      <a:alpha val="100000"/>
-                    </a:srgbClr>
-                  </a:solidFill>
-                  <a:latin typeface="Arial"/>
-                  <a:cs typeface="Arial"/>
-                </a:rPr>
-                <a:t>3</a:t>
-              </a:r>
-            </a:p>
-          </p:txBody>
-        </p:sp>
-        <p:sp>
-          <p:nvSpPr>
-            <p:cNvPr id="44" name="tx44"/>
-            <p:cNvSpPr/>
-            <p:nvPr/>
-          </p:nvSpPr>
-          <p:spPr>
-            <a:xfrm>
-              <a:off x="1926599" y="2340204"/>
-              <a:ext cx="62155" cy="80327"/>
-            </a:xfrm>
-            <a:prstGeom prst="rect">
-              <a:avLst/>
-            </a:prstGeom>
-            <a:noFill/>
-          </p:spPr>
-          <p:txBody>
-            <a:bodyPr lIns="0" rIns="0" tIns="0" bIns="0" anchorCtr="1" anchor="ctr" wrap="none"/>
-            <a:lstStyle/>
-            <a:p>
-              <a:pPr algn="l" marL="0" marR="0" indent="0">
-                <a:lnSpc>
-                  <a:spcPts val="880"/>
-                </a:lnSpc>
-                <a:spcBef>
-                  <a:spcPts val="0"/>
-                </a:spcBef>
-                <a:spcAft>
-                  <a:spcPts val="0"/>
-                </a:spcAft>
-              </a:pPr>
-              <a:r>
-                <a:rPr sz="880" b="1">
-                  <a:solidFill>
-                    <a:srgbClr val="4D4D4D">
-                      <a:alpha val="100000"/>
-                    </a:srgbClr>
-                  </a:solidFill>
-                  <a:latin typeface="Arial"/>
-                  <a:cs typeface="Arial"/>
-                </a:rPr>
-                <a:t>2</a:t>
-              </a:r>
-            </a:p>
-          </p:txBody>
-        </p:sp>
-        <p:sp>
-          <p:nvSpPr>
-            <p:cNvPr id="45" name="tx45"/>
-            <p:cNvSpPr/>
-            <p:nvPr/>
-          </p:nvSpPr>
-          <p:spPr>
-            <a:xfrm>
-              <a:off x="1926599" y="1846507"/>
-              <a:ext cx="62155" cy="80327"/>
-            </a:xfrm>
-            <a:prstGeom prst="rect">
-              <a:avLst/>
-            </a:prstGeom>
-            <a:noFill/>
-          </p:spPr>
-          <p:txBody>
-            <a:bodyPr lIns="0" rIns="0" tIns="0" bIns="0" anchorCtr="1" anchor="ctr" wrap="none"/>
-            <a:lstStyle/>
-            <a:p>
-              <a:pPr algn="l" marL="0" marR="0" indent="0">
-                <a:lnSpc>
-                  <a:spcPts val="880"/>
-                </a:lnSpc>
-                <a:spcBef>
-                  <a:spcPts val="0"/>
-                </a:spcBef>
-                <a:spcAft>
-                  <a:spcPts val="0"/>
-                </a:spcAft>
-              </a:pPr>
-              <a:r>
-                <a:rPr sz="880" b="1">
-                  <a:solidFill>
-                    <a:srgbClr val="4D4D4D">
-                      <a:alpha val="100000"/>
-                    </a:srgbClr>
-                  </a:solidFill>
-                  <a:latin typeface="Arial"/>
-                  <a:cs typeface="Arial"/>
-                </a:rPr>
-                <a:t>1</a:t>
-              </a:r>
-            </a:p>
-          </p:txBody>
-        </p:sp>
-        <p:sp>
-          <p:nvSpPr>
-            <p:cNvPr id="46" name="pl46"/>
-            <p:cNvSpPr/>
-            <p:nvPr/>
-          </p:nvSpPr>
-          <p:spPr>
-            <a:xfrm>
-              <a:off x="1988754" y="5342710"/>
-              <a:ext cx="34794" cy="0"/>
-            </a:xfrm>
-            <a:custGeom>
-              <a:avLst/>
-              <a:pathLst>
-                <a:path w="34794" h="0">
-                  <a:moveTo>
-                    <a:pt x="0" y="0"/>
-                  </a:moveTo>
-                  <a:lnTo>
-                    <a:pt x="34794" y="0"/>
-                  </a:lnTo>
-                </a:path>
-              </a:pathLst>
-            </a:custGeom>
-            <a:ln w="6775" cap="flat">
-              <a:solidFill>
-                <a:srgbClr val="B3B3B3">
-                  <a:alpha val="100000"/>
-                </a:srgbClr>
-              </a:solidFill>
-              <a:prstDash val="solid"/>
-              <a:round/>
-            </a:ln>
-          </p:spPr>
-          <p:txBody>
-            <a:bodyPr/>
-            <a:lstStyle/>
-            <a:p/>
-          </p:txBody>
-        </p:sp>
-        <p:sp>
-          <p:nvSpPr>
-            <p:cNvPr id="47" name="pl47"/>
-            <p:cNvSpPr/>
-            <p:nvPr/>
-          </p:nvSpPr>
-          <p:spPr>
-            <a:xfrm>
-              <a:off x="1988754" y="4849013"/>
-              <a:ext cx="34794" cy="0"/>
-            </a:xfrm>
-            <a:custGeom>
-              <a:avLst/>
-              <a:pathLst>
-                <a:path w="34794" h="0">
-                  <a:moveTo>
-                    <a:pt x="0" y="0"/>
-                  </a:moveTo>
-                  <a:lnTo>
-                    <a:pt x="34794" y="0"/>
-                  </a:lnTo>
-                </a:path>
-              </a:pathLst>
-            </a:custGeom>
-            <a:ln w="6775" cap="flat">
-              <a:solidFill>
-                <a:srgbClr val="B3B3B3">
-                  <a:alpha val="100000"/>
-                </a:srgbClr>
-              </a:solidFill>
-              <a:prstDash val="solid"/>
-              <a:round/>
-            </a:ln>
-          </p:spPr>
-          <p:txBody>
-            <a:bodyPr/>
-            <a:lstStyle/>
-            <a:p/>
-          </p:txBody>
-        </p:sp>
-        <p:sp>
-          <p:nvSpPr>
-            <p:cNvPr id="48" name="pl48"/>
-            <p:cNvSpPr/>
-            <p:nvPr/>
-          </p:nvSpPr>
-          <p:spPr>
-            <a:xfrm>
-              <a:off x="1988754" y="4355317"/>
-              <a:ext cx="34794" cy="0"/>
-            </a:xfrm>
-            <a:custGeom>
-              <a:avLst/>
-              <a:pathLst>
-                <a:path w="34794" h="0">
-                  <a:moveTo>
-                    <a:pt x="0" y="0"/>
-                  </a:moveTo>
-                  <a:lnTo>
-                    <a:pt x="34794" y="0"/>
-                  </a:lnTo>
-                </a:path>
-              </a:pathLst>
-            </a:custGeom>
-            <a:ln w="6775" cap="flat">
-              <a:solidFill>
-                <a:srgbClr val="B3B3B3">
-                  <a:alpha val="100000"/>
-                </a:srgbClr>
-              </a:solidFill>
-              <a:prstDash val="solid"/>
-              <a:round/>
-            </a:ln>
-          </p:spPr>
-          <p:txBody>
-            <a:bodyPr/>
-            <a:lstStyle/>
-            <a:p/>
-          </p:txBody>
-        </p:sp>
-        <p:sp>
-          <p:nvSpPr>
-            <p:cNvPr id="49" name="pl49"/>
-            <p:cNvSpPr/>
-            <p:nvPr/>
-          </p:nvSpPr>
-          <p:spPr>
-            <a:xfrm>
-              <a:off x="1988754" y="3861620"/>
-              <a:ext cx="34794" cy="0"/>
-            </a:xfrm>
-            <a:custGeom>
-              <a:avLst/>
-              <a:pathLst>
-                <a:path w="34794" h="0">
-                  <a:moveTo>
-                    <a:pt x="0" y="0"/>
-                  </a:moveTo>
-                  <a:lnTo>
-                    <a:pt x="34794" y="0"/>
-                  </a:lnTo>
-                </a:path>
-              </a:pathLst>
-            </a:custGeom>
-            <a:ln w="6775" cap="flat">
-              <a:solidFill>
-                <a:srgbClr val="B3B3B3">
-                  <a:alpha val="100000"/>
-                </a:srgbClr>
-              </a:solidFill>
-              <a:prstDash val="solid"/>
-              <a:round/>
-            </a:ln>
-          </p:spPr>
-          <p:txBody>
-            <a:bodyPr/>
-            <a:lstStyle/>
-            <a:p/>
-          </p:txBody>
-        </p:sp>
-        <p:sp>
-          <p:nvSpPr>
-            <p:cNvPr id="50" name="pl50"/>
-            <p:cNvSpPr/>
-            <p:nvPr/>
-          </p:nvSpPr>
-          <p:spPr>
-            <a:xfrm>
-              <a:off x="1988754" y="3367924"/>
-              <a:ext cx="34794" cy="0"/>
-            </a:xfrm>
-            <a:custGeom>
-              <a:avLst/>
-              <a:pathLst>
-                <a:path w="34794" h="0">
-                  <a:moveTo>
-                    <a:pt x="0" y="0"/>
-                  </a:moveTo>
-                  <a:lnTo>
-                    <a:pt x="34794" y="0"/>
-                  </a:lnTo>
-                </a:path>
-              </a:pathLst>
-            </a:custGeom>
-            <a:ln w="6775" cap="flat">
-              <a:solidFill>
-                <a:srgbClr val="B3B3B3">
-                  <a:alpha val="100000"/>
-                </a:srgbClr>
-              </a:solidFill>
-              <a:prstDash val="solid"/>
-              <a:round/>
-            </a:ln>
-          </p:spPr>
-          <p:txBody>
-            <a:bodyPr/>
-            <a:lstStyle/>
-            <a:p/>
-          </p:txBody>
-        </p:sp>
-        <p:sp>
-          <p:nvSpPr>
-            <p:cNvPr id="51" name="pl51"/>
-            <p:cNvSpPr/>
-            <p:nvPr/>
-          </p:nvSpPr>
-          <p:spPr>
-            <a:xfrm>
-              <a:off x="1988754" y="2874227"/>
-              <a:ext cx="34794" cy="0"/>
-            </a:xfrm>
-            <a:custGeom>
-              <a:avLst/>
-              <a:pathLst>
-                <a:path w="34794" h="0">
-                  <a:moveTo>
-                    <a:pt x="0" y="0"/>
-                  </a:moveTo>
-                  <a:lnTo>
-                    <a:pt x="34794" y="0"/>
-                  </a:lnTo>
-                </a:path>
-              </a:pathLst>
-            </a:custGeom>
-            <a:ln w="6775" cap="flat">
-              <a:solidFill>
-                <a:srgbClr val="B3B3B3">
-                  <a:alpha val="100000"/>
-                </a:srgbClr>
-              </a:solidFill>
-              <a:prstDash val="solid"/>
-              <a:round/>
-            </a:ln>
-          </p:spPr>
-          <p:txBody>
-            <a:bodyPr/>
-            <a:lstStyle/>
-            <a:p/>
-          </p:txBody>
-        </p:sp>
-        <p:sp>
-          <p:nvSpPr>
-            <p:cNvPr id="52" name="pl52"/>
-            <p:cNvSpPr/>
-            <p:nvPr/>
-          </p:nvSpPr>
-          <p:spPr>
-            <a:xfrm>
-              <a:off x="1988754" y="2380531"/>
-              <a:ext cx="34794" cy="0"/>
-            </a:xfrm>
-            <a:custGeom>
-              <a:avLst/>
-              <a:pathLst>
-                <a:path w="34794" h="0">
-                  <a:moveTo>
-                    <a:pt x="0" y="0"/>
-                  </a:moveTo>
-                  <a:lnTo>
-                    <a:pt x="34794" y="0"/>
-                  </a:lnTo>
-                </a:path>
-              </a:pathLst>
-            </a:custGeom>
-            <a:ln w="6775" cap="flat">
-              <a:solidFill>
-                <a:srgbClr val="B3B3B3">
-                  <a:alpha val="100000"/>
-                </a:srgbClr>
-              </a:solidFill>
-              <a:prstDash val="solid"/>
-              <a:round/>
-            </a:ln>
-          </p:spPr>
-          <p:txBody>
-            <a:bodyPr/>
-            <a:lstStyle/>
-            <a:p/>
-          </p:txBody>
-        </p:sp>
-        <p:sp>
-          <p:nvSpPr>
-            <p:cNvPr id="53" name="pl53"/>
-            <p:cNvSpPr/>
-            <p:nvPr/>
-          </p:nvSpPr>
-          <p:spPr>
-            <a:xfrm>
-              <a:off x="1988754" y="1886835"/>
-              <a:ext cx="34794" cy="0"/>
-            </a:xfrm>
-            <a:custGeom>
-              <a:avLst/>
-              <a:pathLst>
-                <a:path w="34794" h="0">
-                  <a:moveTo>
-                    <a:pt x="0" y="0"/>
-                  </a:moveTo>
-                  <a:lnTo>
-                    <a:pt x="34794" y="0"/>
-                  </a:lnTo>
-                </a:path>
-              </a:pathLst>
-            </a:custGeom>
-            <a:ln w="6775" cap="flat">
-              <a:solidFill>
-                <a:srgbClr val="B3B3B3">
-                  <a:alpha val="100000"/>
-                </a:srgbClr>
-              </a:solidFill>
-              <a:prstDash val="solid"/>
-              <a:round/>
-            </a:ln>
-          </p:spPr>
-          <p:txBody>
-            <a:bodyPr/>
-            <a:lstStyle/>
-            <a:p/>
-          </p:txBody>
-        </p:sp>
-        <p:sp>
-          <p:nvSpPr>
-            <p:cNvPr id="54" name="pl54"/>
-            <p:cNvSpPr/>
-            <p:nvPr/>
-          </p:nvSpPr>
-          <p:spPr>
-            <a:xfrm>
-              <a:off x="2023549" y="5638927"/>
+            <p:cNvPr id="110" name="pl110"/>
+            <p:cNvSpPr/>
+            <p:nvPr/>
+          </p:nvSpPr>
+          <p:spPr>
+            <a:xfrm>
+              <a:off x="2364991" y="5274097"/>
               <a:ext cx="0" cy="34794"/>
             </a:xfrm>
             <a:custGeom>
@@ -5173,31 +7293,31 @@
                 </a:path>
               </a:pathLst>
             </a:custGeom>
-            <a:ln w="6775" cap="flat">
-              <a:solidFill>
-                <a:srgbClr val="B3B3B3">
-                  <a:alpha val="100000"/>
-                </a:srgbClr>
-              </a:solidFill>
-              <a:prstDash val="solid"/>
-              <a:round/>
-            </a:ln>
-          </p:spPr>
-          <p:txBody>
-            <a:bodyPr/>
-            <a:lstStyle/>
-            <a:p/>
-          </p:txBody>
-        </p:sp>
-        <p:sp>
-          <p:nvSpPr>
-            <p:cNvPr id="55" name="pl55"/>
-            <p:cNvSpPr/>
-            <p:nvPr/>
-          </p:nvSpPr>
-          <p:spPr>
-            <a:xfrm>
-              <a:off x="4123296" y="5638927"/>
+            <a:ln w="13550" cap="flat">
+              <a:solidFill>
+                <a:srgbClr val="333333">
+                  <a:alpha val="100000"/>
+                </a:srgbClr>
+              </a:solidFill>
+              <a:prstDash val="solid"/>
+              <a:round/>
+            </a:ln>
+          </p:spPr>
+          <p:txBody>
+            <a:bodyPr/>
+            <a:lstStyle/>
+            <a:p/>
+          </p:txBody>
+        </p:sp>
+        <p:sp>
+          <p:nvSpPr>
+            <p:cNvPr id="111" name="pl111"/>
+            <p:cNvSpPr/>
+            <p:nvPr/>
+          </p:nvSpPr>
+          <p:spPr>
+            <a:xfrm>
+              <a:off x="2673508" y="5274097"/>
               <a:ext cx="0" cy="34794"/>
             </a:xfrm>
             <a:custGeom>
@@ -5213,31 +7333,31 @@
                 </a:path>
               </a:pathLst>
             </a:custGeom>
-            <a:ln w="6775" cap="flat">
-              <a:solidFill>
-                <a:srgbClr val="B3B3B3">
-                  <a:alpha val="100000"/>
-                </a:srgbClr>
-              </a:solidFill>
-              <a:prstDash val="solid"/>
-              <a:round/>
-            </a:ln>
-          </p:spPr>
-          <p:txBody>
-            <a:bodyPr/>
-            <a:lstStyle/>
-            <a:p/>
-          </p:txBody>
-        </p:sp>
-        <p:sp>
-          <p:nvSpPr>
-            <p:cNvPr id="56" name="pl56"/>
-            <p:cNvSpPr/>
-            <p:nvPr/>
-          </p:nvSpPr>
-          <p:spPr>
-            <a:xfrm>
-              <a:off x="6223043" y="5638927"/>
+            <a:ln w="13550" cap="flat">
+              <a:solidFill>
+                <a:srgbClr val="333333">
+                  <a:alpha val="100000"/>
+                </a:srgbClr>
+              </a:solidFill>
+              <a:prstDash val="solid"/>
+              <a:round/>
+            </a:ln>
+          </p:spPr>
+          <p:txBody>
+            <a:bodyPr/>
+            <a:lstStyle/>
+            <a:p/>
+          </p:txBody>
+        </p:sp>
+        <p:sp>
+          <p:nvSpPr>
+            <p:cNvPr id="112" name="pl112"/>
+            <p:cNvSpPr/>
+            <p:nvPr/>
+          </p:nvSpPr>
+          <p:spPr>
+            <a:xfrm>
+              <a:off x="2982025" y="5274097"/>
               <a:ext cx="0" cy="34794"/>
             </a:xfrm>
             <a:custGeom>
@@ -5253,31 +7373,31 @@
                 </a:path>
               </a:pathLst>
             </a:custGeom>
-            <a:ln w="6775" cap="flat">
-              <a:solidFill>
-                <a:srgbClr val="B3B3B3">
-                  <a:alpha val="100000"/>
-                </a:srgbClr>
-              </a:solidFill>
-              <a:prstDash val="solid"/>
-              <a:round/>
-            </a:ln>
-          </p:spPr>
-          <p:txBody>
-            <a:bodyPr/>
-            <a:lstStyle/>
-            <a:p/>
-          </p:txBody>
-        </p:sp>
-        <p:sp>
-          <p:nvSpPr>
-            <p:cNvPr id="57" name="pl57"/>
-            <p:cNvSpPr/>
-            <p:nvPr/>
-          </p:nvSpPr>
-          <p:spPr>
-            <a:xfrm>
-              <a:off x="8322790" y="5638927"/>
+            <a:ln w="13550" cap="flat">
+              <a:solidFill>
+                <a:srgbClr val="333333">
+                  <a:alpha val="100000"/>
+                </a:srgbClr>
+              </a:solidFill>
+              <a:prstDash val="solid"/>
+              <a:round/>
+            </a:ln>
+          </p:spPr>
+          <p:txBody>
+            <a:bodyPr/>
+            <a:lstStyle/>
+            <a:p/>
+          </p:txBody>
+        </p:sp>
+        <p:sp>
+          <p:nvSpPr>
+            <p:cNvPr id="113" name="pl113"/>
+            <p:cNvSpPr/>
+            <p:nvPr/>
+          </p:nvSpPr>
+          <p:spPr>
+            <a:xfrm>
+              <a:off x="3290542" y="5274097"/>
               <a:ext cx="0" cy="34794"/>
             </a:xfrm>
             <a:custGeom>
@@ -5293,31 +7413,671 @@
                 </a:path>
               </a:pathLst>
             </a:custGeom>
-            <a:ln w="6775" cap="flat">
-              <a:solidFill>
-                <a:srgbClr val="B3B3B3">
-                  <a:alpha val="100000"/>
-                </a:srgbClr>
-              </a:solidFill>
-              <a:prstDash val="solid"/>
-              <a:round/>
-            </a:ln>
-          </p:spPr>
-          <p:txBody>
-            <a:bodyPr/>
-            <a:lstStyle/>
-            <a:p/>
-          </p:txBody>
-        </p:sp>
-        <p:sp>
-          <p:nvSpPr>
-            <p:cNvPr id="58" name="tx58"/>
-            <p:cNvSpPr/>
-            <p:nvPr/>
-          </p:nvSpPr>
-          <p:spPr>
-            <a:xfrm>
-              <a:off x="1992471" y="5699866"/>
+            <a:ln w="13550" cap="flat">
+              <a:solidFill>
+                <a:srgbClr val="333333">
+                  <a:alpha val="100000"/>
+                </a:srgbClr>
+              </a:solidFill>
+              <a:prstDash val="solid"/>
+              <a:round/>
+            </a:ln>
+          </p:spPr>
+          <p:txBody>
+            <a:bodyPr/>
+            <a:lstStyle/>
+            <a:p/>
+          </p:txBody>
+        </p:sp>
+        <p:sp>
+          <p:nvSpPr>
+            <p:cNvPr id="114" name="pl114"/>
+            <p:cNvSpPr/>
+            <p:nvPr/>
+          </p:nvSpPr>
+          <p:spPr>
+            <a:xfrm>
+              <a:off x="3730351" y="5274097"/>
+              <a:ext cx="0" cy="34794"/>
+            </a:xfrm>
+            <a:custGeom>
+              <a:avLst/>
+              <a:pathLst>
+                <a:path w="0" h="34794">
+                  <a:moveTo>
+                    <a:pt x="0" y="34794"/>
+                  </a:moveTo>
+                  <a:lnTo>
+                    <a:pt x="0" y="0"/>
+                  </a:lnTo>
+                </a:path>
+              </a:pathLst>
+            </a:custGeom>
+            <a:ln w="13550" cap="flat">
+              <a:solidFill>
+                <a:srgbClr val="333333">
+                  <a:alpha val="100000"/>
+                </a:srgbClr>
+              </a:solidFill>
+              <a:prstDash val="solid"/>
+              <a:round/>
+            </a:ln>
+          </p:spPr>
+          <p:txBody>
+            <a:bodyPr/>
+            <a:lstStyle/>
+            <a:p/>
+          </p:txBody>
+        </p:sp>
+        <p:sp>
+          <p:nvSpPr>
+            <p:cNvPr id="115" name="pl115"/>
+            <p:cNvSpPr/>
+            <p:nvPr/>
+          </p:nvSpPr>
+          <p:spPr>
+            <a:xfrm>
+              <a:off x="4038868" y="5274097"/>
+              <a:ext cx="0" cy="34794"/>
+            </a:xfrm>
+            <a:custGeom>
+              <a:avLst/>
+              <a:pathLst>
+                <a:path w="0" h="34794">
+                  <a:moveTo>
+                    <a:pt x="0" y="34794"/>
+                  </a:moveTo>
+                  <a:lnTo>
+                    <a:pt x="0" y="0"/>
+                  </a:lnTo>
+                </a:path>
+              </a:pathLst>
+            </a:custGeom>
+            <a:ln w="13550" cap="flat">
+              <a:solidFill>
+                <a:srgbClr val="333333">
+                  <a:alpha val="100000"/>
+                </a:srgbClr>
+              </a:solidFill>
+              <a:prstDash val="solid"/>
+              <a:round/>
+            </a:ln>
+          </p:spPr>
+          <p:txBody>
+            <a:bodyPr/>
+            <a:lstStyle/>
+            <a:p/>
+          </p:txBody>
+        </p:sp>
+        <p:sp>
+          <p:nvSpPr>
+            <p:cNvPr id="116" name="pl116"/>
+            <p:cNvSpPr/>
+            <p:nvPr/>
+          </p:nvSpPr>
+          <p:spPr>
+            <a:xfrm>
+              <a:off x="4347385" y="5274097"/>
+              <a:ext cx="0" cy="34794"/>
+            </a:xfrm>
+            <a:custGeom>
+              <a:avLst/>
+              <a:pathLst>
+                <a:path w="0" h="34794">
+                  <a:moveTo>
+                    <a:pt x="0" y="34794"/>
+                  </a:moveTo>
+                  <a:lnTo>
+                    <a:pt x="0" y="0"/>
+                  </a:lnTo>
+                </a:path>
+              </a:pathLst>
+            </a:custGeom>
+            <a:ln w="13550" cap="flat">
+              <a:solidFill>
+                <a:srgbClr val="333333">
+                  <a:alpha val="100000"/>
+                </a:srgbClr>
+              </a:solidFill>
+              <a:prstDash val="solid"/>
+              <a:round/>
+            </a:ln>
+          </p:spPr>
+          <p:txBody>
+            <a:bodyPr/>
+            <a:lstStyle/>
+            <a:p/>
+          </p:txBody>
+        </p:sp>
+        <p:sp>
+          <p:nvSpPr>
+            <p:cNvPr id="117" name="pl117"/>
+            <p:cNvSpPr/>
+            <p:nvPr/>
+          </p:nvSpPr>
+          <p:spPr>
+            <a:xfrm>
+              <a:off x="4655902" y="5274097"/>
+              <a:ext cx="0" cy="34794"/>
+            </a:xfrm>
+            <a:custGeom>
+              <a:avLst/>
+              <a:pathLst>
+                <a:path w="0" h="34794">
+                  <a:moveTo>
+                    <a:pt x="0" y="34794"/>
+                  </a:moveTo>
+                  <a:lnTo>
+                    <a:pt x="0" y="0"/>
+                  </a:lnTo>
+                </a:path>
+              </a:pathLst>
+            </a:custGeom>
+            <a:ln w="13550" cap="flat">
+              <a:solidFill>
+                <a:srgbClr val="333333">
+                  <a:alpha val="100000"/>
+                </a:srgbClr>
+              </a:solidFill>
+              <a:prstDash val="solid"/>
+              <a:round/>
+            </a:ln>
+          </p:spPr>
+          <p:txBody>
+            <a:bodyPr/>
+            <a:lstStyle/>
+            <a:p/>
+          </p:txBody>
+        </p:sp>
+        <p:sp>
+          <p:nvSpPr>
+            <p:cNvPr id="118" name="pl118"/>
+            <p:cNvSpPr/>
+            <p:nvPr/>
+          </p:nvSpPr>
+          <p:spPr>
+            <a:xfrm>
+              <a:off x="5095711" y="5274097"/>
+              <a:ext cx="0" cy="34794"/>
+            </a:xfrm>
+            <a:custGeom>
+              <a:avLst/>
+              <a:pathLst>
+                <a:path w="0" h="34794">
+                  <a:moveTo>
+                    <a:pt x="0" y="34794"/>
+                  </a:moveTo>
+                  <a:lnTo>
+                    <a:pt x="0" y="0"/>
+                  </a:lnTo>
+                </a:path>
+              </a:pathLst>
+            </a:custGeom>
+            <a:ln w="13550" cap="flat">
+              <a:solidFill>
+                <a:srgbClr val="333333">
+                  <a:alpha val="100000"/>
+                </a:srgbClr>
+              </a:solidFill>
+              <a:prstDash val="solid"/>
+              <a:round/>
+            </a:ln>
+          </p:spPr>
+          <p:txBody>
+            <a:bodyPr/>
+            <a:lstStyle/>
+            <a:p/>
+          </p:txBody>
+        </p:sp>
+        <p:sp>
+          <p:nvSpPr>
+            <p:cNvPr id="119" name="pl119"/>
+            <p:cNvSpPr/>
+            <p:nvPr/>
+          </p:nvSpPr>
+          <p:spPr>
+            <a:xfrm>
+              <a:off x="5404228" y="5274097"/>
+              <a:ext cx="0" cy="34794"/>
+            </a:xfrm>
+            <a:custGeom>
+              <a:avLst/>
+              <a:pathLst>
+                <a:path w="0" h="34794">
+                  <a:moveTo>
+                    <a:pt x="0" y="34794"/>
+                  </a:moveTo>
+                  <a:lnTo>
+                    <a:pt x="0" y="0"/>
+                  </a:lnTo>
+                </a:path>
+              </a:pathLst>
+            </a:custGeom>
+            <a:ln w="13550" cap="flat">
+              <a:solidFill>
+                <a:srgbClr val="333333">
+                  <a:alpha val="100000"/>
+                </a:srgbClr>
+              </a:solidFill>
+              <a:prstDash val="solid"/>
+              <a:round/>
+            </a:ln>
+          </p:spPr>
+          <p:txBody>
+            <a:bodyPr/>
+            <a:lstStyle/>
+            <a:p/>
+          </p:txBody>
+        </p:sp>
+        <p:sp>
+          <p:nvSpPr>
+            <p:cNvPr id="120" name="pl120"/>
+            <p:cNvSpPr/>
+            <p:nvPr/>
+          </p:nvSpPr>
+          <p:spPr>
+            <a:xfrm>
+              <a:off x="5712745" y="5274097"/>
+              <a:ext cx="0" cy="34794"/>
+            </a:xfrm>
+            <a:custGeom>
+              <a:avLst/>
+              <a:pathLst>
+                <a:path w="0" h="34794">
+                  <a:moveTo>
+                    <a:pt x="0" y="34794"/>
+                  </a:moveTo>
+                  <a:lnTo>
+                    <a:pt x="0" y="0"/>
+                  </a:lnTo>
+                </a:path>
+              </a:pathLst>
+            </a:custGeom>
+            <a:ln w="13550" cap="flat">
+              <a:solidFill>
+                <a:srgbClr val="333333">
+                  <a:alpha val="100000"/>
+                </a:srgbClr>
+              </a:solidFill>
+              <a:prstDash val="solid"/>
+              <a:round/>
+            </a:ln>
+          </p:spPr>
+          <p:txBody>
+            <a:bodyPr/>
+            <a:lstStyle/>
+            <a:p/>
+          </p:txBody>
+        </p:sp>
+        <p:sp>
+          <p:nvSpPr>
+            <p:cNvPr id="121" name="pl121"/>
+            <p:cNvSpPr/>
+            <p:nvPr/>
+          </p:nvSpPr>
+          <p:spPr>
+            <a:xfrm>
+              <a:off x="6021262" y="5274097"/>
+              <a:ext cx="0" cy="34794"/>
+            </a:xfrm>
+            <a:custGeom>
+              <a:avLst/>
+              <a:pathLst>
+                <a:path w="0" h="34794">
+                  <a:moveTo>
+                    <a:pt x="0" y="34794"/>
+                  </a:moveTo>
+                  <a:lnTo>
+                    <a:pt x="0" y="0"/>
+                  </a:lnTo>
+                </a:path>
+              </a:pathLst>
+            </a:custGeom>
+            <a:ln w="13550" cap="flat">
+              <a:solidFill>
+                <a:srgbClr val="333333">
+                  <a:alpha val="100000"/>
+                </a:srgbClr>
+              </a:solidFill>
+              <a:prstDash val="solid"/>
+              <a:round/>
+            </a:ln>
+          </p:spPr>
+          <p:txBody>
+            <a:bodyPr/>
+            <a:lstStyle/>
+            <a:p/>
+          </p:txBody>
+        </p:sp>
+        <p:sp>
+          <p:nvSpPr>
+            <p:cNvPr id="122" name="pl122"/>
+            <p:cNvSpPr/>
+            <p:nvPr/>
+          </p:nvSpPr>
+          <p:spPr>
+            <a:xfrm>
+              <a:off x="6461071" y="5274097"/>
+              <a:ext cx="0" cy="34794"/>
+            </a:xfrm>
+            <a:custGeom>
+              <a:avLst/>
+              <a:pathLst>
+                <a:path w="0" h="34794">
+                  <a:moveTo>
+                    <a:pt x="0" y="34794"/>
+                  </a:moveTo>
+                  <a:lnTo>
+                    <a:pt x="0" y="0"/>
+                  </a:lnTo>
+                </a:path>
+              </a:pathLst>
+            </a:custGeom>
+            <a:ln w="13550" cap="flat">
+              <a:solidFill>
+                <a:srgbClr val="333333">
+                  <a:alpha val="100000"/>
+                </a:srgbClr>
+              </a:solidFill>
+              <a:prstDash val="solid"/>
+              <a:round/>
+            </a:ln>
+          </p:spPr>
+          <p:txBody>
+            <a:bodyPr/>
+            <a:lstStyle/>
+            <a:p/>
+          </p:txBody>
+        </p:sp>
+        <p:sp>
+          <p:nvSpPr>
+            <p:cNvPr id="123" name="pl123"/>
+            <p:cNvSpPr/>
+            <p:nvPr/>
+          </p:nvSpPr>
+          <p:spPr>
+            <a:xfrm>
+              <a:off x="6769588" y="5274097"/>
+              <a:ext cx="0" cy="34794"/>
+            </a:xfrm>
+            <a:custGeom>
+              <a:avLst/>
+              <a:pathLst>
+                <a:path w="0" h="34794">
+                  <a:moveTo>
+                    <a:pt x="0" y="34794"/>
+                  </a:moveTo>
+                  <a:lnTo>
+                    <a:pt x="0" y="0"/>
+                  </a:lnTo>
+                </a:path>
+              </a:pathLst>
+            </a:custGeom>
+            <a:ln w="13550" cap="flat">
+              <a:solidFill>
+                <a:srgbClr val="333333">
+                  <a:alpha val="100000"/>
+                </a:srgbClr>
+              </a:solidFill>
+              <a:prstDash val="solid"/>
+              <a:round/>
+            </a:ln>
+          </p:spPr>
+          <p:txBody>
+            <a:bodyPr/>
+            <a:lstStyle/>
+            <a:p/>
+          </p:txBody>
+        </p:sp>
+        <p:sp>
+          <p:nvSpPr>
+            <p:cNvPr id="124" name="pl124"/>
+            <p:cNvSpPr/>
+            <p:nvPr/>
+          </p:nvSpPr>
+          <p:spPr>
+            <a:xfrm>
+              <a:off x="7078105" y="5274097"/>
+              <a:ext cx="0" cy="34794"/>
+            </a:xfrm>
+            <a:custGeom>
+              <a:avLst/>
+              <a:pathLst>
+                <a:path w="0" h="34794">
+                  <a:moveTo>
+                    <a:pt x="0" y="34794"/>
+                  </a:moveTo>
+                  <a:lnTo>
+                    <a:pt x="0" y="0"/>
+                  </a:lnTo>
+                </a:path>
+              </a:pathLst>
+            </a:custGeom>
+            <a:ln w="13550" cap="flat">
+              <a:solidFill>
+                <a:srgbClr val="333333">
+                  <a:alpha val="100000"/>
+                </a:srgbClr>
+              </a:solidFill>
+              <a:prstDash val="solid"/>
+              <a:round/>
+            </a:ln>
+          </p:spPr>
+          <p:txBody>
+            <a:bodyPr/>
+            <a:lstStyle/>
+            <a:p/>
+          </p:txBody>
+        </p:sp>
+        <p:sp>
+          <p:nvSpPr>
+            <p:cNvPr id="125" name="pl125"/>
+            <p:cNvSpPr/>
+            <p:nvPr/>
+          </p:nvSpPr>
+          <p:spPr>
+            <a:xfrm>
+              <a:off x="7386622" y="5274097"/>
+              <a:ext cx="0" cy="34794"/>
+            </a:xfrm>
+            <a:custGeom>
+              <a:avLst/>
+              <a:pathLst>
+                <a:path w="0" h="34794">
+                  <a:moveTo>
+                    <a:pt x="0" y="34794"/>
+                  </a:moveTo>
+                  <a:lnTo>
+                    <a:pt x="0" y="0"/>
+                  </a:lnTo>
+                </a:path>
+              </a:pathLst>
+            </a:custGeom>
+            <a:ln w="13550" cap="flat">
+              <a:solidFill>
+                <a:srgbClr val="333333">
+                  <a:alpha val="100000"/>
+                </a:srgbClr>
+              </a:solidFill>
+              <a:prstDash val="solid"/>
+              <a:round/>
+            </a:ln>
+          </p:spPr>
+          <p:txBody>
+            <a:bodyPr/>
+            <a:lstStyle/>
+            <a:p/>
+          </p:txBody>
+        </p:sp>
+        <p:sp>
+          <p:nvSpPr>
+            <p:cNvPr id="126" name="pl126"/>
+            <p:cNvSpPr/>
+            <p:nvPr/>
+          </p:nvSpPr>
+          <p:spPr>
+            <a:xfrm>
+              <a:off x="7826431" y="5274097"/>
+              <a:ext cx="0" cy="34794"/>
+            </a:xfrm>
+            <a:custGeom>
+              <a:avLst/>
+              <a:pathLst>
+                <a:path w="0" h="34794">
+                  <a:moveTo>
+                    <a:pt x="0" y="34794"/>
+                  </a:moveTo>
+                  <a:lnTo>
+                    <a:pt x="0" y="0"/>
+                  </a:lnTo>
+                </a:path>
+              </a:pathLst>
+            </a:custGeom>
+            <a:ln w="13550" cap="flat">
+              <a:solidFill>
+                <a:srgbClr val="333333">
+                  <a:alpha val="100000"/>
+                </a:srgbClr>
+              </a:solidFill>
+              <a:prstDash val="solid"/>
+              <a:round/>
+            </a:ln>
+          </p:spPr>
+          <p:txBody>
+            <a:bodyPr/>
+            <a:lstStyle/>
+            <a:p/>
+          </p:txBody>
+        </p:sp>
+        <p:sp>
+          <p:nvSpPr>
+            <p:cNvPr id="127" name="pl127"/>
+            <p:cNvSpPr/>
+            <p:nvPr/>
+          </p:nvSpPr>
+          <p:spPr>
+            <a:xfrm>
+              <a:off x="8134948" y="5274097"/>
+              <a:ext cx="0" cy="34794"/>
+            </a:xfrm>
+            <a:custGeom>
+              <a:avLst/>
+              <a:pathLst>
+                <a:path w="0" h="34794">
+                  <a:moveTo>
+                    <a:pt x="0" y="34794"/>
+                  </a:moveTo>
+                  <a:lnTo>
+                    <a:pt x="0" y="0"/>
+                  </a:lnTo>
+                </a:path>
+              </a:pathLst>
+            </a:custGeom>
+            <a:ln w="13550" cap="flat">
+              <a:solidFill>
+                <a:srgbClr val="333333">
+                  <a:alpha val="100000"/>
+                </a:srgbClr>
+              </a:solidFill>
+              <a:prstDash val="solid"/>
+              <a:round/>
+            </a:ln>
+          </p:spPr>
+          <p:txBody>
+            <a:bodyPr/>
+            <a:lstStyle/>
+            <a:p/>
+          </p:txBody>
+        </p:sp>
+        <p:sp>
+          <p:nvSpPr>
+            <p:cNvPr id="128" name="pl128"/>
+            <p:cNvSpPr/>
+            <p:nvPr/>
+          </p:nvSpPr>
+          <p:spPr>
+            <a:xfrm>
+              <a:off x="8443465" y="5274097"/>
+              <a:ext cx="0" cy="34794"/>
+            </a:xfrm>
+            <a:custGeom>
+              <a:avLst/>
+              <a:pathLst>
+                <a:path w="0" h="34794">
+                  <a:moveTo>
+                    <a:pt x="0" y="34794"/>
+                  </a:moveTo>
+                  <a:lnTo>
+                    <a:pt x="0" y="0"/>
+                  </a:lnTo>
+                </a:path>
+              </a:pathLst>
+            </a:custGeom>
+            <a:ln w="13550" cap="flat">
+              <a:solidFill>
+                <a:srgbClr val="333333">
+                  <a:alpha val="100000"/>
+                </a:srgbClr>
+              </a:solidFill>
+              <a:prstDash val="solid"/>
+              <a:round/>
+            </a:ln>
+          </p:spPr>
+          <p:txBody>
+            <a:bodyPr/>
+            <a:lstStyle/>
+            <a:p/>
+          </p:txBody>
+        </p:sp>
+        <p:sp>
+          <p:nvSpPr>
+            <p:cNvPr id="129" name="pl129"/>
+            <p:cNvSpPr/>
+            <p:nvPr/>
+          </p:nvSpPr>
+          <p:spPr>
+            <a:xfrm>
+              <a:off x="8751982" y="5274097"/>
+              <a:ext cx="0" cy="34794"/>
+            </a:xfrm>
+            <a:custGeom>
+              <a:avLst/>
+              <a:pathLst>
+                <a:path w="0" h="34794">
+                  <a:moveTo>
+                    <a:pt x="0" y="34794"/>
+                  </a:moveTo>
+                  <a:lnTo>
+                    <a:pt x="0" y="0"/>
+                  </a:lnTo>
+                </a:path>
+              </a:pathLst>
+            </a:custGeom>
+            <a:ln w="13550" cap="flat">
+              <a:solidFill>
+                <a:srgbClr val="333333">
+                  <a:alpha val="100000"/>
+                </a:srgbClr>
+              </a:solidFill>
+              <a:prstDash val="solid"/>
+              <a:round/>
+            </a:ln>
+          </p:spPr>
+          <p:txBody>
+            <a:bodyPr/>
+            <a:lstStyle/>
+            <a:p/>
+          </p:txBody>
+        </p:sp>
+        <p:sp>
+          <p:nvSpPr>
+            <p:cNvPr id="130" name="tx130"/>
+            <p:cNvSpPr/>
+            <p:nvPr/>
+          </p:nvSpPr>
+          <p:spPr>
+            <a:xfrm>
+              <a:off x="2055095" y="5074909"/>
               <a:ext cx="62155" cy="81691"/>
             </a:xfrm>
             <a:prstGeom prst="rect">
@@ -5357,14 +8117,14 @@
         </p:sp>
         <p:sp>
           <p:nvSpPr>
-            <p:cNvPr id="59" name="tx59"/>
-            <p:cNvSpPr/>
-            <p:nvPr/>
-          </p:nvSpPr>
-          <p:spPr>
-            <a:xfrm>
-              <a:off x="3998985" y="5699866"/>
-              <a:ext cx="248622" cy="81691"/>
+            <p:cNvPr id="131" name="tx131"/>
+            <p:cNvSpPr/>
+            <p:nvPr/>
+          </p:nvSpPr>
+          <p:spPr>
+            <a:xfrm>
+              <a:off x="1992940" y="4396044"/>
+              <a:ext cx="124311" cy="81691"/>
             </a:xfrm>
             <a:prstGeom prst="rect">
               <a:avLst/>
@@ -5396,21 +8156,21 @@
                   <a:latin typeface="Arial"/>
                   <a:cs typeface="Arial"/>
                 </a:rPr>
-                <a:t>1000</a:t>
+                <a:t>50</a:t>
               </a:r>
             </a:p>
           </p:txBody>
         </p:sp>
         <p:sp>
           <p:nvSpPr>
-            <p:cNvPr id="60" name="tx60"/>
-            <p:cNvSpPr/>
-            <p:nvPr/>
-          </p:nvSpPr>
-          <p:spPr>
-            <a:xfrm>
-              <a:off x="6098732" y="5699866"/>
-              <a:ext cx="248622" cy="81691"/>
+            <p:cNvPr id="132" name="tx132"/>
+            <p:cNvSpPr/>
+            <p:nvPr/>
+          </p:nvSpPr>
+          <p:spPr>
+            <a:xfrm>
+              <a:off x="1930784" y="3717180"/>
+              <a:ext cx="186466" cy="81691"/>
             </a:xfrm>
             <a:prstGeom prst="rect">
               <a:avLst/>
@@ -5442,21 +8202,21 @@
                   <a:latin typeface="Arial"/>
                   <a:cs typeface="Arial"/>
                 </a:rPr>
-                <a:t>2000</a:t>
+                <a:t>100</a:t>
               </a:r>
             </a:p>
           </p:txBody>
         </p:sp>
         <p:sp>
           <p:nvSpPr>
-            <p:cNvPr id="61" name="tx61"/>
-            <p:cNvSpPr/>
-            <p:nvPr/>
-          </p:nvSpPr>
-          <p:spPr>
-            <a:xfrm>
-              <a:off x="8198479" y="5699811"/>
-              <a:ext cx="248622" cy="81746"/>
+            <p:cNvPr id="133" name="tx133"/>
+            <p:cNvSpPr/>
+            <p:nvPr/>
+          </p:nvSpPr>
+          <p:spPr>
+            <a:xfrm>
+              <a:off x="1930784" y="3038315"/>
+              <a:ext cx="186466" cy="81691"/>
             </a:xfrm>
             <a:prstGeom prst="rect">
               <a:avLst/>
@@ -5488,7 +8248,671 @@
                   <a:latin typeface="Arial"/>
                   <a:cs typeface="Arial"/>
                 </a:rPr>
-                <a:t>3000</a:t>
+                <a:t>150</a:t>
+              </a:r>
+            </a:p>
+          </p:txBody>
+        </p:sp>
+        <p:sp>
+          <p:nvSpPr>
+            <p:cNvPr id="134" name="tx134"/>
+            <p:cNvSpPr/>
+            <p:nvPr/>
+          </p:nvSpPr>
+          <p:spPr>
+            <a:xfrm>
+              <a:off x="1930784" y="2359451"/>
+              <a:ext cx="186466" cy="81691"/>
+            </a:xfrm>
+            <a:prstGeom prst="rect">
+              <a:avLst/>
+            </a:prstGeom>
+            <a:noFill/>
+          </p:spPr>
+          <p:txBody>
+            <a:bodyPr lIns="0" rIns="0" tIns="0" bIns="0" anchorCtr="1" anchor="ctr" wrap="none"/>
+            <a:lstStyle/>
+            <a:p>
+              <a:pPr algn="l" marL="0" marR="0" indent="0">
+                <a:lnSpc>
+                  <a:spcPts val="880"/>
+                </a:lnSpc>
+                <a:spcBef>
+                  <a:spcPts val="0"/>
+                </a:spcBef>
+                <a:spcAft>
+                  <a:spcPts val="0"/>
+                </a:spcAft>
+              </a:pPr>
+              <a:r>
+                <a:rPr sz="880">
+                  <a:solidFill>
+                    <a:srgbClr val="4D4D4D">
+                      <a:alpha val="100000"/>
+                    </a:srgbClr>
+                  </a:solidFill>
+                  <a:latin typeface="Arial"/>
+                  <a:cs typeface="Arial"/>
+                </a:rPr>
+                <a:t>200</a:t>
+              </a:r>
+            </a:p>
+          </p:txBody>
+        </p:sp>
+        <p:sp>
+          <p:nvSpPr>
+            <p:cNvPr id="135" name="pl135"/>
+            <p:cNvSpPr/>
+            <p:nvPr/>
+          </p:nvSpPr>
+          <p:spPr>
+            <a:xfrm>
+              <a:off x="2145087" y="5116600"/>
+              <a:ext cx="34794" cy="0"/>
+            </a:xfrm>
+            <a:custGeom>
+              <a:avLst/>
+              <a:pathLst>
+                <a:path w="34794" h="0">
+                  <a:moveTo>
+                    <a:pt x="0" y="0"/>
+                  </a:moveTo>
+                  <a:lnTo>
+                    <a:pt x="34794" y="0"/>
+                  </a:lnTo>
+                </a:path>
+              </a:pathLst>
+            </a:custGeom>
+            <a:ln w="13550" cap="flat">
+              <a:solidFill>
+                <a:srgbClr val="333333">
+                  <a:alpha val="100000"/>
+                </a:srgbClr>
+              </a:solidFill>
+              <a:prstDash val="solid"/>
+              <a:round/>
+            </a:ln>
+          </p:spPr>
+          <p:txBody>
+            <a:bodyPr/>
+            <a:lstStyle/>
+            <a:p/>
+          </p:txBody>
+        </p:sp>
+        <p:sp>
+          <p:nvSpPr>
+            <p:cNvPr id="136" name="pl136"/>
+            <p:cNvSpPr/>
+            <p:nvPr/>
+          </p:nvSpPr>
+          <p:spPr>
+            <a:xfrm>
+              <a:off x="2145087" y="4437736"/>
+              <a:ext cx="34794" cy="0"/>
+            </a:xfrm>
+            <a:custGeom>
+              <a:avLst/>
+              <a:pathLst>
+                <a:path w="34794" h="0">
+                  <a:moveTo>
+                    <a:pt x="0" y="0"/>
+                  </a:moveTo>
+                  <a:lnTo>
+                    <a:pt x="34794" y="0"/>
+                  </a:lnTo>
+                </a:path>
+              </a:pathLst>
+            </a:custGeom>
+            <a:ln w="13550" cap="flat">
+              <a:solidFill>
+                <a:srgbClr val="333333">
+                  <a:alpha val="100000"/>
+                </a:srgbClr>
+              </a:solidFill>
+              <a:prstDash val="solid"/>
+              <a:round/>
+            </a:ln>
+          </p:spPr>
+          <p:txBody>
+            <a:bodyPr/>
+            <a:lstStyle/>
+            <a:p/>
+          </p:txBody>
+        </p:sp>
+        <p:sp>
+          <p:nvSpPr>
+            <p:cNvPr id="137" name="pl137"/>
+            <p:cNvSpPr/>
+            <p:nvPr/>
+          </p:nvSpPr>
+          <p:spPr>
+            <a:xfrm>
+              <a:off x="2145087" y="3758871"/>
+              <a:ext cx="34794" cy="0"/>
+            </a:xfrm>
+            <a:custGeom>
+              <a:avLst/>
+              <a:pathLst>
+                <a:path w="34794" h="0">
+                  <a:moveTo>
+                    <a:pt x="0" y="0"/>
+                  </a:moveTo>
+                  <a:lnTo>
+                    <a:pt x="34794" y="0"/>
+                  </a:lnTo>
+                </a:path>
+              </a:pathLst>
+            </a:custGeom>
+            <a:ln w="13550" cap="flat">
+              <a:solidFill>
+                <a:srgbClr val="333333">
+                  <a:alpha val="100000"/>
+                </a:srgbClr>
+              </a:solidFill>
+              <a:prstDash val="solid"/>
+              <a:round/>
+            </a:ln>
+          </p:spPr>
+          <p:txBody>
+            <a:bodyPr/>
+            <a:lstStyle/>
+            <a:p/>
+          </p:txBody>
+        </p:sp>
+        <p:sp>
+          <p:nvSpPr>
+            <p:cNvPr id="138" name="pl138"/>
+            <p:cNvSpPr/>
+            <p:nvPr/>
+          </p:nvSpPr>
+          <p:spPr>
+            <a:xfrm>
+              <a:off x="2145087" y="3080007"/>
+              <a:ext cx="34794" cy="0"/>
+            </a:xfrm>
+            <a:custGeom>
+              <a:avLst/>
+              <a:pathLst>
+                <a:path w="34794" h="0">
+                  <a:moveTo>
+                    <a:pt x="0" y="0"/>
+                  </a:moveTo>
+                  <a:lnTo>
+                    <a:pt x="34794" y="0"/>
+                  </a:lnTo>
+                </a:path>
+              </a:pathLst>
+            </a:custGeom>
+            <a:ln w="13550" cap="flat">
+              <a:solidFill>
+                <a:srgbClr val="333333">
+                  <a:alpha val="100000"/>
+                </a:srgbClr>
+              </a:solidFill>
+              <a:prstDash val="solid"/>
+              <a:round/>
+            </a:ln>
+          </p:spPr>
+          <p:txBody>
+            <a:bodyPr/>
+            <a:lstStyle/>
+            <a:p/>
+          </p:txBody>
+        </p:sp>
+        <p:sp>
+          <p:nvSpPr>
+            <p:cNvPr id="139" name="pl139"/>
+            <p:cNvSpPr/>
+            <p:nvPr/>
+          </p:nvSpPr>
+          <p:spPr>
+            <a:xfrm>
+              <a:off x="2145087" y="2401142"/>
+              <a:ext cx="34794" cy="0"/>
+            </a:xfrm>
+            <a:custGeom>
+              <a:avLst/>
+              <a:pathLst>
+                <a:path w="34794" h="0">
+                  <a:moveTo>
+                    <a:pt x="0" y="0"/>
+                  </a:moveTo>
+                  <a:lnTo>
+                    <a:pt x="34794" y="0"/>
+                  </a:lnTo>
+                </a:path>
+              </a:pathLst>
+            </a:custGeom>
+            <a:ln w="13550" cap="flat">
+              <a:solidFill>
+                <a:srgbClr val="333333">
+                  <a:alpha val="100000"/>
+                </a:srgbClr>
+              </a:solidFill>
+              <a:prstDash val="solid"/>
+              <a:round/>
+            </a:ln>
+          </p:spPr>
+          <p:txBody>
+            <a:bodyPr/>
+            <a:lstStyle/>
+            <a:p/>
+          </p:txBody>
+        </p:sp>
+        <p:sp>
+          <p:nvSpPr>
+            <p:cNvPr id="140" name="rc140"/>
+            <p:cNvSpPr/>
+            <p:nvPr/>
+          </p:nvSpPr>
+          <p:spPr>
+            <a:xfrm>
+              <a:off x="4009020" y="5613598"/>
+              <a:ext cx="3098933" cy="358634"/>
+            </a:xfrm>
+            <a:prstGeom prst="rect">
+              <a:avLst/>
+            </a:prstGeom>
+            <a:solidFill>
+              <a:srgbClr val="FFFFFF">
+                <a:alpha val="100000"/>
+              </a:srgbClr>
+            </a:solidFill>
+          </p:spPr>
+          <p:txBody>
+            <a:bodyPr/>
+            <a:lstStyle/>
+            <a:p/>
+          </p:txBody>
+        </p:sp>
+        <p:sp>
+          <p:nvSpPr>
+            <p:cNvPr id="141" name="rc141"/>
+            <p:cNvSpPr/>
+            <p:nvPr/>
+          </p:nvSpPr>
+          <p:spPr>
+            <a:xfrm>
+              <a:off x="4148198" y="5683187"/>
+              <a:ext cx="219455" cy="219455"/>
+            </a:xfrm>
+            <a:prstGeom prst="rect">
+              <a:avLst/>
+            </a:prstGeom>
+            <a:solidFill>
+              <a:srgbClr val="FFFFFF">
+                <a:alpha val="100000"/>
+              </a:srgbClr>
+            </a:solidFill>
+          </p:spPr>
+          <p:txBody>
+            <a:bodyPr/>
+            <a:lstStyle/>
+            <a:p/>
+          </p:txBody>
+        </p:sp>
+        <p:sp>
+          <p:nvSpPr>
+            <p:cNvPr id="142" name="rc142"/>
+            <p:cNvSpPr/>
+            <p:nvPr/>
+          </p:nvSpPr>
+          <p:spPr>
+            <a:xfrm>
+              <a:off x="4157198" y="5692187"/>
+              <a:ext cx="201456" cy="201456"/>
+            </a:xfrm>
+            <a:prstGeom prst="rect">
+              <a:avLst/>
+            </a:prstGeom>
+            <a:solidFill>
+              <a:srgbClr val="FEE5D9">
+                <a:alpha val="100000"/>
+              </a:srgbClr>
+            </a:solidFill>
+          </p:spPr>
+          <p:txBody>
+            <a:bodyPr/>
+            <a:lstStyle/>
+            <a:p/>
+          </p:txBody>
+        </p:sp>
+        <p:sp>
+          <p:nvSpPr>
+            <p:cNvPr id="143" name="rc143"/>
+            <p:cNvSpPr/>
+            <p:nvPr/>
+          </p:nvSpPr>
+          <p:spPr>
+            <a:xfrm>
+              <a:off x="4983463" y="5683187"/>
+              <a:ext cx="219455" cy="219455"/>
+            </a:xfrm>
+            <a:prstGeom prst="rect">
+              <a:avLst/>
+            </a:prstGeom>
+            <a:solidFill>
+              <a:srgbClr val="FFFFFF">
+                <a:alpha val="100000"/>
+              </a:srgbClr>
+            </a:solidFill>
+          </p:spPr>
+          <p:txBody>
+            <a:bodyPr/>
+            <a:lstStyle/>
+            <a:p/>
+          </p:txBody>
+        </p:sp>
+        <p:sp>
+          <p:nvSpPr>
+            <p:cNvPr id="144" name="rc144"/>
+            <p:cNvSpPr/>
+            <p:nvPr/>
+          </p:nvSpPr>
+          <p:spPr>
+            <a:xfrm>
+              <a:off x="4992463" y="5692187"/>
+              <a:ext cx="201456" cy="201456"/>
+            </a:xfrm>
+            <a:prstGeom prst="rect">
+              <a:avLst/>
+            </a:prstGeom>
+            <a:solidFill>
+              <a:srgbClr val="FCAE91">
+                <a:alpha val="100000"/>
+              </a:srgbClr>
+            </a:solidFill>
+          </p:spPr>
+          <p:txBody>
+            <a:bodyPr/>
+            <a:lstStyle/>
+            <a:p/>
+          </p:txBody>
+        </p:sp>
+        <p:sp>
+          <p:nvSpPr>
+            <p:cNvPr id="145" name="rc145"/>
+            <p:cNvSpPr/>
+            <p:nvPr/>
+          </p:nvSpPr>
+          <p:spPr>
+            <a:xfrm>
+              <a:off x="5628076" y="5683187"/>
+              <a:ext cx="219455" cy="219455"/>
+            </a:xfrm>
+            <a:prstGeom prst="rect">
+              <a:avLst/>
+            </a:prstGeom>
+            <a:solidFill>
+              <a:srgbClr val="FFFFFF">
+                <a:alpha val="100000"/>
+              </a:srgbClr>
+            </a:solidFill>
+          </p:spPr>
+          <p:txBody>
+            <a:bodyPr/>
+            <a:lstStyle/>
+            <a:p/>
+          </p:txBody>
+        </p:sp>
+        <p:sp>
+          <p:nvSpPr>
+            <p:cNvPr id="146" name="rc146"/>
+            <p:cNvSpPr/>
+            <p:nvPr/>
+          </p:nvSpPr>
+          <p:spPr>
+            <a:xfrm>
+              <a:off x="5637076" y="5692187"/>
+              <a:ext cx="201456" cy="201456"/>
+            </a:xfrm>
+            <a:prstGeom prst="rect">
+              <a:avLst/>
+            </a:prstGeom>
+            <a:solidFill>
+              <a:srgbClr val="FB6A4A">
+                <a:alpha val="100000"/>
+              </a:srgbClr>
+            </a:solidFill>
+          </p:spPr>
+          <p:txBody>
+            <a:bodyPr/>
+            <a:lstStyle/>
+            <a:p/>
+          </p:txBody>
+        </p:sp>
+        <p:sp>
+          <p:nvSpPr>
+            <p:cNvPr id="147" name="rc147"/>
+            <p:cNvSpPr/>
+            <p:nvPr/>
+          </p:nvSpPr>
+          <p:spPr>
+            <a:xfrm>
+              <a:off x="6368015" y="5683187"/>
+              <a:ext cx="219455" cy="219455"/>
+            </a:xfrm>
+            <a:prstGeom prst="rect">
+              <a:avLst/>
+            </a:prstGeom>
+            <a:solidFill>
+              <a:srgbClr val="FFFFFF">
+                <a:alpha val="100000"/>
+              </a:srgbClr>
+            </a:solidFill>
+          </p:spPr>
+          <p:txBody>
+            <a:bodyPr/>
+            <a:lstStyle/>
+            <a:p/>
+          </p:txBody>
+        </p:sp>
+        <p:sp>
+          <p:nvSpPr>
+            <p:cNvPr id="148" name="rc148"/>
+            <p:cNvSpPr/>
+            <p:nvPr/>
+          </p:nvSpPr>
+          <p:spPr>
+            <a:xfrm>
+              <a:off x="6377015" y="5692187"/>
+              <a:ext cx="201456" cy="201456"/>
+            </a:xfrm>
+            <a:prstGeom prst="rect">
+              <a:avLst/>
+            </a:prstGeom>
+            <a:solidFill>
+              <a:srgbClr val="CB181D">
+                <a:alpha val="100000"/>
+              </a:srgbClr>
+            </a:solidFill>
+          </p:spPr>
+          <p:txBody>
+            <a:bodyPr/>
+            <a:lstStyle/>
+            <a:p/>
+          </p:txBody>
+        </p:sp>
+        <p:sp>
+          <p:nvSpPr>
+            <p:cNvPr id="149" name="tx149"/>
+            <p:cNvSpPr/>
+            <p:nvPr/>
+          </p:nvSpPr>
+          <p:spPr>
+            <a:xfrm>
+              <a:off x="4437243" y="5763065"/>
+              <a:ext cx="419100" cy="69850"/>
+            </a:xfrm>
+            <a:prstGeom prst="rect">
+              <a:avLst/>
+            </a:prstGeom>
+            <a:noFill/>
+          </p:spPr>
+          <p:txBody>
+            <a:bodyPr lIns="0" rIns="0" tIns="0" bIns="0" anchorCtr="1" anchor="ctr" wrap="none"/>
+            <a:lstStyle/>
+            <a:p>
+              <a:pPr algn="l" marL="0" marR="0" indent="0">
+                <a:lnSpc>
+                  <a:spcPts val="880"/>
+                </a:lnSpc>
+                <a:spcBef>
+                  <a:spcPts val="0"/>
+                </a:spcBef>
+                <a:spcAft>
+                  <a:spcPts val="0"/>
+                </a:spcAft>
+              </a:pPr>
+              <a:r>
+                <a:rPr sz="880">
+                  <a:solidFill>
+                    <a:srgbClr val="000000">
+                      <a:alpha val="100000"/>
+                    </a:srgbClr>
+                  </a:solidFill>
+                  <a:latin typeface="Arial"/>
+                  <a:cs typeface="Arial"/>
+                </a:rPr>
+                <a:t>完全不认同</a:t>
+              </a:r>
+            </a:p>
+          </p:txBody>
+        </p:sp>
+        <p:sp>
+          <p:nvSpPr>
+            <p:cNvPr id="150" name="tx150"/>
+            <p:cNvSpPr/>
+            <p:nvPr/>
+          </p:nvSpPr>
+          <p:spPr>
+            <a:xfrm>
+              <a:off x="5272508" y="5763065"/>
+              <a:ext cx="251460" cy="69850"/>
+            </a:xfrm>
+            <a:prstGeom prst="rect">
+              <a:avLst/>
+            </a:prstGeom>
+            <a:noFill/>
+          </p:spPr>
+          <p:txBody>
+            <a:bodyPr lIns="0" rIns="0" tIns="0" bIns="0" anchorCtr="1" anchor="ctr" wrap="none"/>
+            <a:lstStyle/>
+            <a:p>
+              <a:pPr algn="l" marL="0" marR="0" indent="0">
+                <a:lnSpc>
+                  <a:spcPts val="880"/>
+                </a:lnSpc>
+                <a:spcBef>
+                  <a:spcPts val="0"/>
+                </a:spcBef>
+                <a:spcAft>
+                  <a:spcPts val="0"/>
+                </a:spcAft>
+              </a:pPr>
+              <a:r>
+                <a:rPr sz="880">
+                  <a:solidFill>
+                    <a:srgbClr val="000000">
+                      <a:alpha val="100000"/>
+                    </a:srgbClr>
+                  </a:solidFill>
+                  <a:latin typeface="Arial"/>
+                  <a:cs typeface="Arial"/>
+                </a:rPr>
+                <a:t>不认同</a:t>
+              </a:r>
+            </a:p>
+          </p:txBody>
+        </p:sp>
+        <p:sp>
+          <p:nvSpPr>
+            <p:cNvPr id="151" name="tx151"/>
+            <p:cNvSpPr/>
+            <p:nvPr/>
+          </p:nvSpPr>
+          <p:spPr>
+            <a:xfrm>
+              <a:off x="5917121" y="5763065"/>
+              <a:ext cx="335280" cy="69850"/>
+            </a:xfrm>
+            <a:prstGeom prst="rect">
+              <a:avLst/>
+            </a:prstGeom>
+            <a:noFill/>
+          </p:spPr>
+          <p:txBody>
+            <a:bodyPr lIns="0" rIns="0" tIns="0" bIns="0" anchorCtr="1" anchor="ctr" wrap="none"/>
+            <a:lstStyle/>
+            <a:p>
+              <a:pPr algn="l" marL="0" marR="0" indent="0">
+                <a:lnSpc>
+                  <a:spcPts val="880"/>
+                </a:lnSpc>
+                <a:spcBef>
+                  <a:spcPts val="0"/>
+                </a:spcBef>
+                <a:spcAft>
+                  <a:spcPts val="0"/>
+                </a:spcAft>
+              </a:pPr>
+              <a:r>
+                <a:rPr sz="880">
+                  <a:solidFill>
+                    <a:srgbClr val="000000">
+                      <a:alpha val="100000"/>
+                    </a:srgbClr>
+                  </a:solidFill>
+                  <a:latin typeface="Arial"/>
+                  <a:cs typeface="Arial"/>
+                </a:rPr>
+                <a:t>有限认同</a:t>
+              </a:r>
+            </a:p>
+          </p:txBody>
+        </p:sp>
+        <p:sp>
+          <p:nvSpPr>
+            <p:cNvPr id="152" name="tx152"/>
+            <p:cNvSpPr/>
+            <p:nvPr/>
+          </p:nvSpPr>
+          <p:spPr>
+            <a:xfrm>
+              <a:off x="6657060" y="5763065"/>
+              <a:ext cx="335280" cy="69850"/>
+            </a:xfrm>
+            <a:prstGeom prst="rect">
+              <a:avLst/>
+            </a:prstGeom>
+            <a:noFill/>
+          </p:spPr>
+          <p:txBody>
+            <a:bodyPr lIns="0" rIns="0" tIns="0" bIns="0" anchorCtr="1" anchor="ctr" wrap="none"/>
+            <a:lstStyle/>
+            <a:p>
+              <a:pPr algn="l" marL="0" marR="0" indent="0">
+                <a:lnSpc>
+                  <a:spcPts val="880"/>
+                </a:lnSpc>
+                <a:spcBef>
+                  <a:spcPts val="0"/>
+                </a:spcBef>
+                <a:spcAft>
+                  <a:spcPts val="0"/>
+                </a:spcAft>
+              </a:pPr>
+              <a:r>
+                <a:rPr sz="880">
+                  <a:solidFill>
+                    <a:srgbClr val="000000">
+                      <a:alpha val="100000"/>
+                    </a:srgbClr>
+                  </a:solidFill>
+                  <a:latin typeface="Arial"/>
+                  <a:cs typeface="Arial"/>
+                </a:rPr>
+                <a:t>完全认同</a:t>
               </a:r>
             </a:p>
           </p:txBody>

--- a/_book/plot/unnamed-chunk-39-1.pptx
+++ b/_book/plot/unnamed-chunk-39-1.pptx
@@ -3218,7 +3218,7 @@
           </p:nvSpPr>
           <p:spPr>
             <a:xfrm>
-              <a:off x="2179881" y="4777168"/>
+              <a:off x="2179881" y="4796485"/>
               <a:ext cx="1295770" cy="0"/>
             </a:xfrm>
             <a:custGeom>
@@ -3261,7 +3261,7 @@
           </p:nvSpPr>
           <p:spPr>
             <a:xfrm>
-              <a:off x="2179881" y="4098304"/>
+              <a:off x="2179881" y="4156256"/>
               <a:ext cx="1295770" cy="0"/>
             </a:xfrm>
             <a:custGeom>
@@ -3304,7 +3304,7 @@
           </p:nvSpPr>
           <p:spPr>
             <a:xfrm>
-              <a:off x="2179881" y="3419439"/>
+              <a:off x="2179881" y="3516026"/>
               <a:ext cx="1295770" cy="0"/>
             </a:xfrm>
             <a:custGeom>
@@ -3347,7 +3347,7 @@
           </p:nvSpPr>
           <p:spPr>
             <a:xfrm>
-              <a:off x="2179881" y="2740575"/>
+              <a:off x="2179881" y="2875796"/>
               <a:ext cx="1295770" cy="0"/>
             </a:xfrm>
             <a:custGeom>
@@ -3390,7 +3390,7 @@
           </p:nvSpPr>
           <p:spPr>
             <a:xfrm>
-              <a:off x="2179881" y="2061710"/>
+              <a:off x="2179881" y="2235566"/>
               <a:ext cx="1295770" cy="0"/>
             </a:xfrm>
             <a:custGeom>
@@ -3476,7 +3476,7 @@
           </p:nvSpPr>
           <p:spPr>
             <a:xfrm>
-              <a:off x="2179881" y="4437736"/>
+              <a:off x="2179881" y="4476370"/>
               <a:ext cx="1295770" cy="0"/>
             </a:xfrm>
             <a:custGeom>
@@ -3519,7 +3519,7 @@
           </p:nvSpPr>
           <p:spPr>
             <a:xfrm>
-              <a:off x="2179881" y="3758871"/>
+              <a:off x="2179881" y="3836141"/>
               <a:ext cx="1295770" cy="0"/>
             </a:xfrm>
             <a:custGeom>
@@ -3562,7 +3562,7 @@
           </p:nvSpPr>
           <p:spPr>
             <a:xfrm>
-              <a:off x="2179881" y="3080007"/>
+              <a:off x="2179881" y="3195911"/>
               <a:ext cx="1295770" cy="0"/>
             </a:xfrm>
             <a:custGeom>
@@ -3605,7 +3605,7 @@
           </p:nvSpPr>
           <p:spPr>
             <a:xfrm>
-              <a:off x="2179881" y="2401142"/>
+              <a:off x="2179881" y="2555681"/>
               <a:ext cx="1295770" cy="0"/>
             </a:xfrm>
             <a:custGeom>
@@ -3643,6 +3643,49 @@
         <p:sp>
           <p:nvSpPr>
             <p:cNvPr id="16" name="pl16"/>
+            <p:cNvSpPr/>
+            <p:nvPr/>
+          </p:nvSpPr>
+          <p:spPr>
+            <a:xfrm>
+              <a:off x="2179881" y="1915451"/>
+              <a:ext cx="1295770" cy="0"/>
+            </a:xfrm>
+            <a:custGeom>
+              <a:avLst/>
+              <a:pathLst>
+                <a:path w="1295770" h="0">
+                  <a:moveTo>
+                    <a:pt x="0" y="0"/>
+                  </a:moveTo>
+                  <a:lnTo>
+                    <a:pt x="1295770" y="0"/>
+                  </a:lnTo>
+                  <a:lnTo>
+                    <a:pt x="1295770" y="0"/>
+                  </a:lnTo>
+                </a:path>
+              </a:pathLst>
+            </a:custGeom>
+            <a:ln w="13550" cap="flat">
+              <a:solidFill>
+                <a:srgbClr val="EBEBEB">
+                  <a:alpha val="100000"/>
+                </a:srgbClr>
+              </a:solidFill>
+              <a:prstDash val="solid"/>
+              <a:round/>
+            </a:ln>
+          </p:spPr>
+          <p:txBody>
+            <a:bodyPr/>
+            <a:lstStyle/>
+            <a:p/>
+          </p:txBody>
+        </p:sp>
+        <p:sp>
+          <p:nvSpPr>
+            <p:cNvPr id="17" name="pl17"/>
             <p:cNvSpPr/>
             <p:nvPr/>
           </p:nvSpPr>
@@ -3685,7 +3728,7 @@
         </p:sp>
         <p:sp>
           <p:nvSpPr>
-            <p:cNvPr id="17" name="pl17"/>
+            <p:cNvPr id="18" name="pl18"/>
             <p:cNvSpPr/>
             <p:nvPr/>
           </p:nvSpPr>
@@ -3728,7 +3771,7 @@
         </p:sp>
         <p:sp>
           <p:nvSpPr>
-            <p:cNvPr id="18" name="pl18"/>
+            <p:cNvPr id="19" name="pl19"/>
             <p:cNvSpPr/>
             <p:nvPr/>
           </p:nvSpPr>
@@ -3771,7 +3814,7 @@
         </p:sp>
         <p:sp>
           <p:nvSpPr>
-            <p:cNvPr id="19" name="pl19"/>
+            <p:cNvPr id="20" name="pl20"/>
             <p:cNvSpPr/>
             <p:nvPr/>
           </p:nvSpPr>
@@ -3814,14 +3857,14 @@
         </p:sp>
         <p:sp>
           <p:nvSpPr>
-            <p:cNvPr id="20" name="rc20"/>
-            <p:cNvSpPr/>
-            <p:nvPr/>
-          </p:nvSpPr>
-          <p:spPr>
-            <a:xfrm>
-              <a:off x="2226159" y="5103023"/>
-              <a:ext cx="277665" cy="13577"/>
+            <p:cNvPr id="21" name="rc21"/>
+            <p:cNvSpPr/>
+            <p:nvPr/>
+          </p:nvSpPr>
+          <p:spPr>
+            <a:xfrm>
+              <a:off x="2226159" y="4604416"/>
+              <a:ext cx="277665" cy="512183"/>
             </a:xfrm>
             <a:prstGeom prst="rect">
               <a:avLst/>
@@ -3840,14 +3883,14 @@
         </p:sp>
         <p:sp>
           <p:nvSpPr>
-            <p:cNvPr id="21" name="rc21"/>
-            <p:cNvSpPr/>
-            <p:nvPr/>
-          </p:nvSpPr>
-          <p:spPr>
-            <a:xfrm>
-              <a:off x="2534676" y="5089446"/>
-              <a:ext cx="277665" cy="27154"/>
+            <p:cNvPr id="22" name="rc22"/>
+            <p:cNvSpPr/>
+            <p:nvPr/>
+          </p:nvSpPr>
+          <p:spPr>
+            <a:xfrm>
+              <a:off x="2534676" y="1966669"/>
+              <a:ext cx="277665" cy="3149931"/>
             </a:xfrm>
             <a:prstGeom prst="rect">
               <a:avLst/>
@@ -3866,14 +3909,14 @@
         </p:sp>
         <p:sp>
           <p:nvSpPr>
-            <p:cNvPr id="22" name="rc22"/>
-            <p:cNvSpPr/>
-            <p:nvPr/>
-          </p:nvSpPr>
-          <p:spPr>
-            <a:xfrm>
-              <a:off x="2843193" y="1966669"/>
-              <a:ext cx="277665" cy="3149931"/>
+            <p:cNvPr id="23" name="rc23"/>
+            <p:cNvSpPr/>
+            <p:nvPr/>
+          </p:nvSpPr>
+          <p:spPr>
+            <a:xfrm>
+              <a:off x="2843193" y="4309911"/>
+              <a:ext cx="277665" cy="806689"/>
             </a:xfrm>
             <a:prstGeom prst="rect">
               <a:avLst/>
@@ -3892,14 +3935,14 @@
         </p:sp>
         <p:sp>
           <p:nvSpPr>
-            <p:cNvPr id="23" name="rc23"/>
-            <p:cNvSpPr/>
-            <p:nvPr/>
-          </p:nvSpPr>
-          <p:spPr>
-            <a:xfrm>
-              <a:off x="3151709" y="2333256"/>
-              <a:ext cx="277665" cy="2783344"/>
+            <p:cNvPr id="24" name="rc24"/>
+            <p:cNvSpPr/>
+            <p:nvPr/>
+          </p:nvSpPr>
+          <p:spPr>
+            <a:xfrm>
+              <a:off x="3151709" y="3951382"/>
+              <a:ext cx="277665" cy="1165218"/>
             </a:xfrm>
             <a:prstGeom prst="rect">
               <a:avLst/>
@@ -3918,7 +3961,7 @@
         </p:sp>
         <p:sp>
           <p:nvSpPr>
-            <p:cNvPr id="24" name="rc24"/>
+            <p:cNvPr id="25" name="rc25"/>
             <p:cNvSpPr/>
             <p:nvPr/>
           </p:nvSpPr>
@@ -3948,7 +3991,7 @@
         </p:sp>
         <p:sp>
           <p:nvSpPr>
-            <p:cNvPr id="25" name="rc25"/>
+            <p:cNvPr id="26" name="rc26"/>
             <p:cNvSpPr/>
             <p:nvPr/>
           </p:nvSpPr>
@@ -3974,13 +4017,13 @@
         </p:sp>
         <p:sp>
           <p:nvSpPr>
-            <p:cNvPr id="26" name="pl26"/>
-            <p:cNvSpPr/>
-            <p:nvPr/>
-          </p:nvSpPr>
-          <p:spPr>
-            <a:xfrm>
-              <a:off x="3545241" y="4777168"/>
+            <p:cNvPr id="27" name="pl27"/>
+            <p:cNvSpPr/>
+            <p:nvPr/>
+          </p:nvSpPr>
+          <p:spPr>
+            <a:xfrm>
+              <a:off x="3545241" y="4796485"/>
               <a:ext cx="1295770" cy="0"/>
             </a:xfrm>
             <a:custGeom>
@@ -4017,13 +4060,13 @@
         </p:sp>
         <p:sp>
           <p:nvSpPr>
-            <p:cNvPr id="27" name="pl27"/>
-            <p:cNvSpPr/>
-            <p:nvPr/>
-          </p:nvSpPr>
-          <p:spPr>
-            <a:xfrm>
-              <a:off x="3545241" y="4098304"/>
+            <p:cNvPr id="28" name="pl28"/>
+            <p:cNvSpPr/>
+            <p:nvPr/>
+          </p:nvSpPr>
+          <p:spPr>
+            <a:xfrm>
+              <a:off x="3545241" y="4156256"/>
               <a:ext cx="1295770" cy="0"/>
             </a:xfrm>
             <a:custGeom>
@@ -4060,13 +4103,13 @@
         </p:sp>
         <p:sp>
           <p:nvSpPr>
-            <p:cNvPr id="28" name="pl28"/>
-            <p:cNvSpPr/>
-            <p:nvPr/>
-          </p:nvSpPr>
-          <p:spPr>
-            <a:xfrm>
-              <a:off x="3545241" y="3419439"/>
+            <p:cNvPr id="29" name="pl29"/>
+            <p:cNvSpPr/>
+            <p:nvPr/>
+          </p:nvSpPr>
+          <p:spPr>
+            <a:xfrm>
+              <a:off x="3545241" y="3516026"/>
               <a:ext cx="1295770" cy="0"/>
             </a:xfrm>
             <a:custGeom>
@@ -4103,13 +4146,13 @@
         </p:sp>
         <p:sp>
           <p:nvSpPr>
-            <p:cNvPr id="29" name="pl29"/>
-            <p:cNvSpPr/>
-            <p:nvPr/>
-          </p:nvSpPr>
-          <p:spPr>
-            <a:xfrm>
-              <a:off x="3545241" y="2740575"/>
+            <p:cNvPr id="30" name="pl30"/>
+            <p:cNvSpPr/>
+            <p:nvPr/>
+          </p:nvSpPr>
+          <p:spPr>
+            <a:xfrm>
+              <a:off x="3545241" y="2875796"/>
               <a:ext cx="1295770" cy="0"/>
             </a:xfrm>
             <a:custGeom>
@@ -4146,13 +4189,13 @@
         </p:sp>
         <p:sp>
           <p:nvSpPr>
-            <p:cNvPr id="30" name="pl30"/>
-            <p:cNvSpPr/>
-            <p:nvPr/>
-          </p:nvSpPr>
-          <p:spPr>
-            <a:xfrm>
-              <a:off x="3545241" y="2061710"/>
+            <p:cNvPr id="31" name="pl31"/>
+            <p:cNvSpPr/>
+            <p:nvPr/>
+          </p:nvSpPr>
+          <p:spPr>
+            <a:xfrm>
+              <a:off x="3545241" y="2235566"/>
               <a:ext cx="1295770" cy="0"/>
             </a:xfrm>
             <a:custGeom>
@@ -4189,7 +4232,7 @@
         </p:sp>
         <p:sp>
           <p:nvSpPr>
-            <p:cNvPr id="31" name="pl31"/>
+            <p:cNvPr id="32" name="pl32"/>
             <p:cNvSpPr/>
             <p:nvPr/>
           </p:nvSpPr>
@@ -4232,13 +4275,13 @@
         </p:sp>
         <p:sp>
           <p:nvSpPr>
-            <p:cNvPr id="32" name="pl32"/>
-            <p:cNvSpPr/>
-            <p:nvPr/>
-          </p:nvSpPr>
-          <p:spPr>
-            <a:xfrm>
-              <a:off x="3545241" y="4437736"/>
+            <p:cNvPr id="33" name="pl33"/>
+            <p:cNvSpPr/>
+            <p:nvPr/>
+          </p:nvSpPr>
+          <p:spPr>
+            <a:xfrm>
+              <a:off x="3545241" y="4476370"/>
               <a:ext cx="1295770" cy="0"/>
             </a:xfrm>
             <a:custGeom>
@@ -4275,13 +4318,13 @@
         </p:sp>
         <p:sp>
           <p:nvSpPr>
-            <p:cNvPr id="33" name="pl33"/>
-            <p:cNvSpPr/>
-            <p:nvPr/>
-          </p:nvSpPr>
-          <p:spPr>
-            <a:xfrm>
-              <a:off x="3545241" y="3758871"/>
+            <p:cNvPr id="34" name="pl34"/>
+            <p:cNvSpPr/>
+            <p:nvPr/>
+          </p:nvSpPr>
+          <p:spPr>
+            <a:xfrm>
+              <a:off x="3545241" y="3836141"/>
               <a:ext cx="1295770" cy="0"/>
             </a:xfrm>
             <a:custGeom>
@@ -4318,13 +4361,13 @@
         </p:sp>
         <p:sp>
           <p:nvSpPr>
-            <p:cNvPr id="34" name="pl34"/>
-            <p:cNvSpPr/>
-            <p:nvPr/>
-          </p:nvSpPr>
-          <p:spPr>
-            <a:xfrm>
-              <a:off x="3545241" y="3080007"/>
+            <p:cNvPr id="35" name="pl35"/>
+            <p:cNvSpPr/>
+            <p:nvPr/>
+          </p:nvSpPr>
+          <p:spPr>
+            <a:xfrm>
+              <a:off x="3545241" y="3195911"/>
               <a:ext cx="1295770" cy="0"/>
             </a:xfrm>
             <a:custGeom>
@@ -4361,13 +4404,13 @@
         </p:sp>
         <p:sp>
           <p:nvSpPr>
-            <p:cNvPr id="35" name="pl35"/>
-            <p:cNvSpPr/>
-            <p:nvPr/>
-          </p:nvSpPr>
-          <p:spPr>
-            <a:xfrm>
-              <a:off x="3545241" y="2401142"/>
+            <p:cNvPr id="36" name="pl36"/>
+            <p:cNvSpPr/>
+            <p:nvPr/>
+          </p:nvSpPr>
+          <p:spPr>
+            <a:xfrm>
+              <a:off x="3545241" y="2555681"/>
               <a:ext cx="1295770" cy="0"/>
             </a:xfrm>
             <a:custGeom>
@@ -4404,7 +4447,50 @@
         </p:sp>
         <p:sp>
           <p:nvSpPr>
-            <p:cNvPr id="36" name="pl36"/>
+            <p:cNvPr id="37" name="pl37"/>
+            <p:cNvSpPr/>
+            <p:nvPr/>
+          </p:nvSpPr>
+          <p:spPr>
+            <a:xfrm>
+              <a:off x="3545241" y="1915451"/>
+              <a:ext cx="1295770" cy="0"/>
+            </a:xfrm>
+            <a:custGeom>
+              <a:avLst/>
+              <a:pathLst>
+                <a:path w="1295770" h="0">
+                  <a:moveTo>
+                    <a:pt x="0" y="0"/>
+                  </a:moveTo>
+                  <a:lnTo>
+                    <a:pt x="1295770" y="0"/>
+                  </a:lnTo>
+                  <a:lnTo>
+                    <a:pt x="1295770" y="0"/>
+                  </a:lnTo>
+                </a:path>
+              </a:pathLst>
+            </a:custGeom>
+            <a:ln w="13550" cap="flat">
+              <a:solidFill>
+                <a:srgbClr val="EBEBEB">
+                  <a:alpha val="100000"/>
+                </a:srgbClr>
+              </a:solidFill>
+              <a:prstDash val="solid"/>
+              <a:round/>
+            </a:ln>
+          </p:spPr>
+          <p:txBody>
+            <a:bodyPr/>
+            <a:lstStyle/>
+            <a:p/>
+          </p:txBody>
+        </p:sp>
+        <p:sp>
+          <p:nvSpPr>
+            <p:cNvPr id="38" name="pl38"/>
             <p:cNvSpPr/>
             <p:nvPr/>
           </p:nvSpPr>
@@ -4447,7 +4533,7 @@
         </p:sp>
         <p:sp>
           <p:nvSpPr>
-            <p:cNvPr id="37" name="pl37"/>
+            <p:cNvPr id="39" name="pl39"/>
             <p:cNvSpPr/>
             <p:nvPr/>
           </p:nvSpPr>
@@ -4490,7 +4576,7 @@
         </p:sp>
         <p:sp>
           <p:nvSpPr>
-            <p:cNvPr id="38" name="pl38"/>
+            <p:cNvPr id="40" name="pl40"/>
             <p:cNvSpPr/>
             <p:nvPr/>
           </p:nvSpPr>
@@ -4533,7 +4619,7 @@
         </p:sp>
         <p:sp>
           <p:nvSpPr>
-            <p:cNvPr id="39" name="pl39"/>
+            <p:cNvPr id="41" name="pl41"/>
             <p:cNvSpPr/>
             <p:nvPr/>
           </p:nvSpPr>
@@ -4576,14 +4662,40 @@
         </p:sp>
         <p:sp>
           <p:nvSpPr>
-            <p:cNvPr id="40" name="rc40"/>
-            <p:cNvSpPr/>
-            <p:nvPr/>
-          </p:nvSpPr>
-          <p:spPr>
-            <a:xfrm>
-              <a:off x="3900036" y="5103023"/>
-              <a:ext cx="277665" cy="13577"/>
+            <p:cNvPr id="42" name="rc42"/>
+            <p:cNvSpPr/>
+            <p:nvPr/>
+          </p:nvSpPr>
+          <p:spPr>
+            <a:xfrm>
+              <a:off x="3591519" y="4860508"/>
+              <a:ext cx="277665" cy="256091"/>
+            </a:xfrm>
+            <a:prstGeom prst="rect">
+              <a:avLst/>
+            </a:prstGeom>
+            <a:solidFill>
+              <a:srgbClr val="FEE5D9">
+                <a:alpha val="100000"/>
+              </a:srgbClr>
+            </a:solidFill>
+          </p:spPr>
+          <p:txBody>
+            <a:bodyPr/>
+            <a:lstStyle/>
+            <a:p/>
+          </p:txBody>
+        </p:sp>
+        <p:sp>
+          <p:nvSpPr>
+            <p:cNvPr id="43" name="rc43"/>
+            <p:cNvSpPr/>
+            <p:nvPr/>
+          </p:nvSpPr>
+          <p:spPr>
+            <a:xfrm>
+              <a:off x="3900036" y="3464807"/>
+              <a:ext cx="277665" cy="1651793"/>
             </a:xfrm>
             <a:prstGeom prst="rect">
               <a:avLst/>
@@ -4602,14 +4714,14 @@
         </p:sp>
         <p:sp>
           <p:nvSpPr>
-            <p:cNvPr id="41" name="rc41"/>
-            <p:cNvSpPr/>
-            <p:nvPr/>
-          </p:nvSpPr>
-          <p:spPr>
-            <a:xfrm>
-              <a:off x="4208552" y="3663830"/>
-              <a:ext cx="277665" cy="1452770"/>
+            <p:cNvPr id="44" name="rc44"/>
+            <p:cNvSpPr/>
+            <p:nvPr/>
+          </p:nvSpPr>
+          <p:spPr>
+            <a:xfrm>
+              <a:off x="4208552" y="4450761"/>
+              <a:ext cx="277665" cy="665839"/>
             </a:xfrm>
             <a:prstGeom prst="rect">
               <a:avLst/>
@@ -4628,14 +4740,14 @@
         </p:sp>
         <p:sp>
           <p:nvSpPr>
-            <p:cNvPr id="42" name="rc42"/>
-            <p:cNvSpPr/>
-            <p:nvPr/>
-          </p:nvSpPr>
-          <p:spPr>
-            <a:xfrm>
-              <a:off x="4517069" y="3066430"/>
-              <a:ext cx="277665" cy="2050170"/>
+            <p:cNvPr id="45" name="rc45"/>
+            <p:cNvSpPr/>
+            <p:nvPr/>
+          </p:nvSpPr>
+          <p:spPr>
+            <a:xfrm>
+              <a:off x="4517069" y="4373934"/>
+              <a:ext cx="277665" cy="742666"/>
             </a:xfrm>
             <a:prstGeom prst="rect">
               <a:avLst/>
@@ -4654,7 +4766,7 @@
         </p:sp>
         <p:sp>
           <p:nvSpPr>
-            <p:cNvPr id="43" name="rc43"/>
+            <p:cNvPr id="46" name="rc46"/>
             <p:cNvSpPr/>
             <p:nvPr/>
           </p:nvSpPr>
@@ -4684,7 +4796,7 @@
         </p:sp>
         <p:sp>
           <p:nvSpPr>
-            <p:cNvPr id="44" name="rc44"/>
+            <p:cNvPr id="47" name="rc47"/>
             <p:cNvSpPr/>
             <p:nvPr/>
           </p:nvSpPr>
@@ -4710,13 +4822,13 @@
         </p:sp>
         <p:sp>
           <p:nvSpPr>
-            <p:cNvPr id="45" name="pl45"/>
-            <p:cNvSpPr/>
-            <p:nvPr/>
-          </p:nvSpPr>
-          <p:spPr>
-            <a:xfrm>
-              <a:off x="4910601" y="4777168"/>
+            <p:cNvPr id="48" name="pl48"/>
+            <p:cNvSpPr/>
+            <p:nvPr/>
+          </p:nvSpPr>
+          <p:spPr>
+            <a:xfrm>
+              <a:off x="4910601" y="4796485"/>
               <a:ext cx="1295770" cy="0"/>
             </a:xfrm>
             <a:custGeom>
@@ -4753,13 +4865,13 @@
         </p:sp>
         <p:sp>
           <p:nvSpPr>
-            <p:cNvPr id="46" name="pl46"/>
-            <p:cNvSpPr/>
-            <p:nvPr/>
-          </p:nvSpPr>
-          <p:spPr>
-            <a:xfrm>
-              <a:off x="4910601" y="4098304"/>
+            <p:cNvPr id="49" name="pl49"/>
+            <p:cNvSpPr/>
+            <p:nvPr/>
+          </p:nvSpPr>
+          <p:spPr>
+            <a:xfrm>
+              <a:off x="4910601" y="4156256"/>
               <a:ext cx="1295770" cy="0"/>
             </a:xfrm>
             <a:custGeom>
@@ -4796,13 +4908,13 @@
         </p:sp>
         <p:sp>
           <p:nvSpPr>
-            <p:cNvPr id="47" name="pl47"/>
-            <p:cNvSpPr/>
-            <p:nvPr/>
-          </p:nvSpPr>
-          <p:spPr>
-            <a:xfrm>
-              <a:off x="4910601" y="3419439"/>
+            <p:cNvPr id="50" name="pl50"/>
+            <p:cNvSpPr/>
+            <p:nvPr/>
+          </p:nvSpPr>
+          <p:spPr>
+            <a:xfrm>
+              <a:off x="4910601" y="3516026"/>
               <a:ext cx="1295770" cy="0"/>
             </a:xfrm>
             <a:custGeom>
@@ -4839,13 +4951,13 @@
         </p:sp>
         <p:sp>
           <p:nvSpPr>
-            <p:cNvPr id="48" name="pl48"/>
-            <p:cNvSpPr/>
-            <p:nvPr/>
-          </p:nvSpPr>
-          <p:spPr>
-            <a:xfrm>
-              <a:off x="4910601" y="2740575"/>
+            <p:cNvPr id="51" name="pl51"/>
+            <p:cNvSpPr/>
+            <p:nvPr/>
+          </p:nvSpPr>
+          <p:spPr>
+            <a:xfrm>
+              <a:off x="4910601" y="2875796"/>
               <a:ext cx="1295770" cy="0"/>
             </a:xfrm>
             <a:custGeom>
@@ -4882,13 +4994,13 @@
         </p:sp>
         <p:sp>
           <p:nvSpPr>
-            <p:cNvPr id="49" name="pl49"/>
-            <p:cNvSpPr/>
-            <p:nvPr/>
-          </p:nvSpPr>
-          <p:spPr>
-            <a:xfrm>
-              <a:off x="4910601" y="2061710"/>
+            <p:cNvPr id="52" name="pl52"/>
+            <p:cNvSpPr/>
+            <p:nvPr/>
+          </p:nvSpPr>
+          <p:spPr>
+            <a:xfrm>
+              <a:off x="4910601" y="2235566"/>
               <a:ext cx="1295770" cy="0"/>
             </a:xfrm>
             <a:custGeom>
@@ -4925,7 +5037,7 @@
         </p:sp>
         <p:sp>
           <p:nvSpPr>
-            <p:cNvPr id="50" name="pl50"/>
+            <p:cNvPr id="53" name="pl53"/>
             <p:cNvSpPr/>
             <p:nvPr/>
           </p:nvSpPr>
@@ -4968,13 +5080,13 @@
         </p:sp>
         <p:sp>
           <p:nvSpPr>
-            <p:cNvPr id="51" name="pl51"/>
-            <p:cNvSpPr/>
-            <p:nvPr/>
-          </p:nvSpPr>
-          <p:spPr>
-            <a:xfrm>
-              <a:off x="4910601" y="4437736"/>
+            <p:cNvPr id="54" name="pl54"/>
+            <p:cNvSpPr/>
+            <p:nvPr/>
+          </p:nvSpPr>
+          <p:spPr>
+            <a:xfrm>
+              <a:off x="4910601" y="4476370"/>
               <a:ext cx="1295770" cy="0"/>
             </a:xfrm>
             <a:custGeom>
@@ -5011,13 +5123,13 @@
         </p:sp>
         <p:sp>
           <p:nvSpPr>
-            <p:cNvPr id="52" name="pl52"/>
-            <p:cNvSpPr/>
-            <p:nvPr/>
-          </p:nvSpPr>
-          <p:spPr>
-            <a:xfrm>
-              <a:off x="4910601" y="3758871"/>
+            <p:cNvPr id="55" name="pl55"/>
+            <p:cNvSpPr/>
+            <p:nvPr/>
+          </p:nvSpPr>
+          <p:spPr>
+            <a:xfrm>
+              <a:off x="4910601" y="3836141"/>
               <a:ext cx="1295770" cy="0"/>
             </a:xfrm>
             <a:custGeom>
@@ -5054,13 +5166,13 @@
         </p:sp>
         <p:sp>
           <p:nvSpPr>
-            <p:cNvPr id="53" name="pl53"/>
-            <p:cNvSpPr/>
-            <p:nvPr/>
-          </p:nvSpPr>
-          <p:spPr>
-            <a:xfrm>
-              <a:off x="4910601" y="3080007"/>
+            <p:cNvPr id="56" name="pl56"/>
+            <p:cNvSpPr/>
+            <p:nvPr/>
+          </p:nvSpPr>
+          <p:spPr>
+            <a:xfrm>
+              <a:off x="4910601" y="3195911"/>
               <a:ext cx="1295770" cy="0"/>
             </a:xfrm>
             <a:custGeom>
@@ -5097,13 +5209,13 @@
         </p:sp>
         <p:sp>
           <p:nvSpPr>
-            <p:cNvPr id="54" name="pl54"/>
-            <p:cNvSpPr/>
-            <p:nvPr/>
-          </p:nvSpPr>
-          <p:spPr>
-            <a:xfrm>
-              <a:off x="4910601" y="2401142"/>
+            <p:cNvPr id="57" name="pl57"/>
+            <p:cNvSpPr/>
+            <p:nvPr/>
+          </p:nvSpPr>
+          <p:spPr>
+            <a:xfrm>
+              <a:off x="4910601" y="2555681"/>
               <a:ext cx="1295770" cy="0"/>
             </a:xfrm>
             <a:custGeom>
@@ -5140,7 +5252,50 @@
         </p:sp>
         <p:sp>
           <p:nvSpPr>
-            <p:cNvPr id="55" name="pl55"/>
+            <p:cNvPr id="58" name="pl58"/>
+            <p:cNvSpPr/>
+            <p:nvPr/>
+          </p:nvSpPr>
+          <p:spPr>
+            <a:xfrm>
+              <a:off x="4910601" y="1915451"/>
+              <a:ext cx="1295770" cy="0"/>
+            </a:xfrm>
+            <a:custGeom>
+              <a:avLst/>
+              <a:pathLst>
+                <a:path w="1295770" h="0">
+                  <a:moveTo>
+                    <a:pt x="0" y="0"/>
+                  </a:moveTo>
+                  <a:lnTo>
+                    <a:pt x="1295770" y="0"/>
+                  </a:lnTo>
+                  <a:lnTo>
+                    <a:pt x="1295770" y="0"/>
+                  </a:lnTo>
+                </a:path>
+              </a:pathLst>
+            </a:custGeom>
+            <a:ln w="13550" cap="flat">
+              <a:solidFill>
+                <a:srgbClr val="EBEBEB">
+                  <a:alpha val="100000"/>
+                </a:srgbClr>
+              </a:solidFill>
+              <a:prstDash val="solid"/>
+              <a:round/>
+            </a:ln>
+          </p:spPr>
+          <p:txBody>
+            <a:bodyPr/>
+            <a:lstStyle/>
+            <a:p/>
+          </p:txBody>
+        </p:sp>
+        <p:sp>
+          <p:nvSpPr>
+            <p:cNvPr id="59" name="pl59"/>
             <p:cNvSpPr/>
             <p:nvPr/>
           </p:nvSpPr>
@@ -5183,7 +5338,7 @@
         </p:sp>
         <p:sp>
           <p:nvSpPr>
-            <p:cNvPr id="56" name="pl56"/>
+            <p:cNvPr id="60" name="pl60"/>
             <p:cNvSpPr/>
             <p:nvPr/>
           </p:nvSpPr>
@@ -5226,7 +5381,7 @@
         </p:sp>
         <p:sp>
           <p:nvSpPr>
-            <p:cNvPr id="57" name="pl57"/>
+            <p:cNvPr id="61" name="pl61"/>
             <p:cNvSpPr/>
             <p:nvPr/>
           </p:nvSpPr>
@@ -5269,7 +5424,7 @@
         </p:sp>
         <p:sp>
           <p:nvSpPr>
-            <p:cNvPr id="58" name="pl58"/>
+            <p:cNvPr id="62" name="pl62"/>
             <p:cNvSpPr/>
             <p:nvPr/>
           </p:nvSpPr>
@@ -5312,14 +5467,40 @@
         </p:sp>
         <p:sp>
           <p:nvSpPr>
-            <p:cNvPr id="59" name="rc59"/>
-            <p:cNvSpPr/>
-            <p:nvPr/>
-          </p:nvSpPr>
-          <p:spPr>
-            <a:xfrm>
-              <a:off x="5265396" y="5089446"/>
-              <a:ext cx="277665" cy="27154"/>
+            <p:cNvPr id="63" name="rc63"/>
+            <p:cNvSpPr/>
+            <p:nvPr/>
+          </p:nvSpPr>
+          <p:spPr>
+            <a:xfrm>
+              <a:off x="4956879" y="5014164"/>
+              <a:ext cx="277665" cy="102436"/>
+            </a:xfrm>
+            <a:prstGeom prst="rect">
+              <a:avLst/>
+            </a:prstGeom>
+            <a:solidFill>
+              <a:srgbClr val="FEE5D9">
+                <a:alpha val="100000"/>
+              </a:srgbClr>
+            </a:solidFill>
+          </p:spPr>
+          <p:txBody>
+            <a:bodyPr/>
+            <a:lstStyle/>
+            <a:p/>
+          </p:txBody>
+        </p:sp>
+        <p:sp>
+          <p:nvSpPr>
+            <p:cNvPr id="64" name="rc64"/>
+            <p:cNvSpPr/>
+            <p:nvPr/>
+          </p:nvSpPr>
+          <p:spPr>
+            <a:xfrm>
+              <a:off x="5265396" y="4617221"/>
+              <a:ext cx="277665" cy="499379"/>
             </a:xfrm>
             <a:prstGeom prst="rect">
               <a:avLst/>
@@ -5338,14 +5519,14 @@
         </p:sp>
         <p:sp>
           <p:nvSpPr>
-            <p:cNvPr id="60" name="rc60"/>
-            <p:cNvSpPr/>
-            <p:nvPr/>
-          </p:nvSpPr>
-          <p:spPr>
-            <a:xfrm>
-              <a:off x="5573912" y="4763591"/>
-              <a:ext cx="277665" cy="353009"/>
+            <p:cNvPr id="65" name="rc65"/>
+            <p:cNvSpPr/>
+            <p:nvPr/>
+          </p:nvSpPr>
+          <p:spPr>
+            <a:xfrm>
+              <a:off x="5573912" y="4898922"/>
+              <a:ext cx="277665" cy="217678"/>
             </a:xfrm>
             <a:prstGeom prst="rect">
               <a:avLst/>
@@ -5364,14 +5545,14 @@
         </p:sp>
         <p:sp>
           <p:nvSpPr>
-            <p:cNvPr id="61" name="rc61"/>
-            <p:cNvSpPr/>
-            <p:nvPr/>
-          </p:nvSpPr>
-          <p:spPr>
-            <a:xfrm>
-              <a:off x="5882429" y="4329118"/>
-              <a:ext cx="277665" cy="787482"/>
+            <p:cNvPr id="66" name="rc66"/>
+            <p:cNvSpPr/>
+            <p:nvPr/>
+          </p:nvSpPr>
+          <p:spPr>
+            <a:xfrm>
+              <a:off x="5882429" y="4834899"/>
+              <a:ext cx="277665" cy="281701"/>
             </a:xfrm>
             <a:prstGeom prst="rect">
               <a:avLst/>
@@ -5390,7 +5571,7 @@
         </p:sp>
         <p:sp>
           <p:nvSpPr>
-            <p:cNvPr id="62" name="rc62"/>
+            <p:cNvPr id="67" name="rc67"/>
             <p:cNvSpPr/>
             <p:nvPr/>
           </p:nvSpPr>
@@ -5420,7 +5601,7 @@
         </p:sp>
         <p:sp>
           <p:nvSpPr>
-            <p:cNvPr id="63" name="rc63"/>
+            <p:cNvPr id="68" name="rc68"/>
             <p:cNvSpPr/>
             <p:nvPr/>
           </p:nvSpPr>
@@ -5446,13 +5627,13 @@
         </p:sp>
         <p:sp>
           <p:nvSpPr>
-            <p:cNvPr id="64" name="pl64"/>
-            <p:cNvSpPr/>
-            <p:nvPr/>
-          </p:nvSpPr>
-          <p:spPr>
-            <a:xfrm>
-              <a:off x="6275961" y="4777168"/>
+            <p:cNvPr id="69" name="pl69"/>
+            <p:cNvSpPr/>
+            <p:nvPr/>
+          </p:nvSpPr>
+          <p:spPr>
+            <a:xfrm>
+              <a:off x="6275961" y="4796485"/>
               <a:ext cx="1295770" cy="0"/>
             </a:xfrm>
             <a:custGeom>
@@ -5489,13 +5670,13 @@
         </p:sp>
         <p:sp>
           <p:nvSpPr>
-            <p:cNvPr id="65" name="pl65"/>
-            <p:cNvSpPr/>
-            <p:nvPr/>
-          </p:nvSpPr>
-          <p:spPr>
-            <a:xfrm>
-              <a:off x="6275961" y="4098304"/>
+            <p:cNvPr id="70" name="pl70"/>
+            <p:cNvSpPr/>
+            <p:nvPr/>
+          </p:nvSpPr>
+          <p:spPr>
+            <a:xfrm>
+              <a:off x="6275961" y="4156256"/>
               <a:ext cx="1295770" cy="0"/>
             </a:xfrm>
             <a:custGeom>
@@ -5532,13 +5713,13 @@
         </p:sp>
         <p:sp>
           <p:nvSpPr>
-            <p:cNvPr id="66" name="pl66"/>
-            <p:cNvSpPr/>
-            <p:nvPr/>
-          </p:nvSpPr>
-          <p:spPr>
-            <a:xfrm>
-              <a:off x="6275961" y="3419439"/>
+            <p:cNvPr id="71" name="pl71"/>
+            <p:cNvSpPr/>
+            <p:nvPr/>
+          </p:nvSpPr>
+          <p:spPr>
+            <a:xfrm>
+              <a:off x="6275961" y="3516026"/>
               <a:ext cx="1295770" cy="0"/>
             </a:xfrm>
             <a:custGeom>
@@ -5575,13 +5756,13 @@
         </p:sp>
         <p:sp>
           <p:nvSpPr>
-            <p:cNvPr id="67" name="pl67"/>
-            <p:cNvSpPr/>
-            <p:nvPr/>
-          </p:nvSpPr>
-          <p:spPr>
-            <a:xfrm>
-              <a:off x="6275961" y="2740575"/>
+            <p:cNvPr id="72" name="pl72"/>
+            <p:cNvSpPr/>
+            <p:nvPr/>
+          </p:nvSpPr>
+          <p:spPr>
+            <a:xfrm>
+              <a:off x="6275961" y="2875796"/>
               <a:ext cx="1295770" cy="0"/>
             </a:xfrm>
             <a:custGeom>
@@ -5618,13 +5799,13 @@
         </p:sp>
         <p:sp>
           <p:nvSpPr>
-            <p:cNvPr id="68" name="pl68"/>
-            <p:cNvSpPr/>
-            <p:nvPr/>
-          </p:nvSpPr>
-          <p:spPr>
-            <a:xfrm>
-              <a:off x="6275961" y="2061710"/>
+            <p:cNvPr id="73" name="pl73"/>
+            <p:cNvSpPr/>
+            <p:nvPr/>
+          </p:nvSpPr>
+          <p:spPr>
+            <a:xfrm>
+              <a:off x="6275961" y="2235566"/>
               <a:ext cx="1295770" cy="0"/>
             </a:xfrm>
             <a:custGeom>
@@ -5661,7 +5842,7 @@
         </p:sp>
         <p:sp>
           <p:nvSpPr>
-            <p:cNvPr id="69" name="pl69"/>
+            <p:cNvPr id="74" name="pl74"/>
             <p:cNvSpPr/>
             <p:nvPr/>
           </p:nvSpPr>
@@ -5704,13 +5885,13 @@
         </p:sp>
         <p:sp>
           <p:nvSpPr>
-            <p:cNvPr id="70" name="pl70"/>
-            <p:cNvSpPr/>
-            <p:nvPr/>
-          </p:nvSpPr>
-          <p:spPr>
-            <a:xfrm>
-              <a:off x="6275961" y="4437736"/>
+            <p:cNvPr id="75" name="pl75"/>
+            <p:cNvSpPr/>
+            <p:nvPr/>
+          </p:nvSpPr>
+          <p:spPr>
+            <a:xfrm>
+              <a:off x="6275961" y="4476370"/>
               <a:ext cx="1295770" cy="0"/>
             </a:xfrm>
             <a:custGeom>
@@ -5747,13 +5928,13 @@
         </p:sp>
         <p:sp>
           <p:nvSpPr>
-            <p:cNvPr id="71" name="pl71"/>
-            <p:cNvSpPr/>
-            <p:nvPr/>
-          </p:nvSpPr>
-          <p:spPr>
-            <a:xfrm>
-              <a:off x="6275961" y="3758871"/>
+            <p:cNvPr id="76" name="pl76"/>
+            <p:cNvSpPr/>
+            <p:nvPr/>
+          </p:nvSpPr>
+          <p:spPr>
+            <a:xfrm>
+              <a:off x="6275961" y="3836141"/>
               <a:ext cx="1295770" cy="0"/>
             </a:xfrm>
             <a:custGeom>
@@ -5790,13 +5971,13 @@
         </p:sp>
         <p:sp>
           <p:nvSpPr>
-            <p:cNvPr id="72" name="pl72"/>
-            <p:cNvSpPr/>
-            <p:nvPr/>
-          </p:nvSpPr>
-          <p:spPr>
-            <a:xfrm>
-              <a:off x="6275961" y="3080007"/>
+            <p:cNvPr id="77" name="pl77"/>
+            <p:cNvSpPr/>
+            <p:nvPr/>
+          </p:nvSpPr>
+          <p:spPr>
+            <a:xfrm>
+              <a:off x="6275961" y="3195911"/>
               <a:ext cx="1295770" cy="0"/>
             </a:xfrm>
             <a:custGeom>
@@ -5833,13 +6014,13 @@
         </p:sp>
         <p:sp>
           <p:nvSpPr>
-            <p:cNvPr id="73" name="pl73"/>
-            <p:cNvSpPr/>
-            <p:nvPr/>
-          </p:nvSpPr>
-          <p:spPr>
-            <a:xfrm>
-              <a:off x="6275961" y="2401142"/>
+            <p:cNvPr id="78" name="pl78"/>
+            <p:cNvSpPr/>
+            <p:nvPr/>
+          </p:nvSpPr>
+          <p:spPr>
+            <a:xfrm>
+              <a:off x="6275961" y="2555681"/>
               <a:ext cx="1295770" cy="0"/>
             </a:xfrm>
             <a:custGeom>
@@ -5876,7 +6057,50 @@
         </p:sp>
         <p:sp>
           <p:nvSpPr>
-            <p:cNvPr id="74" name="pl74"/>
+            <p:cNvPr id="79" name="pl79"/>
+            <p:cNvSpPr/>
+            <p:nvPr/>
+          </p:nvSpPr>
+          <p:spPr>
+            <a:xfrm>
+              <a:off x="6275961" y="1915451"/>
+              <a:ext cx="1295770" cy="0"/>
+            </a:xfrm>
+            <a:custGeom>
+              <a:avLst/>
+              <a:pathLst>
+                <a:path w="1295770" h="0">
+                  <a:moveTo>
+                    <a:pt x="0" y="0"/>
+                  </a:moveTo>
+                  <a:lnTo>
+                    <a:pt x="1295770" y="0"/>
+                  </a:lnTo>
+                  <a:lnTo>
+                    <a:pt x="1295770" y="0"/>
+                  </a:lnTo>
+                </a:path>
+              </a:pathLst>
+            </a:custGeom>
+            <a:ln w="13550" cap="flat">
+              <a:solidFill>
+                <a:srgbClr val="EBEBEB">
+                  <a:alpha val="100000"/>
+                </a:srgbClr>
+              </a:solidFill>
+              <a:prstDash val="solid"/>
+              <a:round/>
+            </a:ln>
+          </p:spPr>
+          <p:txBody>
+            <a:bodyPr/>
+            <a:lstStyle/>
+            <a:p/>
+          </p:txBody>
+        </p:sp>
+        <p:sp>
+          <p:nvSpPr>
+            <p:cNvPr id="80" name="pl80"/>
             <p:cNvSpPr/>
             <p:nvPr/>
           </p:nvSpPr>
@@ -5919,7 +6143,7 @@
         </p:sp>
         <p:sp>
           <p:nvSpPr>
-            <p:cNvPr id="75" name="pl75"/>
+            <p:cNvPr id="81" name="pl81"/>
             <p:cNvSpPr/>
             <p:nvPr/>
           </p:nvSpPr>
@@ -5962,7 +6186,7 @@
         </p:sp>
         <p:sp>
           <p:nvSpPr>
-            <p:cNvPr id="76" name="pl76"/>
+            <p:cNvPr id="82" name="pl82"/>
             <p:cNvSpPr/>
             <p:nvPr/>
           </p:nvSpPr>
@@ -6005,7 +6229,7 @@
         </p:sp>
         <p:sp>
           <p:nvSpPr>
-            <p:cNvPr id="77" name="pl77"/>
+            <p:cNvPr id="83" name="pl83"/>
             <p:cNvSpPr/>
             <p:nvPr/>
           </p:nvSpPr>
@@ -6048,14 +6272,66 @@
         </p:sp>
         <p:sp>
           <p:nvSpPr>
-            <p:cNvPr id="78" name="rc78"/>
-            <p:cNvSpPr/>
-            <p:nvPr/>
-          </p:nvSpPr>
-          <p:spPr>
-            <a:xfrm>
-              <a:off x="6939272" y="4627818"/>
-              <a:ext cx="277665" cy="488782"/>
+            <p:cNvPr id="84" name="rc84"/>
+            <p:cNvSpPr/>
+            <p:nvPr/>
+          </p:nvSpPr>
+          <p:spPr>
+            <a:xfrm>
+              <a:off x="6322239" y="5001359"/>
+              <a:ext cx="277665" cy="115241"/>
+            </a:xfrm>
+            <a:prstGeom prst="rect">
+              <a:avLst/>
+            </a:prstGeom>
+            <a:solidFill>
+              <a:srgbClr val="FEE5D9">
+                <a:alpha val="100000"/>
+              </a:srgbClr>
+            </a:solidFill>
+          </p:spPr>
+          <p:txBody>
+            <a:bodyPr/>
+            <a:lstStyle/>
+            <a:p/>
+          </p:txBody>
+        </p:sp>
+        <p:sp>
+          <p:nvSpPr>
+            <p:cNvPr id="85" name="rc85"/>
+            <p:cNvSpPr/>
+            <p:nvPr/>
+          </p:nvSpPr>
+          <p:spPr>
+            <a:xfrm>
+              <a:off x="6630755" y="4578807"/>
+              <a:ext cx="277665" cy="537793"/>
+            </a:xfrm>
+            <a:prstGeom prst="rect">
+              <a:avLst/>
+            </a:prstGeom>
+            <a:solidFill>
+              <a:srgbClr val="FCAE91">
+                <a:alpha val="100000"/>
+              </a:srgbClr>
+            </a:solidFill>
+          </p:spPr>
+          <p:txBody>
+            <a:bodyPr/>
+            <a:lstStyle/>
+            <a:p/>
+          </p:txBody>
+        </p:sp>
+        <p:sp>
+          <p:nvSpPr>
+            <p:cNvPr id="86" name="rc86"/>
+            <p:cNvSpPr/>
+            <p:nvPr/>
+          </p:nvSpPr>
+          <p:spPr>
+            <a:xfrm>
+              <a:off x="6939272" y="4988554"/>
+              <a:ext cx="277665" cy="128045"/>
             </a:xfrm>
             <a:prstGeom prst="rect">
               <a:avLst/>
@@ -6074,14 +6350,14 @@
         </p:sp>
         <p:sp>
           <p:nvSpPr>
-            <p:cNvPr id="79" name="rc79"/>
-            <p:cNvSpPr/>
-            <p:nvPr/>
-          </p:nvSpPr>
-          <p:spPr>
-            <a:xfrm>
-              <a:off x="7247789" y="4654973"/>
-              <a:ext cx="277665" cy="461627"/>
+            <p:cNvPr id="87" name="rc87"/>
+            <p:cNvSpPr/>
+            <p:nvPr/>
+          </p:nvSpPr>
+          <p:spPr>
+            <a:xfrm>
+              <a:off x="7247789" y="5001359"/>
+              <a:ext cx="277665" cy="115241"/>
             </a:xfrm>
             <a:prstGeom prst="rect">
               <a:avLst/>
@@ -6100,7 +6376,7 @@
         </p:sp>
         <p:sp>
           <p:nvSpPr>
-            <p:cNvPr id="80" name="rc80"/>
+            <p:cNvPr id="88" name="rc88"/>
             <p:cNvSpPr/>
             <p:nvPr/>
           </p:nvSpPr>
@@ -6130,7 +6406,7 @@
         </p:sp>
         <p:sp>
           <p:nvSpPr>
-            <p:cNvPr id="81" name="rc81"/>
+            <p:cNvPr id="89" name="rc89"/>
             <p:cNvSpPr/>
             <p:nvPr/>
           </p:nvSpPr>
@@ -6156,13 +6432,13 @@
         </p:sp>
         <p:sp>
           <p:nvSpPr>
-            <p:cNvPr id="82" name="pl82"/>
-            <p:cNvSpPr/>
-            <p:nvPr/>
-          </p:nvSpPr>
-          <p:spPr>
-            <a:xfrm>
-              <a:off x="7641321" y="4777168"/>
+            <p:cNvPr id="90" name="pl90"/>
+            <p:cNvSpPr/>
+            <p:nvPr/>
+          </p:nvSpPr>
+          <p:spPr>
+            <a:xfrm>
+              <a:off x="7641321" y="4796485"/>
               <a:ext cx="1295770" cy="0"/>
             </a:xfrm>
             <a:custGeom>
@@ -6199,13 +6475,13 @@
         </p:sp>
         <p:sp>
           <p:nvSpPr>
-            <p:cNvPr id="83" name="pl83"/>
-            <p:cNvSpPr/>
-            <p:nvPr/>
-          </p:nvSpPr>
-          <p:spPr>
-            <a:xfrm>
-              <a:off x="7641321" y="4098304"/>
+            <p:cNvPr id="91" name="pl91"/>
+            <p:cNvSpPr/>
+            <p:nvPr/>
+          </p:nvSpPr>
+          <p:spPr>
+            <a:xfrm>
+              <a:off x="7641321" y="4156256"/>
               <a:ext cx="1295770" cy="0"/>
             </a:xfrm>
             <a:custGeom>
@@ -6242,13 +6518,13 @@
         </p:sp>
         <p:sp>
           <p:nvSpPr>
-            <p:cNvPr id="84" name="pl84"/>
-            <p:cNvSpPr/>
-            <p:nvPr/>
-          </p:nvSpPr>
-          <p:spPr>
-            <a:xfrm>
-              <a:off x="7641321" y="3419439"/>
+            <p:cNvPr id="92" name="pl92"/>
+            <p:cNvSpPr/>
+            <p:nvPr/>
+          </p:nvSpPr>
+          <p:spPr>
+            <a:xfrm>
+              <a:off x="7641321" y="3516026"/>
               <a:ext cx="1295770" cy="0"/>
             </a:xfrm>
             <a:custGeom>
@@ -6285,13 +6561,13 @@
         </p:sp>
         <p:sp>
           <p:nvSpPr>
-            <p:cNvPr id="85" name="pl85"/>
-            <p:cNvSpPr/>
-            <p:nvPr/>
-          </p:nvSpPr>
-          <p:spPr>
-            <a:xfrm>
-              <a:off x="7641321" y="2740575"/>
+            <p:cNvPr id="93" name="pl93"/>
+            <p:cNvSpPr/>
+            <p:nvPr/>
+          </p:nvSpPr>
+          <p:spPr>
+            <a:xfrm>
+              <a:off x="7641321" y="2875796"/>
               <a:ext cx="1295770" cy="0"/>
             </a:xfrm>
             <a:custGeom>
@@ -6328,13 +6604,13 @@
         </p:sp>
         <p:sp>
           <p:nvSpPr>
-            <p:cNvPr id="86" name="pl86"/>
-            <p:cNvSpPr/>
-            <p:nvPr/>
-          </p:nvSpPr>
-          <p:spPr>
-            <a:xfrm>
-              <a:off x="7641321" y="2061710"/>
+            <p:cNvPr id="94" name="pl94"/>
+            <p:cNvSpPr/>
+            <p:nvPr/>
+          </p:nvSpPr>
+          <p:spPr>
+            <a:xfrm>
+              <a:off x="7641321" y="2235566"/>
               <a:ext cx="1295770" cy="0"/>
             </a:xfrm>
             <a:custGeom>
@@ -6371,7 +6647,7 @@
         </p:sp>
         <p:sp>
           <p:nvSpPr>
-            <p:cNvPr id="87" name="pl87"/>
+            <p:cNvPr id="95" name="pl95"/>
             <p:cNvSpPr/>
             <p:nvPr/>
           </p:nvSpPr>
@@ -6414,13 +6690,13 @@
         </p:sp>
         <p:sp>
           <p:nvSpPr>
-            <p:cNvPr id="88" name="pl88"/>
-            <p:cNvSpPr/>
-            <p:nvPr/>
-          </p:nvSpPr>
-          <p:spPr>
-            <a:xfrm>
-              <a:off x="7641321" y="4437736"/>
+            <p:cNvPr id="96" name="pl96"/>
+            <p:cNvSpPr/>
+            <p:nvPr/>
+          </p:nvSpPr>
+          <p:spPr>
+            <a:xfrm>
+              <a:off x="7641321" y="4476370"/>
               <a:ext cx="1295770" cy="0"/>
             </a:xfrm>
             <a:custGeom>
@@ -6457,13 +6733,13 @@
         </p:sp>
         <p:sp>
           <p:nvSpPr>
-            <p:cNvPr id="89" name="pl89"/>
-            <p:cNvSpPr/>
-            <p:nvPr/>
-          </p:nvSpPr>
-          <p:spPr>
-            <a:xfrm>
-              <a:off x="7641321" y="3758871"/>
+            <p:cNvPr id="97" name="pl97"/>
+            <p:cNvSpPr/>
+            <p:nvPr/>
+          </p:nvSpPr>
+          <p:spPr>
+            <a:xfrm>
+              <a:off x="7641321" y="3836141"/>
               <a:ext cx="1295770" cy="0"/>
             </a:xfrm>
             <a:custGeom>
@@ -6500,13 +6776,13 @@
         </p:sp>
         <p:sp>
           <p:nvSpPr>
-            <p:cNvPr id="90" name="pl90"/>
-            <p:cNvSpPr/>
-            <p:nvPr/>
-          </p:nvSpPr>
-          <p:spPr>
-            <a:xfrm>
-              <a:off x="7641321" y="3080007"/>
+            <p:cNvPr id="98" name="pl98"/>
+            <p:cNvSpPr/>
+            <p:nvPr/>
+          </p:nvSpPr>
+          <p:spPr>
+            <a:xfrm>
+              <a:off x="7641321" y="3195911"/>
               <a:ext cx="1295770" cy="0"/>
             </a:xfrm>
             <a:custGeom>
@@ -6543,13 +6819,13 @@
         </p:sp>
         <p:sp>
           <p:nvSpPr>
-            <p:cNvPr id="91" name="pl91"/>
-            <p:cNvSpPr/>
-            <p:nvPr/>
-          </p:nvSpPr>
-          <p:spPr>
-            <a:xfrm>
-              <a:off x="7641321" y="2401142"/>
+            <p:cNvPr id="99" name="pl99"/>
+            <p:cNvSpPr/>
+            <p:nvPr/>
+          </p:nvSpPr>
+          <p:spPr>
+            <a:xfrm>
+              <a:off x="7641321" y="2555681"/>
               <a:ext cx="1295770" cy="0"/>
             </a:xfrm>
             <a:custGeom>
@@ -6586,7 +6862,50 @@
         </p:sp>
         <p:sp>
           <p:nvSpPr>
-            <p:cNvPr id="92" name="pl92"/>
+            <p:cNvPr id="100" name="pl100"/>
+            <p:cNvSpPr/>
+            <p:nvPr/>
+          </p:nvSpPr>
+          <p:spPr>
+            <a:xfrm>
+              <a:off x="7641321" y="1915451"/>
+              <a:ext cx="1295770" cy="0"/>
+            </a:xfrm>
+            <a:custGeom>
+              <a:avLst/>
+              <a:pathLst>
+                <a:path w="1295770" h="0">
+                  <a:moveTo>
+                    <a:pt x="0" y="0"/>
+                  </a:moveTo>
+                  <a:lnTo>
+                    <a:pt x="1295770" y="0"/>
+                  </a:lnTo>
+                  <a:lnTo>
+                    <a:pt x="1295770" y="0"/>
+                  </a:lnTo>
+                </a:path>
+              </a:pathLst>
+            </a:custGeom>
+            <a:ln w="13550" cap="flat">
+              <a:solidFill>
+                <a:srgbClr val="EBEBEB">
+                  <a:alpha val="100000"/>
+                </a:srgbClr>
+              </a:solidFill>
+              <a:prstDash val="solid"/>
+              <a:round/>
+            </a:ln>
+          </p:spPr>
+          <p:txBody>
+            <a:bodyPr/>
+            <a:lstStyle/>
+            <a:p/>
+          </p:txBody>
+        </p:sp>
+        <p:sp>
+          <p:nvSpPr>
+            <p:cNvPr id="101" name="pl101"/>
             <p:cNvSpPr/>
             <p:nvPr/>
           </p:nvSpPr>
@@ -6629,7 +6948,7 @@
         </p:sp>
         <p:sp>
           <p:nvSpPr>
-            <p:cNvPr id="93" name="pl93"/>
+            <p:cNvPr id="102" name="pl102"/>
             <p:cNvSpPr/>
             <p:nvPr/>
           </p:nvSpPr>
@@ -6672,7 +6991,7 @@
         </p:sp>
         <p:sp>
           <p:nvSpPr>
-            <p:cNvPr id="94" name="pl94"/>
+            <p:cNvPr id="103" name="pl103"/>
             <p:cNvSpPr/>
             <p:nvPr/>
           </p:nvSpPr>
@@ -6715,7 +7034,7 @@
         </p:sp>
         <p:sp>
           <p:nvSpPr>
-            <p:cNvPr id="95" name="pl95"/>
+            <p:cNvPr id="104" name="pl104"/>
             <p:cNvSpPr/>
             <p:nvPr/>
           </p:nvSpPr>
@@ -6758,14 +7077,40 @@
         </p:sp>
         <p:sp>
           <p:nvSpPr>
-            <p:cNvPr id="96" name="rc96"/>
-            <p:cNvSpPr/>
-            <p:nvPr/>
-          </p:nvSpPr>
-          <p:spPr>
-            <a:xfrm>
-              <a:off x="7996115" y="5103023"/>
-              <a:ext cx="277665" cy="13577"/>
+            <p:cNvPr id="105" name="rc105"/>
+            <p:cNvSpPr/>
+            <p:nvPr/>
+          </p:nvSpPr>
+          <p:spPr>
+            <a:xfrm>
+              <a:off x="7687599" y="5039773"/>
+              <a:ext cx="277665" cy="76827"/>
+            </a:xfrm>
+            <a:prstGeom prst="rect">
+              <a:avLst/>
+            </a:prstGeom>
+            <a:solidFill>
+              <a:srgbClr val="FEE5D9">
+                <a:alpha val="100000"/>
+              </a:srgbClr>
+            </a:solidFill>
+          </p:spPr>
+          <p:txBody>
+            <a:bodyPr/>
+            <a:lstStyle/>
+            <a:p/>
+          </p:txBody>
+        </p:sp>
+        <p:sp>
+          <p:nvSpPr>
+            <p:cNvPr id="106" name="rc106"/>
+            <p:cNvSpPr/>
+            <p:nvPr/>
+          </p:nvSpPr>
+          <p:spPr>
+            <a:xfrm>
+              <a:off x="7996115" y="4489175"/>
+              <a:ext cx="277665" cy="627425"/>
             </a:xfrm>
             <a:prstGeom prst="rect">
               <a:avLst/>
@@ -6784,14 +7129,14 @@
         </p:sp>
         <p:sp>
           <p:nvSpPr>
-            <p:cNvPr id="97" name="rc97"/>
-            <p:cNvSpPr/>
-            <p:nvPr/>
-          </p:nvSpPr>
-          <p:spPr>
-            <a:xfrm>
-              <a:off x="8304632" y="4329118"/>
-              <a:ext cx="277665" cy="787482"/>
+            <p:cNvPr id="107" name="rc107"/>
+            <p:cNvSpPr/>
+            <p:nvPr/>
+          </p:nvSpPr>
+          <p:spPr>
+            <a:xfrm>
+              <a:off x="8304632" y="4860508"/>
+              <a:ext cx="277665" cy="256091"/>
             </a:xfrm>
             <a:prstGeom prst="rect">
               <a:avLst/>
@@ -6810,14 +7155,14 @@
         </p:sp>
         <p:sp>
           <p:nvSpPr>
-            <p:cNvPr id="98" name="rc98"/>
-            <p:cNvSpPr/>
-            <p:nvPr/>
-          </p:nvSpPr>
-          <p:spPr>
-            <a:xfrm>
-              <a:off x="8613149" y="4587086"/>
-              <a:ext cx="277665" cy="529514"/>
+            <p:cNvPr id="108" name="rc108"/>
+            <p:cNvSpPr/>
+            <p:nvPr/>
+          </p:nvSpPr>
+          <p:spPr>
+            <a:xfrm>
+              <a:off x="8613149" y="4822095"/>
+              <a:ext cx="277665" cy="294505"/>
             </a:xfrm>
             <a:prstGeom prst="rect">
               <a:avLst/>
@@ -6836,7 +7181,7 @@
         </p:sp>
         <p:sp>
           <p:nvSpPr>
-            <p:cNvPr id="99" name="rc99"/>
+            <p:cNvPr id="109" name="rc109"/>
             <p:cNvSpPr/>
             <p:nvPr/>
           </p:nvSpPr>
@@ -6866,7 +7211,7 @@
         </p:sp>
         <p:sp>
           <p:nvSpPr>
-            <p:cNvPr id="100" name="rc100"/>
+            <p:cNvPr id="110" name="rc110"/>
             <p:cNvSpPr/>
             <p:nvPr/>
           </p:nvSpPr>
@@ -6901,7 +7246,7 @@
         </p:sp>
         <p:sp>
           <p:nvSpPr>
-            <p:cNvPr id="101" name="tx101"/>
+            <p:cNvPr id="111" name="tx111"/>
             <p:cNvSpPr/>
             <p:nvPr/>
           </p:nvSpPr>
@@ -6947,7 +7292,7 @@
         </p:sp>
         <p:sp>
           <p:nvSpPr>
-            <p:cNvPr id="102" name="rc102"/>
+            <p:cNvPr id="112" name="rc112"/>
             <p:cNvSpPr/>
             <p:nvPr/>
           </p:nvSpPr>
@@ -6982,7 +7327,7 @@
         </p:sp>
         <p:sp>
           <p:nvSpPr>
-            <p:cNvPr id="103" name="tx103"/>
+            <p:cNvPr id="113" name="tx113"/>
             <p:cNvSpPr/>
             <p:nvPr/>
           </p:nvSpPr>
@@ -7028,7 +7373,7 @@
         </p:sp>
         <p:sp>
           <p:nvSpPr>
-            <p:cNvPr id="104" name="rc104"/>
+            <p:cNvPr id="114" name="rc114"/>
             <p:cNvSpPr/>
             <p:nvPr/>
           </p:nvSpPr>
@@ -7063,7 +7408,7 @@
         </p:sp>
         <p:sp>
           <p:nvSpPr>
-            <p:cNvPr id="105" name="tx105"/>
+            <p:cNvPr id="115" name="tx115"/>
             <p:cNvSpPr/>
             <p:nvPr/>
           </p:nvSpPr>
@@ -7109,7 +7454,7 @@
         </p:sp>
         <p:sp>
           <p:nvSpPr>
-            <p:cNvPr id="106" name="rc106"/>
+            <p:cNvPr id="116" name="rc116"/>
             <p:cNvSpPr/>
             <p:nvPr/>
           </p:nvSpPr>
@@ -7144,7 +7489,7 @@
         </p:sp>
         <p:sp>
           <p:nvSpPr>
-            <p:cNvPr id="107" name="tx107"/>
+            <p:cNvPr id="117" name="tx117"/>
             <p:cNvSpPr/>
             <p:nvPr/>
           </p:nvSpPr>
@@ -7190,7 +7535,7 @@
         </p:sp>
         <p:sp>
           <p:nvSpPr>
-            <p:cNvPr id="108" name="rc108"/>
+            <p:cNvPr id="118" name="rc118"/>
             <p:cNvSpPr/>
             <p:nvPr/>
           </p:nvSpPr>
@@ -7225,7 +7570,7 @@
         </p:sp>
         <p:sp>
           <p:nvSpPr>
-            <p:cNvPr id="109" name="tx109"/>
+            <p:cNvPr id="119" name="tx119"/>
             <p:cNvSpPr/>
             <p:nvPr/>
           </p:nvSpPr>
@@ -7271,7 +7616,7 @@
         </p:sp>
         <p:sp>
           <p:nvSpPr>
-            <p:cNvPr id="110" name="pl110"/>
+            <p:cNvPr id="120" name="pl120"/>
             <p:cNvSpPr/>
             <p:nvPr/>
           </p:nvSpPr>
@@ -7311,7 +7656,7 @@
         </p:sp>
         <p:sp>
           <p:nvSpPr>
-            <p:cNvPr id="111" name="pl111"/>
+            <p:cNvPr id="121" name="pl121"/>
             <p:cNvSpPr/>
             <p:nvPr/>
           </p:nvSpPr>
@@ -7351,7 +7696,7 @@
         </p:sp>
         <p:sp>
           <p:nvSpPr>
-            <p:cNvPr id="112" name="pl112"/>
+            <p:cNvPr id="122" name="pl122"/>
             <p:cNvSpPr/>
             <p:nvPr/>
           </p:nvSpPr>
@@ -7391,7 +7736,7 @@
         </p:sp>
         <p:sp>
           <p:nvSpPr>
-            <p:cNvPr id="113" name="pl113"/>
+            <p:cNvPr id="123" name="pl123"/>
             <p:cNvSpPr/>
             <p:nvPr/>
           </p:nvSpPr>
@@ -7431,7 +7776,7 @@
         </p:sp>
         <p:sp>
           <p:nvSpPr>
-            <p:cNvPr id="114" name="pl114"/>
+            <p:cNvPr id="124" name="pl124"/>
             <p:cNvSpPr/>
             <p:nvPr/>
           </p:nvSpPr>
@@ -7471,7 +7816,7 @@
         </p:sp>
         <p:sp>
           <p:nvSpPr>
-            <p:cNvPr id="115" name="pl115"/>
+            <p:cNvPr id="125" name="pl125"/>
             <p:cNvSpPr/>
             <p:nvPr/>
           </p:nvSpPr>
@@ -7511,7 +7856,7 @@
         </p:sp>
         <p:sp>
           <p:nvSpPr>
-            <p:cNvPr id="116" name="pl116"/>
+            <p:cNvPr id="126" name="pl126"/>
             <p:cNvSpPr/>
             <p:nvPr/>
           </p:nvSpPr>
@@ -7551,7 +7896,7 @@
         </p:sp>
         <p:sp>
           <p:nvSpPr>
-            <p:cNvPr id="117" name="pl117"/>
+            <p:cNvPr id="127" name="pl127"/>
             <p:cNvSpPr/>
             <p:nvPr/>
           </p:nvSpPr>
@@ -7591,7 +7936,7 @@
         </p:sp>
         <p:sp>
           <p:nvSpPr>
-            <p:cNvPr id="118" name="pl118"/>
+            <p:cNvPr id="128" name="pl128"/>
             <p:cNvSpPr/>
             <p:nvPr/>
           </p:nvSpPr>
@@ -7631,7 +7976,7 @@
         </p:sp>
         <p:sp>
           <p:nvSpPr>
-            <p:cNvPr id="119" name="pl119"/>
+            <p:cNvPr id="129" name="pl129"/>
             <p:cNvSpPr/>
             <p:nvPr/>
           </p:nvSpPr>
@@ -7671,7 +8016,7 @@
         </p:sp>
         <p:sp>
           <p:nvSpPr>
-            <p:cNvPr id="120" name="pl120"/>
+            <p:cNvPr id="130" name="pl130"/>
             <p:cNvSpPr/>
             <p:nvPr/>
           </p:nvSpPr>
@@ -7711,7 +8056,7 @@
         </p:sp>
         <p:sp>
           <p:nvSpPr>
-            <p:cNvPr id="121" name="pl121"/>
+            <p:cNvPr id="131" name="pl131"/>
             <p:cNvSpPr/>
             <p:nvPr/>
           </p:nvSpPr>
@@ -7751,7 +8096,7 @@
         </p:sp>
         <p:sp>
           <p:nvSpPr>
-            <p:cNvPr id="122" name="pl122"/>
+            <p:cNvPr id="132" name="pl132"/>
             <p:cNvSpPr/>
             <p:nvPr/>
           </p:nvSpPr>
@@ -7791,7 +8136,7 @@
         </p:sp>
         <p:sp>
           <p:nvSpPr>
-            <p:cNvPr id="123" name="pl123"/>
+            <p:cNvPr id="133" name="pl133"/>
             <p:cNvSpPr/>
             <p:nvPr/>
           </p:nvSpPr>
@@ -7831,7 +8176,7 @@
         </p:sp>
         <p:sp>
           <p:nvSpPr>
-            <p:cNvPr id="124" name="pl124"/>
+            <p:cNvPr id="134" name="pl134"/>
             <p:cNvSpPr/>
             <p:nvPr/>
           </p:nvSpPr>
@@ -7871,7 +8216,7 @@
         </p:sp>
         <p:sp>
           <p:nvSpPr>
-            <p:cNvPr id="125" name="pl125"/>
+            <p:cNvPr id="135" name="pl135"/>
             <p:cNvSpPr/>
             <p:nvPr/>
           </p:nvSpPr>
@@ -7911,7 +8256,7 @@
         </p:sp>
         <p:sp>
           <p:nvSpPr>
-            <p:cNvPr id="126" name="pl126"/>
+            <p:cNvPr id="136" name="pl136"/>
             <p:cNvSpPr/>
             <p:nvPr/>
           </p:nvSpPr>
@@ -7951,7 +8296,7 @@
         </p:sp>
         <p:sp>
           <p:nvSpPr>
-            <p:cNvPr id="127" name="pl127"/>
+            <p:cNvPr id="137" name="pl137"/>
             <p:cNvSpPr/>
             <p:nvPr/>
           </p:nvSpPr>
@@ -7991,7 +8336,7 @@
         </p:sp>
         <p:sp>
           <p:nvSpPr>
-            <p:cNvPr id="128" name="pl128"/>
+            <p:cNvPr id="138" name="pl138"/>
             <p:cNvSpPr/>
             <p:nvPr/>
           </p:nvSpPr>
@@ -8031,7 +8376,7 @@
         </p:sp>
         <p:sp>
           <p:nvSpPr>
-            <p:cNvPr id="129" name="pl129"/>
+            <p:cNvPr id="139" name="pl139"/>
             <p:cNvSpPr/>
             <p:nvPr/>
           </p:nvSpPr>
@@ -8071,7 +8416,7 @@
         </p:sp>
         <p:sp>
           <p:nvSpPr>
-            <p:cNvPr id="130" name="tx130"/>
+            <p:cNvPr id="140" name="tx140"/>
             <p:cNvSpPr/>
             <p:nvPr/>
           </p:nvSpPr>
@@ -8117,13 +8462,13 @@
         </p:sp>
         <p:sp>
           <p:nvSpPr>
-            <p:cNvPr id="131" name="tx131"/>
-            <p:cNvSpPr/>
-            <p:nvPr/>
-          </p:nvSpPr>
-          <p:spPr>
-            <a:xfrm>
-              <a:off x="1992940" y="4396044"/>
+            <p:cNvPr id="141" name="tx141"/>
+            <p:cNvSpPr/>
+            <p:nvPr/>
+          </p:nvSpPr>
+          <p:spPr>
+            <a:xfrm>
+              <a:off x="1992940" y="4434679"/>
               <a:ext cx="124311" cy="81691"/>
             </a:xfrm>
             <a:prstGeom prst="rect">
@@ -8163,13 +8508,13 @@
         </p:sp>
         <p:sp>
           <p:nvSpPr>
-            <p:cNvPr id="132" name="tx132"/>
-            <p:cNvSpPr/>
-            <p:nvPr/>
-          </p:nvSpPr>
-          <p:spPr>
-            <a:xfrm>
-              <a:off x="1930784" y="3717180"/>
+            <p:cNvPr id="142" name="tx142"/>
+            <p:cNvSpPr/>
+            <p:nvPr/>
+          </p:nvSpPr>
+          <p:spPr>
+            <a:xfrm>
+              <a:off x="1930784" y="3794449"/>
               <a:ext cx="186466" cy="81691"/>
             </a:xfrm>
             <a:prstGeom prst="rect">
@@ -8209,13 +8554,13 @@
         </p:sp>
         <p:sp>
           <p:nvSpPr>
-            <p:cNvPr id="133" name="tx133"/>
-            <p:cNvSpPr/>
-            <p:nvPr/>
-          </p:nvSpPr>
-          <p:spPr>
-            <a:xfrm>
-              <a:off x="1930784" y="3038315"/>
+            <p:cNvPr id="143" name="tx143"/>
+            <p:cNvSpPr/>
+            <p:nvPr/>
+          </p:nvSpPr>
+          <p:spPr>
+            <a:xfrm>
+              <a:off x="1930784" y="3154219"/>
               <a:ext cx="186466" cy="81691"/>
             </a:xfrm>
             <a:prstGeom prst="rect">
@@ -8255,13 +8600,13 @@
         </p:sp>
         <p:sp>
           <p:nvSpPr>
-            <p:cNvPr id="134" name="tx134"/>
-            <p:cNvSpPr/>
-            <p:nvPr/>
-          </p:nvSpPr>
-          <p:spPr>
-            <a:xfrm>
-              <a:off x="1930784" y="2359451"/>
+            <p:cNvPr id="144" name="tx144"/>
+            <p:cNvSpPr/>
+            <p:nvPr/>
+          </p:nvSpPr>
+          <p:spPr>
+            <a:xfrm>
+              <a:off x="1930784" y="2513989"/>
               <a:ext cx="186466" cy="81691"/>
             </a:xfrm>
             <a:prstGeom prst="rect">
@@ -8301,7 +8646,53 @@
         </p:sp>
         <p:sp>
           <p:nvSpPr>
-            <p:cNvPr id="135" name="pl135"/>
+            <p:cNvPr id="145" name="tx145"/>
+            <p:cNvSpPr/>
+            <p:nvPr/>
+          </p:nvSpPr>
+          <p:spPr>
+            <a:xfrm>
+              <a:off x="1930784" y="1873759"/>
+              <a:ext cx="186466" cy="81691"/>
+            </a:xfrm>
+            <a:prstGeom prst="rect">
+              <a:avLst/>
+            </a:prstGeom>
+            <a:noFill/>
+          </p:spPr>
+          <p:txBody>
+            <a:bodyPr lIns="0" rIns="0" tIns="0" bIns="0" anchorCtr="1" anchor="ctr" wrap="none"/>
+            <a:lstStyle/>
+            <a:p>
+              <a:pPr algn="l" marL="0" marR="0" indent="0">
+                <a:lnSpc>
+                  <a:spcPts val="880"/>
+                </a:lnSpc>
+                <a:spcBef>
+                  <a:spcPts val="0"/>
+                </a:spcBef>
+                <a:spcAft>
+                  <a:spcPts val="0"/>
+                </a:spcAft>
+              </a:pPr>
+              <a:r>
+                <a:rPr sz="880">
+                  <a:solidFill>
+                    <a:srgbClr val="4D4D4D">
+                      <a:alpha val="100000"/>
+                    </a:srgbClr>
+                  </a:solidFill>
+                  <a:latin typeface="Arial"/>
+                  <a:cs typeface="Arial"/>
+                </a:rPr>
+                <a:t>250</a:t>
+              </a:r>
+            </a:p>
+          </p:txBody>
+        </p:sp>
+        <p:sp>
+          <p:nvSpPr>
+            <p:cNvPr id="146" name="pl146"/>
             <p:cNvSpPr/>
             <p:nvPr/>
           </p:nvSpPr>
@@ -8341,13 +8732,13 @@
         </p:sp>
         <p:sp>
           <p:nvSpPr>
-            <p:cNvPr id="136" name="pl136"/>
-            <p:cNvSpPr/>
-            <p:nvPr/>
-          </p:nvSpPr>
-          <p:spPr>
-            <a:xfrm>
-              <a:off x="2145087" y="4437736"/>
+            <p:cNvPr id="147" name="pl147"/>
+            <p:cNvSpPr/>
+            <p:nvPr/>
+          </p:nvSpPr>
+          <p:spPr>
+            <a:xfrm>
+              <a:off x="2145087" y="4476370"/>
               <a:ext cx="34794" cy="0"/>
             </a:xfrm>
             <a:custGeom>
@@ -8381,13 +8772,13 @@
         </p:sp>
         <p:sp>
           <p:nvSpPr>
-            <p:cNvPr id="137" name="pl137"/>
-            <p:cNvSpPr/>
-            <p:nvPr/>
-          </p:nvSpPr>
-          <p:spPr>
-            <a:xfrm>
-              <a:off x="2145087" y="3758871"/>
+            <p:cNvPr id="148" name="pl148"/>
+            <p:cNvSpPr/>
+            <p:nvPr/>
+          </p:nvSpPr>
+          <p:spPr>
+            <a:xfrm>
+              <a:off x="2145087" y="3836141"/>
               <a:ext cx="34794" cy="0"/>
             </a:xfrm>
             <a:custGeom>
@@ -8421,13 +8812,13 @@
         </p:sp>
         <p:sp>
           <p:nvSpPr>
-            <p:cNvPr id="138" name="pl138"/>
-            <p:cNvSpPr/>
-            <p:nvPr/>
-          </p:nvSpPr>
-          <p:spPr>
-            <a:xfrm>
-              <a:off x="2145087" y="3080007"/>
+            <p:cNvPr id="149" name="pl149"/>
+            <p:cNvSpPr/>
+            <p:nvPr/>
+          </p:nvSpPr>
+          <p:spPr>
+            <a:xfrm>
+              <a:off x="2145087" y="3195911"/>
               <a:ext cx="34794" cy="0"/>
             </a:xfrm>
             <a:custGeom>
@@ -8461,13 +8852,13 @@
         </p:sp>
         <p:sp>
           <p:nvSpPr>
-            <p:cNvPr id="139" name="pl139"/>
-            <p:cNvSpPr/>
-            <p:nvPr/>
-          </p:nvSpPr>
-          <p:spPr>
-            <a:xfrm>
-              <a:off x="2145087" y="2401142"/>
+            <p:cNvPr id="150" name="pl150"/>
+            <p:cNvSpPr/>
+            <p:nvPr/>
+          </p:nvSpPr>
+          <p:spPr>
+            <a:xfrm>
+              <a:off x="2145087" y="2555681"/>
               <a:ext cx="34794" cy="0"/>
             </a:xfrm>
             <a:custGeom>
@@ -8501,14 +8892,54 @@
         </p:sp>
         <p:sp>
           <p:nvSpPr>
-            <p:cNvPr id="140" name="rc140"/>
-            <p:cNvSpPr/>
-            <p:nvPr/>
-          </p:nvSpPr>
-          <p:spPr>
-            <a:xfrm>
-              <a:off x="4009020" y="5613598"/>
-              <a:ext cx="3098933" cy="358634"/>
+            <p:cNvPr id="151" name="pl151"/>
+            <p:cNvSpPr/>
+            <p:nvPr/>
+          </p:nvSpPr>
+          <p:spPr>
+            <a:xfrm>
+              <a:off x="2145087" y="1915451"/>
+              <a:ext cx="34794" cy="0"/>
+            </a:xfrm>
+            <a:custGeom>
+              <a:avLst/>
+              <a:pathLst>
+                <a:path w="34794" h="0">
+                  <a:moveTo>
+                    <a:pt x="0" y="0"/>
+                  </a:moveTo>
+                  <a:lnTo>
+                    <a:pt x="34794" y="0"/>
+                  </a:lnTo>
+                </a:path>
+              </a:pathLst>
+            </a:custGeom>
+            <a:ln w="13550" cap="flat">
+              <a:solidFill>
+                <a:srgbClr val="333333">
+                  <a:alpha val="100000"/>
+                </a:srgbClr>
+              </a:solidFill>
+              <a:prstDash val="solid"/>
+              <a:round/>
+            </a:ln>
+          </p:spPr>
+          <p:txBody>
+            <a:bodyPr/>
+            <a:lstStyle/>
+            <a:p/>
+          </p:txBody>
+        </p:sp>
+        <p:sp>
+          <p:nvSpPr>
+            <p:cNvPr id="152" name="rc152"/>
+            <p:cNvSpPr/>
+            <p:nvPr/>
+          </p:nvSpPr>
+          <p:spPr>
+            <a:xfrm>
+              <a:off x="4115433" y="5613598"/>
+              <a:ext cx="2886107" cy="358634"/>
             </a:xfrm>
             <a:prstGeom prst="rect">
               <a:avLst/>
@@ -8527,14 +8958,14 @@
         </p:sp>
         <p:sp>
           <p:nvSpPr>
-            <p:cNvPr id="141" name="rc141"/>
-            <p:cNvSpPr/>
-            <p:nvPr/>
-          </p:nvSpPr>
-          <p:spPr>
-            <a:xfrm>
-              <a:off x="4148198" y="5683187"/>
-              <a:ext cx="219455" cy="219455"/>
+            <p:cNvPr id="153" name="rc153"/>
+            <p:cNvSpPr/>
+            <p:nvPr/>
+          </p:nvSpPr>
+          <p:spPr>
+            <a:xfrm>
+              <a:off x="4254611" y="5683187"/>
+              <a:ext cx="219456" cy="219455"/>
             </a:xfrm>
             <a:prstGeom prst="rect">
               <a:avLst/>
@@ -8553,14 +8984,14 @@
         </p:sp>
         <p:sp>
           <p:nvSpPr>
-            <p:cNvPr id="142" name="rc142"/>
-            <p:cNvSpPr/>
-            <p:nvPr/>
-          </p:nvSpPr>
-          <p:spPr>
-            <a:xfrm>
-              <a:off x="4157198" y="5692187"/>
-              <a:ext cx="201456" cy="201456"/>
+            <p:cNvPr id="154" name="rc154"/>
+            <p:cNvSpPr/>
+            <p:nvPr/>
+          </p:nvSpPr>
+          <p:spPr>
+            <a:xfrm>
+              <a:off x="4263611" y="5692187"/>
+              <a:ext cx="201455" cy="201456"/>
             </a:xfrm>
             <a:prstGeom prst="rect">
               <a:avLst/>
@@ -8579,13 +9010,13 @@
         </p:sp>
         <p:sp>
           <p:nvSpPr>
-            <p:cNvPr id="143" name="rc143"/>
-            <p:cNvSpPr/>
-            <p:nvPr/>
-          </p:nvSpPr>
-          <p:spPr>
-            <a:xfrm>
-              <a:off x="4983463" y="5683187"/>
+            <p:cNvPr id="155" name="rc155"/>
+            <p:cNvSpPr/>
+            <p:nvPr/>
+          </p:nvSpPr>
+          <p:spPr>
+            <a:xfrm>
+              <a:off x="4994550" y="5683187"/>
               <a:ext cx="219455" cy="219455"/>
             </a:xfrm>
             <a:prstGeom prst="rect">
@@ -8605,13 +9036,13 @@
         </p:sp>
         <p:sp>
           <p:nvSpPr>
-            <p:cNvPr id="144" name="rc144"/>
-            <p:cNvSpPr/>
-            <p:nvPr/>
-          </p:nvSpPr>
-          <p:spPr>
-            <a:xfrm>
-              <a:off x="4992463" y="5692187"/>
+            <p:cNvPr id="156" name="rc156"/>
+            <p:cNvSpPr/>
+            <p:nvPr/>
+          </p:nvSpPr>
+          <p:spPr>
+            <a:xfrm>
+              <a:off x="5003550" y="5692187"/>
               <a:ext cx="201456" cy="201456"/>
             </a:xfrm>
             <a:prstGeom prst="rect">
@@ -8631,13 +9062,13 @@
         </p:sp>
         <p:sp>
           <p:nvSpPr>
-            <p:cNvPr id="145" name="rc145"/>
-            <p:cNvSpPr/>
-            <p:nvPr/>
-          </p:nvSpPr>
-          <p:spPr>
-            <a:xfrm>
-              <a:off x="5628076" y="5683187"/>
+            <p:cNvPr id="157" name="rc157"/>
+            <p:cNvSpPr/>
+            <p:nvPr/>
+          </p:nvSpPr>
+          <p:spPr>
+            <a:xfrm>
+              <a:off x="5642363" y="5683187"/>
               <a:ext cx="219455" cy="219455"/>
             </a:xfrm>
             <a:prstGeom prst="rect">
@@ -8657,13 +9088,13 @@
         </p:sp>
         <p:sp>
           <p:nvSpPr>
-            <p:cNvPr id="146" name="rc146"/>
-            <p:cNvSpPr/>
-            <p:nvPr/>
-          </p:nvSpPr>
-          <p:spPr>
-            <a:xfrm>
-              <a:off x="5637076" y="5692187"/>
+            <p:cNvPr id="158" name="rc158"/>
+            <p:cNvSpPr/>
+            <p:nvPr/>
+          </p:nvSpPr>
+          <p:spPr>
+            <a:xfrm>
+              <a:off x="5651363" y="5692187"/>
               <a:ext cx="201456" cy="201456"/>
             </a:xfrm>
             <a:prstGeom prst="rect">
@@ -8683,13 +9114,13 @@
         </p:sp>
         <p:sp>
           <p:nvSpPr>
-            <p:cNvPr id="147" name="rc147"/>
-            <p:cNvSpPr/>
-            <p:nvPr/>
-          </p:nvSpPr>
-          <p:spPr>
-            <a:xfrm>
-              <a:off x="6368015" y="5683187"/>
+            <p:cNvPr id="159" name="rc159"/>
+            <p:cNvSpPr/>
+            <p:nvPr/>
+          </p:nvSpPr>
+          <p:spPr>
+            <a:xfrm>
+              <a:off x="6353727" y="5683187"/>
               <a:ext cx="219455" cy="219455"/>
             </a:xfrm>
             <a:prstGeom prst="rect">
@@ -8709,13 +9140,13 @@
         </p:sp>
         <p:sp>
           <p:nvSpPr>
-            <p:cNvPr id="148" name="rc148"/>
-            <p:cNvSpPr/>
-            <p:nvPr/>
-          </p:nvSpPr>
-          <p:spPr>
-            <a:xfrm>
-              <a:off x="6377015" y="5692187"/>
+            <p:cNvPr id="160" name="rc160"/>
+            <p:cNvSpPr/>
+            <p:nvPr/>
+          </p:nvSpPr>
+          <p:spPr>
+            <a:xfrm>
+              <a:off x="6362727" y="5692187"/>
               <a:ext cx="201456" cy="201456"/>
             </a:xfrm>
             <a:prstGeom prst="rect">
@@ -8735,14 +9166,14 @@
         </p:sp>
         <p:sp>
           <p:nvSpPr>
-            <p:cNvPr id="149" name="tx149"/>
-            <p:cNvSpPr/>
-            <p:nvPr/>
-          </p:nvSpPr>
-          <p:spPr>
-            <a:xfrm>
-              <a:off x="4437243" y="5763065"/>
-              <a:ext cx="419100" cy="69850"/>
+            <p:cNvPr id="161" name="tx161"/>
+            <p:cNvSpPr/>
+            <p:nvPr/>
+          </p:nvSpPr>
+          <p:spPr>
+            <a:xfrm>
+              <a:off x="4543656" y="5763065"/>
+              <a:ext cx="335280" cy="69850"/>
             </a:xfrm>
             <a:prstGeom prst="rect">
               <a:avLst/>
@@ -8774,21 +9205,21 @@
                   <a:latin typeface="Arial"/>
                   <a:cs typeface="Arial"/>
                 </a:rPr>
-                <a:t>完全不认同</a:t>
+                <a:t>单一菌株</a:t>
               </a:r>
             </a:p>
           </p:txBody>
         </p:sp>
         <p:sp>
           <p:nvSpPr>
-            <p:cNvPr id="150" name="tx150"/>
-            <p:cNvSpPr/>
-            <p:nvPr/>
-          </p:nvSpPr>
-          <p:spPr>
-            <a:xfrm>
-              <a:off x="5272508" y="5763065"/>
-              <a:ext cx="251460" cy="69850"/>
+            <p:cNvPr id="162" name="tx162"/>
+            <p:cNvSpPr/>
+            <p:nvPr/>
+          </p:nvSpPr>
+          <p:spPr>
+            <a:xfrm>
+              <a:off x="5283595" y="5751223"/>
+              <a:ext cx="245348" cy="81691"/>
             </a:xfrm>
             <a:prstGeom prst="rect">
               <a:avLst/>
@@ -8820,21 +9251,21 @@
                   <a:latin typeface="Arial"/>
                   <a:cs typeface="Arial"/>
                 </a:rPr>
-                <a:t>不认同</a:t>
+                <a:t>2-5个</a:t>
               </a:r>
             </a:p>
           </p:txBody>
         </p:sp>
         <p:sp>
           <p:nvSpPr>
-            <p:cNvPr id="151" name="tx151"/>
-            <p:cNvSpPr/>
-            <p:nvPr/>
-          </p:nvSpPr>
-          <p:spPr>
-            <a:xfrm>
-              <a:off x="5917121" y="5763065"/>
-              <a:ext cx="335280" cy="69850"/>
+            <p:cNvPr id="163" name="tx163"/>
+            <p:cNvSpPr/>
+            <p:nvPr/>
+          </p:nvSpPr>
+          <p:spPr>
+            <a:xfrm>
+              <a:off x="5931408" y="5751223"/>
+              <a:ext cx="307503" cy="81691"/>
             </a:xfrm>
             <a:prstGeom prst="rect">
               <a:avLst/>
@@ -8866,21 +9297,21 @@
                   <a:latin typeface="Arial"/>
                   <a:cs typeface="Arial"/>
                 </a:rPr>
-                <a:t>有限认同</a:t>
+                <a:t>6-10个</a:t>
               </a:r>
             </a:p>
           </p:txBody>
         </p:sp>
         <p:sp>
           <p:nvSpPr>
-            <p:cNvPr id="152" name="tx152"/>
-            <p:cNvSpPr/>
-            <p:nvPr/>
-          </p:nvSpPr>
-          <p:spPr>
-            <a:xfrm>
-              <a:off x="6657060" y="5763065"/>
-              <a:ext cx="335280" cy="69850"/>
+            <p:cNvPr id="164" name="tx164"/>
+            <p:cNvSpPr/>
+            <p:nvPr/>
+          </p:nvSpPr>
+          <p:spPr>
+            <a:xfrm>
+              <a:off x="6642772" y="5751223"/>
+              <a:ext cx="269468" cy="81691"/>
             </a:xfrm>
             <a:prstGeom prst="rect">
               <a:avLst/>
@@ -8912,7 +9343,7 @@
                   <a:latin typeface="Arial"/>
                   <a:cs typeface="Arial"/>
                 </a:rPr>
-                <a:t>完全认同</a:t>
+                <a:t>≥10个</a:t>
               </a:r>
             </a:p>
           </p:txBody>
